--- a/Step04-Cloud_Platforms_speach.pptx
+++ b/Step04-Cloud_Platforms_speach.pptx
@@ -5,7 +5,7 @@
     <p:sldMasterId id="2147483648" r:id="rId1"/>
   </p:sldMasterIdLst>
   <p:notesMasterIdLst>
-    <p:notesMasterId r:id="rId31"/>
+    <p:notesMasterId r:id="rId39"/>
   </p:notesMasterIdLst>
   <p:sldIdLst>
     <p:sldId id="307" r:id="rId2"/>
@@ -37,6 +37,14 @@
     <p:sldId id="330" r:id="rId28"/>
     <p:sldId id="331" r:id="rId29"/>
     <p:sldId id="332" r:id="rId30"/>
+    <p:sldId id="333" r:id="rId31"/>
+    <p:sldId id="334" r:id="rId32"/>
+    <p:sldId id="335" r:id="rId33"/>
+    <p:sldId id="336" r:id="rId34"/>
+    <p:sldId id="337" r:id="rId35"/>
+    <p:sldId id="338" r:id="rId36"/>
+    <p:sldId id="339" r:id="rId37"/>
+    <p:sldId id="340" r:id="rId38"/>
   </p:sldIdLst>
   <p:sldSz cx="12192000" cy="6858000"/>
   <p:notesSz cx="6858000" cy="9144000"/>
@@ -181,6 +189,14 @@
         <p14:section name="Azure" id="{74DB9465-935B-483A-ABE1-C42828340175}">
           <p14:sldIdLst>
             <p14:sldId id="332"/>
+            <p14:sldId id="333"/>
+            <p14:sldId id="334"/>
+            <p14:sldId id="335"/>
+            <p14:sldId id="336"/>
+            <p14:sldId id="337"/>
+            <p14:sldId id="338"/>
+            <p14:sldId id="339"/>
+            <p14:sldId id="340"/>
           </p14:sldIdLst>
         </p14:section>
       </p14:sectionLst>
@@ -195,7 +211,7 @@
 <file path=ppt/revisionInfo.xml><?xml version="1.0" encoding="utf-8"?>
 <p1510:revInfo xmlns:a="http://schemas.openxmlformats.org/drawingml/2006/main" xmlns:r="http://schemas.openxmlformats.org/officeDocument/2006/relationships" xmlns:p1510="http://schemas.microsoft.com/office/powerpoint/2015/10/main">
   <p1510:revLst>
-    <p1510:client id="{A3EFBF31-7B9C-4D5A-89F5-DC51A0BFC201}" v="56" dt="2024-01-30T16:31:10.303"/>
+    <p1510:client id="{A3EFBF31-7B9C-4D5A-89F5-DC51A0BFC201}" v="66" dt="2024-01-30T17:06:23.397"/>
   </p1510:revLst>
 </p1510:revInfo>
 </file>
@@ -814,7 +830,7 @@
   <pc:docChgLst>
     <pc:chgData name="Ihor Aleksandrov" userId="c3051032-6b87-4db2-b257-777a0106fbd9" providerId="ADAL" clId="{A3EFBF31-7B9C-4D5A-89F5-DC51A0BFC201}"/>
     <pc:docChg chg="undo redo custSel addSld delSld modSld sldOrd addSection delSection modSection">
-      <pc:chgData name="Ihor Aleksandrov" userId="c3051032-6b87-4db2-b257-777a0106fbd9" providerId="ADAL" clId="{A3EFBF31-7B9C-4D5A-89F5-DC51A0BFC201}" dt="2024-01-30T16:32:00.148" v="384" actId="1076"/>
+      <pc:chgData name="Ihor Aleksandrov" userId="c3051032-6b87-4db2-b257-777a0106fbd9" providerId="ADAL" clId="{A3EFBF31-7B9C-4D5A-89F5-DC51A0BFC201}" dt="2024-01-30T17:06:59.644" v="474" actId="14100"/>
       <pc:docMkLst>
         <pc:docMk/>
       </pc:docMkLst>
@@ -2400,6 +2416,459 @@
             <ac:spMk id="8" creationId="{D80D4606-303C-A4FF-2CD0-9D8F25FD2956}"/>
           </ac:spMkLst>
         </pc:spChg>
+      </pc:sldChg>
+      <pc:sldChg chg="addSp delSp modSp add mod ord">
+        <pc:chgData name="Ihor Aleksandrov" userId="c3051032-6b87-4db2-b257-777a0106fbd9" providerId="ADAL" clId="{A3EFBF31-7B9C-4D5A-89F5-DC51A0BFC201}" dt="2024-01-30T16:43:22.321" v="395" actId="1076"/>
+        <pc:sldMkLst>
+          <pc:docMk/>
+          <pc:sldMk cId="425832475" sldId="333"/>
+        </pc:sldMkLst>
+        <pc:spChg chg="mod">
+          <ac:chgData name="Ihor Aleksandrov" userId="c3051032-6b87-4db2-b257-777a0106fbd9" providerId="ADAL" clId="{A3EFBF31-7B9C-4D5A-89F5-DC51A0BFC201}" dt="2024-01-30T16:43:05.115" v="391" actId="20577"/>
+          <ac:spMkLst>
+            <pc:docMk/>
+            <pc:sldMk cId="425832475" sldId="333"/>
+            <ac:spMk id="2" creationId="{53C5D828-9666-E312-B574-9FE965A7D6BE}"/>
+          </ac:spMkLst>
+        </pc:spChg>
+        <pc:spChg chg="add mod">
+          <ac:chgData name="Ihor Aleksandrov" userId="c3051032-6b87-4db2-b257-777a0106fbd9" providerId="ADAL" clId="{A3EFBF31-7B9C-4D5A-89F5-DC51A0BFC201}" dt="2024-01-30T16:43:22.321" v="395" actId="1076"/>
+          <ac:spMkLst>
+            <pc:docMk/>
+            <pc:sldMk cId="425832475" sldId="333"/>
+            <ac:spMk id="5" creationId="{56541864-3346-1696-817B-BEEAB00B0FF3}"/>
+          </ac:spMkLst>
+        </pc:spChg>
+        <pc:spChg chg="del mod">
+          <ac:chgData name="Ihor Aleksandrov" userId="c3051032-6b87-4db2-b257-777a0106fbd9" providerId="ADAL" clId="{A3EFBF31-7B9C-4D5A-89F5-DC51A0BFC201}" dt="2024-01-30T16:43:11.077" v="393" actId="478"/>
+          <ac:spMkLst>
+            <pc:docMk/>
+            <pc:sldMk cId="425832475" sldId="333"/>
+            <ac:spMk id="6" creationId="{441F66BD-B60E-22C3-02E6-7EE4D7DC36E9}"/>
+          </ac:spMkLst>
+        </pc:spChg>
+      </pc:sldChg>
+      <pc:sldChg chg="delSp modSp add mod">
+        <pc:chgData name="Ihor Aleksandrov" userId="c3051032-6b87-4db2-b257-777a0106fbd9" providerId="ADAL" clId="{A3EFBF31-7B9C-4D5A-89F5-DC51A0BFC201}" dt="2024-01-30T16:49:15.535" v="398" actId="478"/>
+        <pc:sldMkLst>
+          <pc:docMk/>
+          <pc:sldMk cId="672488779" sldId="334"/>
+        </pc:sldMkLst>
+        <pc:spChg chg="mod">
+          <ac:chgData name="Ihor Aleksandrov" userId="c3051032-6b87-4db2-b257-777a0106fbd9" providerId="ADAL" clId="{A3EFBF31-7B9C-4D5A-89F5-DC51A0BFC201}" dt="2024-01-30T16:47:33.077" v="397"/>
+          <ac:spMkLst>
+            <pc:docMk/>
+            <pc:sldMk cId="672488779" sldId="334"/>
+            <ac:spMk id="2" creationId="{53C5D828-9666-E312-B574-9FE965A7D6BE}"/>
+          </ac:spMkLst>
+        </pc:spChg>
+        <pc:spChg chg="del">
+          <ac:chgData name="Ihor Aleksandrov" userId="c3051032-6b87-4db2-b257-777a0106fbd9" providerId="ADAL" clId="{A3EFBF31-7B9C-4D5A-89F5-DC51A0BFC201}" dt="2024-01-30T16:49:15.535" v="398" actId="478"/>
+          <ac:spMkLst>
+            <pc:docMk/>
+            <pc:sldMk cId="672488779" sldId="334"/>
+            <ac:spMk id="5" creationId="{56541864-3346-1696-817B-BEEAB00B0FF3}"/>
+          </ac:spMkLst>
+        </pc:spChg>
+      </pc:sldChg>
+      <pc:sldChg chg="addSp delSp modSp add mod setBg delDesignElem">
+        <pc:chgData name="Ihor Aleksandrov" userId="c3051032-6b87-4db2-b257-777a0106fbd9" providerId="ADAL" clId="{A3EFBF31-7B9C-4D5A-89F5-DC51A0BFC201}" dt="2024-01-30T16:51:39.747" v="409" actId="1076"/>
+        <pc:sldMkLst>
+          <pc:docMk/>
+          <pc:sldMk cId="4118740463" sldId="335"/>
+        </pc:sldMkLst>
+        <pc:spChg chg="mod">
+          <ac:chgData name="Ihor Aleksandrov" userId="c3051032-6b87-4db2-b257-777a0106fbd9" providerId="ADAL" clId="{A3EFBF31-7B9C-4D5A-89F5-DC51A0BFC201}" dt="2024-01-30T16:51:06.633" v="401" actId="26606"/>
+          <ac:spMkLst>
+            <pc:docMk/>
+            <pc:sldMk cId="4118740463" sldId="335"/>
+            <ac:spMk id="2" creationId="{53C5D828-9666-E312-B574-9FE965A7D6BE}"/>
+          </ac:spMkLst>
+        </pc:spChg>
+        <pc:spChg chg="mod ord">
+          <ac:chgData name="Ihor Aleksandrov" userId="c3051032-6b87-4db2-b257-777a0106fbd9" providerId="ADAL" clId="{A3EFBF31-7B9C-4D5A-89F5-DC51A0BFC201}" dt="2024-01-30T16:51:06.633" v="401" actId="26606"/>
+          <ac:spMkLst>
+            <pc:docMk/>
+            <pc:sldMk cId="4118740463" sldId="335"/>
+            <ac:spMk id="3" creationId="{5AA19FA0-A765-8169-03F1-928E3EF7B595}"/>
+          </ac:spMkLst>
+        </pc:spChg>
+        <pc:spChg chg="add mod">
+          <ac:chgData name="Ihor Aleksandrov" userId="c3051032-6b87-4db2-b257-777a0106fbd9" providerId="ADAL" clId="{A3EFBF31-7B9C-4D5A-89F5-DC51A0BFC201}" dt="2024-01-30T16:51:22.530" v="405" actId="1076"/>
+          <ac:spMkLst>
+            <pc:docMk/>
+            <pc:sldMk cId="4118740463" sldId="335"/>
+            <ac:spMk id="6" creationId="{1C87B4A5-B6F9-925D-2E61-F17B8515EDB6}"/>
+          </ac:spMkLst>
+        </pc:spChg>
+        <pc:spChg chg="add mod">
+          <ac:chgData name="Ihor Aleksandrov" userId="c3051032-6b87-4db2-b257-777a0106fbd9" providerId="ADAL" clId="{A3EFBF31-7B9C-4D5A-89F5-DC51A0BFC201}" dt="2024-01-30T16:51:39.747" v="409" actId="1076"/>
+          <ac:spMkLst>
+            <pc:docMk/>
+            <pc:sldMk cId="4118740463" sldId="335"/>
+            <ac:spMk id="8" creationId="{2C1EB47E-EE6C-4138-1730-2A3394B59E2D}"/>
+          </ac:spMkLst>
+        </pc:spChg>
+        <pc:spChg chg="add">
+          <ac:chgData name="Ihor Aleksandrov" userId="c3051032-6b87-4db2-b257-777a0106fbd9" providerId="ADAL" clId="{A3EFBF31-7B9C-4D5A-89F5-DC51A0BFC201}" dt="2024-01-30T16:51:06.633" v="401" actId="26606"/>
+          <ac:spMkLst>
+            <pc:docMk/>
+            <pc:sldMk cId="4118740463" sldId="335"/>
+            <ac:spMk id="9" creationId="{D4771268-CB57-404A-9271-370EB28F6090}"/>
+          </ac:spMkLst>
+        </pc:spChg>
+        <pc:spChg chg="del">
+          <ac:chgData name="Ihor Aleksandrov" userId="c3051032-6b87-4db2-b257-777a0106fbd9" providerId="ADAL" clId="{A3EFBF31-7B9C-4D5A-89F5-DC51A0BFC201}" dt="2024-01-30T16:51:03.224" v="400"/>
+          <ac:spMkLst>
+            <pc:docMk/>
+            <pc:sldMk cId="4118740463" sldId="335"/>
+            <ac:spMk id="24" creationId="{D4771268-CB57-404A-9271-370EB28F6090}"/>
+          </ac:spMkLst>
+        </pc:spChg>
+        <pc:picChg chg="mod">
+          <ac:chgData name="Ihor Aleksandrov" userId="c3051032-6b87-4db2-b257-777a0106fbd9" providerId="ADAL" clId="{A3EFBF31-7B9C-4D5A-89F5-DC51A0BFC201}" dt="2024-01-30T16:51:12.169" v="403" actId="1076"/>
+          <ac:picMkLst>
+            <pc:docMk/>
+            <pc:sldMk cId="4118740463" sldId="335"/>
+            <ac:picMk id="4" creationId="{A91F707B-939A-F8D1-6735-D94299CB63A1}"/>
+          </ac:picMkLst>
+        </pc:picChg>
+      </pc:sldChg>
+      <pc:sldChg chg="addSp delSp add del setBg delDesignElem">
+        <pc:chgData name="Ihor Aleksandrov" userId="c3051032-6b87-4db2-b257-777a0106fbd9" providerId="ADAL" clId="{A3EFBF31-7B9C-4D5A-89F5-DC51A0BFC201}" dt="2024-01-30T16:58:05.137" v="412"/>
+        <pc:sldMkLst>
+          <pc:docMk/>
+          <pc:sldMk cId="246431689" sldId="336"/>
+        </pc:sldMkLst>
+        <pc:spChg chg="add del">
+          <ac:chgData name="Ihor Aleksandrov" userId="c3051032-6b87-4db2-b257-777a0106fbd9" providerId="ADAL" clId="{A3EFBF31-7B9C-4D5A-89F5-DC51A0BFC201}" dt="2024-01-30T16:58:05.137" v="412"/>
+          <ac:spMkLst>
+            <pc:docMk/>
+            <pc:sldMk cId="246431689" sldId="336"/>
+            <ac:spMk id="24" creationId="{D4771268-CB57-404A-9271-370EB28F6090}"/>
+          </ac:spMkLst>
+        </pc:spChg>
+      </pc:sldChg>
+      <pc:sldChg chg="addSp delSp modSp add mod">
+        <pc:chgData name="Ihor Aleksandrov" userId="c3051032-6b87-4db2-b257-777a0106fbd9" providerId="ADAL" clId="{A3EFBF31-7B9C-4D5A-89F5-DC51A0BFC201}" dt="2024-01-30T16:59:03.228" v="429" actId="14100"/>
+        <pc:sldMkLst>
+          <pc:docMk/>
+          <pc:sldMk cId="4057990109" sldId="336"/>
+        </pc:sldMkLst>
+        <pc:spChg chg="mod">
+          <ac:chgData name="Ihor Aleksandrov" userId="c3051032-6b87-4db2-b257-777a0106fbd9" providerId="ADAL" clId="{A3EFBF31-7B9C-4D5A-89F5-DC51A0BFC201}" dt="2024-01-30T16:58:40.382" v="423"/>
+          <ac:spMkLst>
+            <pc:docMk/>
+            <pc:sldMk cId="4057990109" sldId="336"/>
+            <ac:spMk id="2" creationId="{53C5D828-9666-E312-B574-9FE965A7D6BE}"/>
+          </ac:spMkLst>
+        </pc:spChg>
+        <pc:spChg chg="del">
+          <ac:chgData name="Ihor Aleksandrov" userId="c3051032-6b87-4db2-b257-777a0106fbd9" providerId="ADAL" clId="{A3EFBF31-7B9C-4D5A-89F5-DC51A0BFC201}" dt="2024-01-30T16:58:27.438" v="418" actId="478"/>
+          <ac:spMkLst>
+            <pc:docMk/>
+            <pc:sldMk cId="4057990109" sldId="336"/>
+            <ac:spMk id="6" creationId="{1C87B4A5-B6F9-925D-2E61-F17B8515EDB6}"/>
+          </ac:spMkLst>
+        </pc:spChg>
+        <pc:spChg chg="add mod">
+          <ac:chgData name="Ihor Aleksandrov" userId="c3051032-6b87-4db2-b257-777a0106fbd9" providerId="ADAL" clId="{A3EFBF31-7B9C-4D5A-89F5-DC51A0BFC201}" dt="2024-01-30T16:58:48.193" v="425" actId="1076"/>
+          <ac:spMkLst>
+            <pc:docMk/>
+            <pc:sldMk cId="4057990109" sldId="336"/>
+            <ac:spMk id="7" creationId="{B8E58B54-E643-3336-CDC4-A483A1B31172}"/>
+          </ac:spMkLst>
+        </pc:spChg>
+        <pc:spChg chg="del">
+          <ac:chgData name="Ihor Aleksandrov" userId="c3051032-6b87-4db2-b257-777a0106fbd9" providerId="ADAL" clId="{A3EFBF31-7B9C-4D5A-89F5-DC51A0BFC201}" dt="2024-01-30T16:58:28.880" v="419" actId="478"/>
+          <ac:spMkLst>
+            <pc:docMk/>
+            <pc:sldMk cId="4057990109" sldId="336"/>
+            <ac:spMk id="8" creationId="{2C1EB47E-EE6C-4138-1730-2A3394B59E2D}"/>
+          </ac:spMkLst>
+        </pc:spChg>
+        <pc:spChg chg="add mod">
+          <ac:chgData name="Ihor Aleksandrov" userId="c3051032-6b87-4db2-b257-777a0106fbd9" providerId="ADAL" clId="{A3EFBF31-7B9C-4D5A-89F5-DC51A0BFC201}" dt="2024-01-30T16:59:03.228" v="429" actId="14100"/>
+          <ac:spMkLst>
+            <pc:docMk/>
+            <pc:sldMk cId="4057990109" sldId="336"/>
+            <ac:spMk id="11" creationId="{52C8C12C-ABEB-D15B-CC92-96493023A197}"/>
+          </ac:spMkLst>
+        </pc:spChg>
+        <pc:picChg chg="del">
+          <ac:chgData name="Ihor Aleksandrov" userId="c3051032-6b87-4db2-b257-777a0106fbd9" providerId="ADAL" clId="{A3EFBF31-7B9C-4D5A-89F5-DC51A0BFC201}" dt="2024-01-30T16:58:24.913" v="417" actId="478"/>
+          <ac:picMkLst>
+            <pc:docMk/>
+            <pc:sldMk cId="4057990109" sldId="336"/>
+            <ac:picMk id="4" creationId="{A91F707B-939A-F8D1-6735-D94299CB63A1}"/>
+          </ac:picMkLst>
+        </pc:picChg>
+      </pc:sldChg>
+      <pc:sldChg chg="addSp delSp add del setBg delDesignElem">
+        <pc:chgData name="Ihor Aleksandrov" userId="c3051032-6b87-4db2-b257-777a0106fbd9" providerId="ADAL" clId="{A3EFBF31-7B9C-4D5A-89F5-DC51A0BFC201}" dt="2024-01-30T16:58:19.104" v="415"/>
+        <pc:sldMkLst>
+          <pc:docMk/>
+          <pc:sldMk cId="4245183923" sldId="336"/>
+        </pc:sldMkLst>
+        <pc:spChg chg="add del">
+          <ac:chgData name="Ihor Aleksandrov" userId="c3051032-6b87-4db2-b257-777a0106fbd9" providerId="ADAL" clId="{A3EFBF31-7B9C-4D5A-89F5-DC51A0BFC201}" dt="2024-01-30T16:58:19.104" v="415"/>
+          <ac:spMkLst>
+            <pc:docMk/>
+            <pc:sldMk cId="4245183923" sldId="336"/>
+            <ac:spMk id="9" creationId="{D4771268-CB57-404A-9271-370EB28F6090}"/>
+          </ac:spMkLst>
+        </pc:spChg>
+      </pc:sldChg>
+      <pc:sldChg chg="addSp delSp add del setBg delDesignElem">
+        <pc:chgData name="Ihor Aleksandrov" userId="c3051032-6b87-4db2-b257-777a0106fbd9" providerId="ADAL" clId="{A3EFBF31-7B9C-4D5A-89F5-DC51A0BFC201}" dt="2024-01-30T16:58:32.732" v="422"/>
+        <pc:sldMkLst>
+          <pc:docMk/>
+          <pc:sldMk cId="951385429" sldId="337"/>
+        </pc:sldMkLst>
+        <pc:spChg chg="add del">
+          <ac:chgData name="Ihor Aleksandrov" userId="c3051032-6b87-4db2-b257-777a0106fbd9" providerId="ADAL" clId="{A3EFBF31-7B9C-4D5A-89F5-DC51A0BFC201}" dt="2024-01-30T16:58:32.732" v="422"/>
+          <ac:spMkLst>
+            <pc:docMk/>
+            <pc:sldMk cId="951385429" sldId="337"/>
+            <ac:spMk id="9" creationId="{D4771268-CB57-404A-9271-370EB28F6090}"/>
+          </ac:spMkLst>
+        </pc:spChg>
+      </pc:sldChg>
+      <pc:sldChg chg="addSp delSp modSp add mod">
+        <pc:chgData name="Ihor Aleksandrov" userId="c3051032-6b87-4db2-b257-777a0106fbd9" providerId="ADAL" clId="{A3EFBF31-7B9C-4D5A-89F5-DC51A0BFC201}" dt="2024-01-30T17:00:50.990" v="441" actId="1076"/>
+        <pc:sldMkLst>
+          <pc:docMk/>
+          <pc:sldMk cId="3040223107" sldId="337"/>
+        </pc:sldMkLst>
+        <pc:spChg chg="mod">
+          <ac:chgData name="Ihor Aleksandrov" userId="c3051032-6b87-4db2-b257-777a0106fbd9" providerId="ADAL" clId="{A3EFBF31-7B9C-4D5A-89F5-DC51A0BFC201}" dt="2024-01-30T17:00:20.484" v="435" actId="27636"/>
+          <ac:spMkLst>
+            <pc:docMk/>
+            <pc:sldMk cId="3040223107" sldId="337"/>
+            <ac:spMk id="2" creationId="{53C5D828-9666-E312-B574-9FE965A7D6BE}"/>
+          </ac:spMkLst>
+        </pc:spChg>
+        <pc:spChg chg="add mod">
+          <ac:chgData name="Ihor Aleksandrov" userId="c3051032-6b87-4db2-b257-777a0106fbd9" providerId="ADAL" clId="{A3EFBF31-7B9C-4D5A-89F5-DC51A0BFC201}" dt="2024-01-30T17:00:35.902" v="437" actId="1076"/>
+          <ac:spMkLst>
+            <pc:docMk/>
+            <pc:sldMk cId="3040223107" sldId="337"/>
+            <ac:spMk id="5" creationId="{33597F75-C7E9-EB39-45C7-0BBD5649CD90}"/>
+          </ac:spMkLst>
+        </pc:spChg>
+        <pc:spChg chg="del">
+          <ac:chgData name="Ihor Aleksandrov" userId="c3051032-6b87-4db2-b257-777a0106fbd9" providerId="ADAL" clId="{A3EFBF31-7B9C-4D5A-89F5-DC51A0BFC201}" dt="2024-01-30T17:00:08.887" v="431" actId="478"/>
+          <ac:spMkLst>
+            <pc:docMk/>
+            <pc:sldMk cId="3040223107" sldId="337"/>
+            <ac:spMk id="7" creationId="{B8E58B54-E643-3336-CDC4-A483A1B31172}"/>
+          </ac:spMkLst>
+        </pc:spChg>
+        <pc:spChg chg="add mod">
+          <ac:chgData name="Ihor Aleksandrov" userId="c3051032-6b87-4db2-b257-777a0106fbd9" providerId="ADAL" clId="{A3EFBF31-7B9C-4D5A-89F5-DC51A0BFC201}" dt="2024-01-30T17:00:50.990" v="441" actId="1076"/>
+          <ac:spMkLst>
+            <pc:docMk/>
+            <pc:sldMk cId="3040223107" sldId="337"/>
+            <ac:spMk id="8" creationId="{47E2BEA7-BC4B-5ED9-06E5-48C28E02E92E}"/>
+          </ac:spMkLst>
+        </pc:spChg>
+        <pc:spChg chg="del mod">
+          <ac:chgData name="Ihor Aleksandrov" userId="c3051032-6b87-4db2-b257-777a0106fbd9" providerId="ADAL" clId="{A3EFBF31-7B9C-4D5A-89F5-DC51A0BFC201}" dt="2024-01-30T17:00:13.218" v="433" actId="478"/>
+          <ac:spMkLst>
+            <pc:docMk/>
+            <pc:sldMk cId="3040223107" sldId="337"/>
+            <ac:spMk id="11" creationId="{52C8C12C-ABEB-D15B-CC92-96493023A197}"/>
+          </ac:spMkLst>
+        </pc:spChg>
+      </pc:sldChg>
+      <pc:sldChg chg="addSp delSp modSp add mod setBg delDesignElem">
+        <pc:chgData name="Ihor Aleksandrov" userId="c3051032-6b87-4db2-b257-777a0106fbd9" providerId="ADAL" clId="{A3EFBF31-7B9C-4D5A-89F5-DC51A0BFC201}" dt="2024-01-30T17:02:55.828" v="451" actId="1076"/>
+        <pc:sldMkLst>
+          <pc:docMk/>
+          <pc:sldMk cId="4103443897" sldId="338"/>
+        </pc:sldMkLst>
+        <pc:spChg chg="mod">
+          <ac:chgData name="Ihor Aleksandrov" userId="c3051032-6b87-4db2-b257-777a0106fbd9" providerId="ADAL" clId="{A3EFBF31-7B9C-4D5A-89F5-DC51A0BFC201}" dt="2024-01-30T17:02:19.005" v="444" actId="26606"/>
+          <ac:spMkLst>
+            <pc:docMk/>
+            <pc:sldMk cId="4103443897" sldId="338"/>
+            <ac:spMk id="2" creationId="{53C5D828-9666-E312-B574-9FE965A7D6BE}"/>
+          </ac:spMkLst>
+        </pc:spChg>
+        <pc:spChg chg="mod ord">
+          <ac:chgData name="Ihor Aleksandrov" userId="c3051032-6b87-4db2-b257-777a0106fbd9" providerId="ADAL" clId="{A3EFBF31-7B9C-4D5A-89F5-DC51A0BFC201}" dt="2024-01-30T17:02:19.005" v="444" actId="26606"/>
+          <ac:spMkLst>
+            <pc:docMk/>
+            <pc:sldMk cId="4103443897" sldId="338"/>
+            <ac:spMk id="3" creationId="{5AA19FA0-A765-8169-03F1-928E3EF7B595}"/>
+          </ac:spMkLst>
+        </pc:spChg>
+        <pc:spChg chg="add mod">
+          <ac:chgData name="Ihor Aleksandrov" userId="c3051032-6b87-4db2-b257-777a0106fbd9" providerId="ADAL" clId="{A3EFBF31-7B9C-4D5A-89F5-DC51A0BFC201}" dt="2024-01-30T17:02:42.891" v="448" actId="1076"/>
+          <ac:spMkLst>
+            <pc:docMk/>
+            <pc:sldMk cId="4103443897" sldId="338"/>
+            <ac:spMk id="6" creationId="{C8759947-2535-A50E-C6DF-79B29DA36D32}"/>
+          </ac:spMkLst>
+        </pc:spChg>
+        <pc:spChg chg="add mod">
+          <ac:chgData name="Ihor Aleksandrov" userId="c3051032-6b87-4db2-b257-777a0106fbd9" providerId="ADAL" clId="{A3EFBF31-7B9C-4D5A-89F5-DC51A0BFC201}" dt="2024-01-30T17:02:55.828" v="451" actId="1076"/>
+          <ac:spMkLst>
+            <pc:docMk/>
+            <pc:sldMk cId="4103443897" sldId="338"/>
+            <ac:spMk id="8" creationId="{F292E385-DB42-6361-7AA5-709A361F226F}"/>
+          </ac:spMkLst>
+        </pc:spChg>
+        <pc:spChg chg="add">
+          <ac:chgData name="Ihor Aleksandrov" userId="c3051032-6b87-4db2-b257-777a0106fbd9" providerId="ADAL" clId="{A3EFBF31-7B9C-4D5A-89F5-DC51A0BFC201}" dt="2024-01-30T17:02:19.005" v="444" actId="26606"/>
+          <ac:spMkLst>
+            <pc:docMk/>
+            <pc:sldMk cId="4103443897" sldId="338"/>
+            <ac:spMk id="9" creationId="{D4771268-CB57-404A-9271-370EB28F6090}"/>
+          </ac:spMkLst>
+        </pc:spChg>
+        <pc:spChg chg="del">
+          <ac:chgData name="Ihor Aleksandrov" userId="c3051032-6b87-4db2-b257-777a0106fbd9" providerId="ADAL" clId="{A3EFBF31-7B9C-4D5A-89F5-DC51A0BFC201}" dt="2024-01-30T17:02:16.059" v="443"/>
+          <ac:spMkLst>
+            <pc:docMk/>
+            <pc:sldMk cId="4103443897" sldId="338"/>
+            <ac:spMk id="24" creationId="{D4771268-CB57-404A-9271-370EB28F6090}"/>
+          </ac:spMkLst>
+        </pc:spChg>
+        <pc:picChg chg="mod">
+          <ac:chgData name="Ihor Aleksandrov" userId="c3051032-6b87-4db2-b257-777a0106fbd9" providerId="ADAL" clId="{A3EFBF31-7B9C-4D5A-89F5-DC51A0BFC201}" dt="2024-01-30T17:02:26.353" v="446" actId="1076"/>
+          <ac:picMkLst>
+            <pc:docMk/>
+            <pc:sldMk cId="4103443897" sldId="338"/>
+            <ac:picMk id="4" creationId="{434808D8-9B40-EE3F-5B67-B5C4ECE37F68}"/>
+          </ac:picMkLst>
+        </pc:picChg>
+      </pc:sldChg>
+      <pc:sldChg chg="addSp delSp modSp add mod setBg delDesignElem">
+        <pc:chgData name="Ihor Aleksandrov" userId="c3051032-6b87-4db2-b257-777a0106fbd9" providerId="ADAL" clId="{A3EFBF31-7B9C-4D5A-89F5-DC51A0BFC201}" dt="2024-01-30T17:04:50.627" v="463" actId="1076"/>
+        <pc:sldMkLst>
+          <pc:docMk/>
+          <pc:sldMk cId="3743280714" sldId="339"/>
+        </pc:sldMkLst>
+        <pc:spChg chg="mod">
+          <ac:chgData name="Ihor Aleksandrov" userId="c3051032-6b87-4db2-b257-777a0106fbd9" providerId="ADAL" clId="{A3EFBF31-7B9C-4D5A-89F5-DC51A0BFC201}" dt="2024-01-30T17:04:00.765" v="454" actId="26606"/>
+          <ac:spMkLst>
+            <pc:docMk/>
+            <pc:sldMk cId="3743280714" sldId="339"/>
+            <ac:spMk id="2" creationId="{53C5D828-9666-E312-B574-9FE965A7D6BE}"/>
+          </ac:spMkLst>
+        </pc:spChg>
+        <pc:spChg chg="mod ord">
+          <ac:chgData name="Ihor Aleksandrov" userId="c3051032-6b87-4db2-b257-777a0106fbd9" providerId="ADAL" clId="{A3EFBF31-7B9C-4D5A-89F5-DC51A0BFC201}" dt="2024-01-30T17:04:00.765" v="454" actId="26606"/>
+          <ac:spMkLst>
+            <pc:docMk/>
+            <pc:sldMk cId="3743280714" sldId="339"/>
+            <ac:spMk id="3" creationId="{5AA19FA0-A765-8169-03F1-928E3EF7B595}"/>
+          </ac:spMkLst>
+        </pc:spChg>
+        <pc:spChg chg="add mod">
+          <ac:chgData name="Ihor Aleksandrov" userId="c3051032-6b87-4db2-b257-777a0106fbd9" providerId="ADAL" clId="{A3EFBF31-7B9C-4D5A-89F5-DC51A0BFC201}" dt="2024-01-30T17:04:37.523" v="460" actId="255"/>
+          <ac:spMkLst>
+            <pc:docMk/>
+            <pc:sldMk cId="3743280714" sldId="339"/>
+            <ac:spMk id="6" creationId="{ED429267-F412-EA48-A37D-66E3A626D366}"/>
+          </ac:spMkLst>
+        </pc:spChg>
+        <pc:spChg chg="add mod">
+          <ac:chgData name="Ihor Aleksandrov" userId="c3051032-6b87-4db2-b257-777a0106fbd9" providerId="ADAL" clId="{A3EFBF31-7B9C-4D5A-89F5-DC51A0BFC201}" dt="2024-01-30T17:04:50.627" v="463" actId="1076"/>
+          <ac:spMkLst>
+            <pc:docMk/>
+            <pc:sldMk cId="3743280714" sldId="339"/>
+            <ac:spMk id="8" creationId="{A172E53A-21D7-92EC-40FA-94193D2C3940}"/>
+          </ac:spMkLst>
+        </pc:spChg>
+        <pc:spChg chg="add">
+          <ac:chgData name="Ihor Aleksandrov" userId="c3051032-6b87-4db2-b257-777a0106fbd9" providerId="ADAL" clId="{A3EFBF31-7B9C-4D5A-89F5-DC51A0BFC201}" dt="2024-01-30T17:04:00.765" v="454" actId="26606"/>
+          <ac:spMkLst>
+            <pc:docMk/>
+            <pc:sldMk cId="3743280714" sldId="339"/>
+            <ac:spMk id="10" creationId="{D4771268-CB57-404A-9271-370EB28F6090}"/>
+          </ac:spMkLst>
+        </pc:spChg>
+        <pc:spChg chg="del">
+          <ac:chgData name="Ihor Aleksandrov" userId="c3051032-6b87-4db2-b257-777a0106fbd9" providerId="ADAL" clId="{A3EFBF31-7B9C-4D5A-89F5-DC51A0BFC201}" dt="2024-01-30T17:03:57.775" v="453"/>
+          <ac:spMkLst>
+            <pc:docMk/>
+            <pc:sldMk cId="3743280714" sldId="339"/>
+            <ac:spMk id="24" creationId="{D4771268-CB57-404A-9271-370EB28F6090}"/>
+          </ac:spMkLst>
+        </pc:spChg>
+        <pc:picChg chg="mod">
+          <ac:chgData name="Ihor Aleksandrov" userId="c3051032-6b87-4db2-b257-777a0106fbd9" providerId="ADAL" clId="{A3EFBF31-7B9C-4D5A-89F5-DC51A0BFC201}" dt="2024-01-30T17:04:05.434" v="456" actId="1076"/>
+          <ac:picMkLst>
+            <pc:docMk/>
+            <pc:sldMk cId="3743280714" sldId="339"/>
+            <ac:picMk id="5" creationId="{59EC6999-954D-E7E0-8D23-E784949428CB}"/>
+          </ac:picMkLst>
+        </pc:picChg>
+      </pc:sldChg>
+      <pc:sldChg chg="addSp delSp modSp add mod setBg delDesignElem">
+        <pc:chgData name="Ihor Aleksandrov" userId="c3051032-6b87-4db2-b257-777a0106fbd9" providerId="ADAL" clId="{A3EFBF31-7B9C-4D5A-89F5-DC51A0BFC201}" dt="2024-01-30T17:06:59.644" v="474" actId="14100"/>
+        <pc:sldMkLst>
+          <pc:docMk/>
+          <pc:sldMk cId="3674171182" sldId="340"/>
+        </pc:sldMkLst>
+        <pc:spChg chg="mod">
+          <ac:chgData name="Ihor Aleksandrov" userId="c3051032-6b87-4db2-b257-777a0106fbd9" providerId="ADAL" clId="{A3EFBF31-7B9C-4D5A-89F5-DC51A0BFC201}" dt="2024-01-30T17:06:26.689" v="466" actId="26606"/>
+          <ac:spMkLst>
+            <pc:docMk/>
+            <pc:sldMk cId="3674171182" sldId="340"/>
+            <ac:spMk id="2" creationId="{53C5D828-9666-E312-B574-9FE965A7D6BE}"/>
+          </ac:spMkLst>
+        </pc:spChg>
+        <pc:spChg chg="mod ord">
+          <ac:chgData name="Ihor Aleksandrov" userId="c3051032-6b87-4db2-b257-777a0106fbd9" providerId="ADAL" clId="{A3EFBF31-7B9C-4D5A-89F5-DC51A0BFC201}" dt="2024-01-30T17:06:26.689" v="466" actId="26606"/>
+          <ac:spMkLst>
+            <pc:docMk/>
+            <pc:sldMk cId="3674171182" sldId="340"/>
+            <ac:spMk id="3" creationId="{5AA19FA0-A765-8169-03F1-928E3EF7B595}"/>
+          </ac:spMkLst>
+        </pc:spChg>
+        <pc:spChg chg="add mod">
+          <ac:chgData name="Ihor Aleksandrov" userId="c3051032-6b87-4db2-b257-777a0106fbd9" providerId="ADAL" clId="{A3EFBF31-7B9C-4D5A-89F5-DC51A0BFC201}" dt="2024-01-30T17:06:42.322" v="470" actId="1076"/>
+          <ac:spMkLst>
+            <pc:docMk/>
+            <pc:sldMk cId="3674171182" sldId="340"/>
+            <ac:spMk id="6" creationId="{DB6CB795-7346-F9A6-DFE0-FF33ACCFD630}"/>
+          </ac:spMkLst>
+        </pc:spChg>
+        <pc:spChg chg="add mod">
+          <ac:chgData name="Ihor Aleksandrov" userId="c3051032-6b87-4db2-b257-777a0106fbd9" providerId="ADAL" clId="{A3EFBF31-7B9C-4D5A-89F5-DC51A0BFC201}" dt="2024-01-30T17:06:59.644" v="474" actId="14100"/>
+          <ac:spMkLst>
+            <pc:docMk/>
+            <pc:sldMk cId="3674171182" sldId="340"/>
+            <ac:spMk id="8" creationId="{05B6F4ED-F618-2234-26E6-B41FC5967CC3}"/>
+          </ac:spMkLst>
+        </pc:spChg>
+        <pc:spChg chg="add">
+          <ac:chgData name="Ihor Aleksandrov" userId="c3051032-6b87-4db2-b257-777a0106fbd9" providerId="ADAL" clId="{A3EFBF31-7B9C-4D5A-89F5-DC51A0BFC201}" dt="2024-01-30T17:06:26.689" v="466" actId="26606"/>
+          <ac:spMkLst>
+            <pc:docMk/>
+            <pc:sldMk cId="3674171182" sldId="340"/>
+            <ac:spMk id="9" creationId="{D4771268-CB57-404A-9271-370EB28F6090}"/>
+          </ac:spMkLst>
+        </pc:spChg>
+        <pc:spChg chg="del">
+          <ac:chgData name="Ihor Aleksandrov" userId="c3051032-6b87-4db2-b257-777a0106fbd9" providerId="ADAL" clId="{A3EFBF31-7B9C-4D5A-89F5-DC51A0BFC201}" dt="2024-01-30T17:06:23.397" v="465"/>
+          <ac:spMkLst>
+            <pc:docMk/>
+            <pc:sldMk cId="3674171182" sldId="340"/>
+            <ac:spMk id="24" creationId="{D4771268-CB57-404A-9271-370EB28F6090}"/>
+          </ac:spMkLst>
+        </pc:spChg>
+        <pc:picChg chg="mod">
+          <ac:chgData name="Ihor Aleksandrov" userId="c3051032-6b87-4db2-b257-777a0106fbd9" providerId="ADAL" clId="{A3EFBF31-7B9C-4D5A-89F5-DC51A0BFC201}" dt="2024-01-30T17:06:32.009" v="468" actId="1076"/>
+          <ac:picMkLst>
+            <pc:docMk/>
+            <pc:sldMk cId="3674171182" sldId="340"/>
+            <ac:picMk id="4" creationId="{2F1F014F-1E04-C6CB-13FB-8D68B70132ED}"/>
+          </ac:picMkLst>
+        </pc:picChg>
       </pc:sldChg>
     </pc:docChg>
   </pc:docChgLst>
@@ -19443,6 +19912,2391 @@
 </p:sld>
 </file>
 
+<file path=ppt/slides/slide30.xml><?xml version="1.0" encoding="utf-8"?>
+<p:sld xmlns:a="http://schemas.openxmlformats.org/drawingml/2006/main" xmlns:r="http://schemas.openxmlformats.org/officeDocument/2006/relationships" xmlns:p="http://schemas.openxmlformats.org/presentationml/2006/main">
+  <p:cSld>
+    <p:bg>
+      <p:bgPr>
+        <a:solidFill>
+          <a:schemeClr val="bg1"/>
+        </a:solidFill>
+        <a:effectLst/>
+      </p:bgPr>
+    </p:bg>
+    <p:spTree>
+      <p:nvGrpSpPr>
+        <p:cNvPr id="1" name=""/>
+        <p:cNvGrpSpPr/>
+        <p:nvPr/>
+      </p:nvGrpSpPr>
+      <p:grpSpPr>
+        <a:xfrm>
+          <a:off x="0" y="0"/>
+          <a:ext cx="0" cy="0"/>
+          <a:chOff x="0" y="0"/>
+          <a:chExt cx="0" cy="0"/>
+        </a:xfrm>
+      </p:grpSpPr>
+      <p:sp>
+        <p:nvSpPr>
+          <p:cNvPr id="9" name="Down Arrow 7">
+            <a:extLst>
+              <a:ext uri="{FF2B5EF4-FFF2-40B4-BE49-F238E27FC236}">
+                <a16:creationId xmlns:a16="http://schemas.microsoft.com/office/drawing/2014/main" id="{D4771268-CB57-404A-9271-370EB28F6090}"/>
+              </a:ext>
+              <a:ext uri="{C183D7F6-B498-43B3-948B-1728B52AA6E4}">
+                <adec:decorative xmlns:adec="http://schemas.microsoft.com/office/drawing/2017/decorative" val="1"/>
+              </a:ext>
+            </a:extLst>
+          </p:cNvPr>
+          <p:cNvSpPr>
+            <a:spLocks noGrp="1" noRot="1" noChangeAspect="1" noMove="1" noResize="1" noEditPoints="1" noAdjustHandles="1" noChangeArrowheads="1" noChangeShapeType="1" noTextEdit="1"/>
+          </p:cNvSpPr>
+          <p:nvPr>
+            <p:extLst>
+              <p:ext uri="{386F3935-93C4-4BCD-93E2-E3B085C9AB24}">
+                <p16:designElem xmlns:p16="http://schemas.microsoft.com/office/powerpoint/2015/main" val="1"/>
+              </p:ext>
+            </p:extLst>
+          </p:nvPr>
+        </p:nvSpPr>
+        <p:spPr>
+          <a:xfrm rot="16200000">
+            <a:off x="800100" y="1491343"/>
+            <a:ext cx="3333749" cy="3499103"/>
+          </a:xfrm>
+          <a:prstGeom prst="downArrow">
+            <a:avLst>
+              <a:gd name="adj1" fmla="val 100000"/>
+              <a:gd name="adj2" fmla="val 15788"/>
+            </a:avLst>
+          </a:prstGeom>
+          <a:solidFill>
+            <a:srgbClr val="404040"/>
+          </a:solidFill>
+          <a:ln w="53975">
+            <a:noFill/>
+          </a:ln>
+        </p:spPr>
+        <p:style>
+          <a:lnRef idx="2">
+            <a:schemeClr val="accent1">
+              <a:shade val="50000"/>
+            </a:schemeClr>
+          </a:lnRef>
+          <a:fillRef idx="1">
+            <a:schemeClr val="accent1"/>
+          </a:fillRef>
+          <a:effectRef idx="0">
+            <a:schemeClr val="accent1"/>
+          </a:effectRef>
+          <a:fontRef idx="minor">
+            <a:schemeClr val="lt1"/>
+          </a:fontRef>
+        </p:style>
+        <p:txBody>
+          <a:bodyPr rtlCol="0" anchor="ctr"/>
+          <a:lstStyle/>
+          <a:p>
+            <a:pPr algn="ctr"/>
+            <a:endParaRPr lang="en-US"/>
+          </a:p>
+        </p:txBody>
+      </p:sp>
+      <p:sp>
+        <p:nvSpPr>
+          <p:cNvPr id="2" name="Title 1">
+            <a:extLst>
+              <a:ext uri="{FF2B5EF4-FFF2-40B4-BE49-F238E27FC236}">
+                <a16:creationId xmlns:a16="http://schemas.microsoft.com/office/drawing/2014/main" id="{53C5D828-9666-E312-B574-9FE965A7D6BE}"/>
+              </a:ext>
+            </a:extLst>
+          </p:cNvPr>
+          <p:cNvSpPr>
+            <a:spLocks noGrp="1"/>
+          </p:cNvSpPr>
+          <p:nvPr>
+            <p:ph type="title"/>
+          </p:nvPr>
+        </p:nvSpPr>
+        <p:spPr>
+          <a:xfrm>
+            <a:off x="1028700" y="1967266"/>
+            <a:ext cx="2628900" cy="2547257"/>
+          </a:xfrm>
+          <a:noFill/>
+        </p:spPr>
+        <p:txBody>
+          <a:bodyPr vert="horz" lIns="91440" tIns="45720" rIns="91440" bIns="45720" rtlCol="0" anchor="ctr">
+            <a:normAutofit/>
+          </a:bodyPr>
+          <a:lstStyle/>
+          <a:p>
+            <a:pPr algn="ctr"/>
+            <a:r>
+              <a:rPr lang="en-US" sz="3300" kern="1200" dirty="0">
+                <a:solidFill>
+                  <a:srgbClr val="FFFFFF"/>
+                </a:solidFill>
+                <a:latin typeface="+mj-lt"/>
+                <a:ea typeface="+mj-ea"/>
+                <a:cs typeface="+mj-cs"/>
+              </a:rPr>
+              <a:t>Azure Fundamentals</a:t>
+            </a:r>
+          </a:p>
+        </p:txBody>
+      </p:sp>
+      <p:sp>
+        <p:nvSpPr>
+          <p:cNvPr id="3" name="Footer Placeholder 2">
+            <a:extLst>
+              <a:ext uri="{FF2B5EF4-FFF2-40B4-BE49-F238E27FC236}">
+                <a16:creationId xmlns:a16="http://schemas.microsoft.com/office/drawing/2014/main" id="{5AA19FA0-A765-8169-03F1-928E3EF7B595}"/>
+              </a:ext>
+            </a:extLst>
+          </p:cNvPr>
+          <p:cNvSpPr>
+            <a:spLocks noGrp="1"/>
+          </p:cNvSpPr>
+          <p:nvPr>
+            <p:ph type="ftr" sz="quarter" idx="11"/>
+          </p:nvPr>
+        </p:nvSpPr>
+        <p:spPr>
+          <a:xfrm>
+            <a:off x="1028700" y="6356350"/>
+            <a:ext cx="6210300" cy="365125"/>
+          </a:xfrm>
+        </p:spPr>
+        <p:txBody>
+          <a:bodyPr vert="horz" lIns="91440" tIns="45720" rIns="91440" bIns="45720" rtlCol="0" anchor="ctr">
+            <a:normAutofit/>
+          </a:bodyPr>
+          <a:lstStyle/>
+          <a:p>
+            <a:pPr algn="l">
+              <a:spcAft>
+                <a:spcPts val="600"/>
+              </a:spcAft>
+            </a:pPr>
+            <a:r>
+              <a:rPr lang="en-US" kern="1200">
+                <a:solidFill>
+                  <a:schemeClr val="tx1">
+                    <a:alpha val="80000"/>
+                  </a:schemeClr>
+                </a:solidFill>
+                <a:latin typeface="+mn-lt"/>
+                <a:ea typeface="+mn-ea"/>
+                <a:cs typeface="+mn-cs"/>
+              </a:rPr>
+              <a:t>Step 1 - Model - ver. 1</a:t>
+            </a:r>
+          </a:p>
+        </p:txBody>
+      </p:sp>
+      <p:sp>
+        <p:nvSpPr>
+          <p:cNvPr id="5" name="TextBox 4">
+            <a:extLst>
+              <a:ext uri="{FF2B5EF4-FFF2-40B4-BE49-F238E27FC236}">
+                <a16:creationId xmlns:a16="http://schemas.microsoft.com/office/drawing/2014/main" id="{56541864-3346-1696-817B-BEEAB00B0FF3}"/>
+              </a:ext>
+            </a:extLst>
+          </p:cNvPr>
+          <p:cNvSpPr txBox="1"/>
+          <p:nvPr/>
+        </p:nvSpPr>
+        <p:spPr>
+          <a:xfrm>
+            <a:off x="4527804" y="629602"/>
+            <a:ext cx="6096000" cy="5909310"/>
+          </a:xfrm>
+          <a:prstGeom prst="rect">
+            <a:avLst/>
+          </a:prstGeom>
+          <a:noFill/>
+        </p:spPr>
+        <p:txBody>
+          <a:bodyPr wrap="square">
+            <a:spAutoFit/>
+          </a:bodyPr>
+          <a:lstStyle/>
+          <a:p>
+            <a:r>
+              <a:rPr lang="en-US" dirty="0"/>
+              <a:t>It is a private and public cloud platform that helps developers and IT professionals to build deploy and manage the application. It uses the technology known as virtualization. Virtualization separates the tight coupling between the hardware and the operating system using an abstraction layer called a hypervisor. Hypervisor emulates all the functions of a computer in the virtual machine, it can run multiple virtual machines at the same time and each virtual machine can run any operating system such as Windows or Linux. Azure takes this virtualization technique and repeats it on a massive scale in the data center owned by Microsoft. Each data center has many racks filled with servers and each server includes a hypervisor to run multiple virtual machines. The network switch provides connectivity to all those servers.</a:t>
+            </a:r>
+          </a:p>
+          <a:p>
+            <a:endParaRPr lang="en-US" dirty="0"/>
+          </a:p>
+          <a:p>
+            <a:r>
+              <a:rPr lang="en-US" dirty="0"/>
+              <a:t>Azure will provide the Microsoft Azure is a cloud computing platform which offers</a:t>
+            </a:r>
+          </a:p>
+          <a:p>
+            <a:endParaRPr lang="en-US" dirty="0"/>
+          </a:p>
+          <a:p>
+            <a:r>
+              <a:rPr lang="en-US" dirty="0"/>
+              <a:t>    Infrastructure as a service (IaaS).</a:t>
+            </a:r>
+          </a:p>
+          <a:p>
+            <a:r>
+              <a:rPr lang="en-US" dirty="0"/>
+              <a:t>    Platform as a service (PaaS).</a:t>
+            </a:r>
+          </a:p>
+          <a:p>
+            <a:r>
+              <a:rPr lang="en-US" dirty="0"/>
+              <a:t>    Software as a service (SaaS).</a:t>
+            </a:r>
+          </a:p>
+        </p:txBody>
+      </p:sp>
+    </p:spTree>
+    <p:extLst>
+      <p:ext uri="{BB962C8B-B14F-4D97-AF65-F5344CB8AC3E}">
+        <p14:creationId xmlns:p14="http://schemas.microsoft.com/office/powerpoint/2010/main" val="425832475"/>
+      </p:ext>
+    </p:extLst>
+  </p:cSld>
+  <p:clrMapOvr>
+    <a:masterClrMapping/>
+  </p:clrMapOvr>
+</p:sld>
+</file>
+
+<file path=ppt/slides/slide31.xml><?xml version="1.0" encoding="utf-8"?>
+<p:sld xmlns:a="http://schemas.openxmlformats.org/drawingml/2006/main" xmlns:r="http://schemas.openxmlformats.org/officeDocument/2006/relationships" xmlns:p="http://schemas.openxmlformats.org/presentationml/2006/main">
+  <p:cSld>
+    <p:bg>
+      <p:bgPr>
+        <a:solidFill>
+          <a:schemeClr val="bg1"/>
+        </a:solidFill>
+        <a:effectLst/>
+      </p:bgPr>
+    </p:bg>
+    <p:spTree>
+      <p:nvGrpSpPr>
+        <p:cNvPr id="1" name=""/>
+        <p:cNvGrpSpPr/>
+        <p:nvPr/>
+      </p:nvGrpSpPr>
+      <p:grpSpPr>
+        <a:xfrm>
+          <a:off x="0" y="0"/>
+          <a:ext cx="0" cy="0"/>
+          <a:chOff x="0" y="0"/>
+          <a:chExt cx="0" cy="0"/>
+        </a:xfrm>
+      </p:grpSpPr>
+      <p:sp>
+        <p:nvSpPr>
+          <p:cNvPr id="9" name="Down Arrow 7">
+            <a:extLst>
+              <a:ext uri="{FF2B5EF4-FFF2-40B4-BE49-F238E27FC236}">
+                <a16:creationId xmlns:a16="http://schemas.microsoft.com/office/drawing/2014/main" id="{D4771268-CB57-404A-9271-370EB28F6090}"/>
+              </a:ext>
+              <a:ext uri="{C183D7F6-B498-43B3-948B-1728B52AA6E4}">
+                <adec:decorative xmlns:adec="http://schemas.microsoft.com/office/drawing/2017/decorative" val="1"/>
+              </a:ext>
+            </a:extLst>
+          </p:cNvPr>
+          <p:cNvSpPr>
+            <a:spLocks noGrp="1" noRot="1" noChangeAspect="1" noMove="1" noResize="1" noEditPoints="1" noAdjustHandles="1" noChangeArrowheads="1" noChangeShapeType="1" noTextEdit="1"/>
+          </p:cNvSpPr>
+          <p:nvPr>
+            <p:extLst>
+              <p:ext uri="{386F3935-93C4-4BCD-93E2-E3B085C9AB24}">
+                <p16:designElem xmlns:p16="http://schemas.microsoft.com/office/powerpoint/2015/main" val="1"/>
+              </p:ext>
+            </p:extLst>
+          </p:nvPr>
+        </p:nvSpPr>
+        <p:spPr>
+          <a:xfrm rot="16200000">
+            <a:off x="800100" y="1491343"/>
+            <a:ext cx="3333749" cy="3499103"/>
+          </a:xfrm>
+          <a:prstGeom prst="downArrow">
+            <a:avLst>
+              <a:gd name="adj1" fmla="val 100000"/>
+              <a:gd name="adj2" fmla="val 15788"/>
+            </a:avLst>
+          </a:prstGeom>
+          <a:solidFill>
+            <a:srgbClr val="404040"/>
+          </a:solidFill>
+          <a:ln w="53975">
+            <a:noFill/>
+          </a:ln>
+        </p:spPr>
+        <p:style>
+          <a:lnRef idx="2">
+            <a:schemeClr val="accent1">
+              <a:shade val="50000"/>
+            </a:schemeClr>
+          </a:lnRef>
+          <a:fillRef idx="1">
+            <a:schemeClr val="accent1"/>
+          </a:fillRef>
+          <a:effectRef idx="0">
+            <a:schemeClr val="accent1"/>
+          </a:effectRef>
+          <a:fontRef idx="minor">
+            <a:schemeClr val="lt1"/>
+          </a:fontRef>
+        </p:style>
+        <p:txBody>
+          <a:bodyPr rtlCol="0" anchor="ctr"/>
+          <a:lstStyle/>
+          <a:p>
+            <a:pPr algn="ctr"/>
+            <a:endParaRPr lang="en-US"/>
+          </a:p>
+        </p:txBody>
+      </p:sp>
+      <p:sp>
+        <p:nvSpPr>
+          <p:cNvPr id="2" name="Title 1">
+            <a:extLst>
+              <a:ext uri="{FF2B5EF4-FFF2-40B4-BE49-F238E27FC236}">
+                <a16:creationId xmlns:a16="http://schemas.microsoft.com/office/drawing/2014/main" id="{53C5D828-9666-E312-B574-9FE965A7D6BE}"/>
+              </a:ext>
+            </a:extLst>
+          </p:cNvPr>
+          <p:cNvSpPr>
+            <a:spLocks noGrp="1"/>
+          </p:cNvSpPr>
+          <p:nvPr>
+            <p:ph type="title"/>
+          </p:nvPr>
+        </p:nvSpPr>
+        <p:spPr>
+          <a:xfrm>
+            <a:off x="1028700" y="1967266"/>
+            <a:ext cx="2628900" cy="2547257"/>
+          </a:xfrm>
+          <a:noFill/>
+        </p:spPr>
+        <p:txBody>
+          <a:bodyPr vert="horz" lIns="91440" tIns="45720" rIns="91440" bIns="45720" rtlCol="0" anchor="ctr">
+            <a:normAutofit/>
+          </a:bodyPr>
+          <a:lstStyle/>
+          <a:p>
+            <a:pPr algn="ctr"/>
+            <a:r>
+              <a:rPr lang="en-US" sz="3200" kern="1200" dirty="0">
+                <a:solidFill>
+                  <a:srgbClr val="FFFFFF"/>
+                </a:solidFill>
+                <a:latin typeface="+mj-lt"/>
+                <a:ea typeface="+mj-ea"/>
+                <a:cs typeface="+mj-cs"/>
+              </a:rPr>
+              <a:t>Azure Identity - Microsoft </a:t>
+            </a:r>
+            <a:r>
+              <a:rPr lang="en-US" sz="3200" kern="1200" dirty="0" err="1">
+                <a:solidFill>
+                  <a:srgbClr val="FFFFFF"/>
+                </a:solidFill>
+                <a:latin typeface="+mj-lt"/>
+                <a:ea typeface="+mj-ea"/>
+                <a:cs typeface="+mj-cs"/>
+              </a:rPr>
+              <a:t>Entra</a:t>
+            </a:r>
+            <a:endParaRPr lang="en-US" sz="3300" kern="1200" dirty="0">
+              <a:solidFill>
+                <a:srgbClr val="FFFFFF"/>
+              </a:solidFill>
+              <a:latin typeface="+mj-lt"/>
+              <a:ea typeface="+mj-ea"/>
+              <a:cs typeface="+mj-cs"/>
+            </a:endParaRPr>
+          </a:p>
+        </p:txBody>
+      </p:sp>
+      <p:sp>
+        <p:nvSpPr>
+          <p:cNvPr id="3" name="Footer Placeholder 2">
+            <a:extLst>
+              <a:ext uri="{FF2B5EF4-FFF2-40B4-BE49-F238E27FC236}">
+                <a16:creationId xmlns:a16="http://schemas.microsoft.com/office/drawing/2014/main" id="{5AA19FA0-A765-8169-03F1-928E3EF7B595}"/>
+              </a:ext>
+            </a:extLst>
+          </p:cNvPr>
+          <p:cNvSpPr>
+            <a:spLocks noGrp="1"/>
+          </p:cNvSpPr>
+          <p:nvPr>
+            <p:ph type="ftr" sz="quarter" idx="11"/>
+          </p:nvPr>
+        </p:nvSpPr>
+        <p:spPr>
+          <a:xfrm>
+            <a:off x="1028700" y="6356350"/>
+            <a:ext cx="6210300" cy="365125"/>
+          </a:xfrm>
+        </p:spPr>
+        <p:txBody>
+          <a:bodyPr vert="horz" lIns="91440" tIns="45720" rIns="91440" bIns="45720" rtlCol="0" anchor="ctr">
+            <a:normAutofit/>
+          </a:bodyPr>
+          <a:lstStyle/>
+          <a:p>
+            <a:pPr algn="l">
+              <a:spcAft>
+                <a:spcPts val="600"/>
+              </a:spcAft>
+            </a:pPr>
+            <a:r>
+              <a:rPr lang="en-US" kern="1200">
+                <a:solidFill>
+                  <a:schemeClr val="tx1">
+                    <a:alpha val="80000"/>
+                  </a:schemeClr>
+                </a:solidFill>
+                <a:latin typeface="+mn-lt"/>
+                <a:ea typeface="+mn-ea"/>
+                <a:cs typeface="+mn-cs"/>
+              </a:rPr>
+              <a:t>Step 1 - Model - ver. 1</a:t>
+            </a:r>
+          </a:p>
+        </p:txBody>
+      </p:sp>
+    </p:spTree>
+    <p:extLst>
+      <p:ext uri="{BB962C8B-B14F-4D97-AF65-F5344CB8AC3E}">
+        <p14:creationId xmlns:p14="http://schemas.microsoft.com/office/powerpoint/2010/main" val="672488779"/>
+      </p:ext>
+    </p:extLst>
+  </p:cSld>
+  <p:clrMapOvr>
+    <a:masterClrMapping/>
+  </p:clrMapOvr>
+</p:sld>
+</file>
+
+<file path=ppt/slides/slide32.xml><?xml version="1.0" encoding="utf-8"?>
+<p:sld xmlns:a="http://schemas.openxmlformats.org/drawingml/2006/main" xmlns:r="http://schemas.openxmlformats.org/officeDocument/2006/relationships" xmlns:p="http://schemas.openxmlformats.org/presentationml/2006/main">
+  <p:cSld>
+    <p:bg>
+      <p:bgPr>
+        <a:solidFill>
+          <a:schemeClr val="bg1"/>
+        </a:solidFill>
+        <a:effectLst/>
+      </p:bgPr>
+    </p:bg>
+    <p:spTree>
+      <p:nvGrpSpPr>
+        <p:cNvPr id="1" name=""/>
+        <p:cNvGrpSpPr/>
+        <p:nvPr/>
+      </p:nvGrpSpPr>
+      <p:grpSpPr>
+        <a:xfrm>
+          <a:off x="0" y="0"/>
+          <a:ext cx="0" cy="0"/>
+          <a:chOff x="0" y="0"/>
+          <a:chExt cx="0" cy="0"/>
+        </a:xfrm>
+      </p:grpSpPr>
+      <p:sp>
+        <p:nvSpPr>
+          <p:cNvPr id="9" name="Down Arrow 7">
+            <a:extLst>
+              <a:ext uri="{FF2B5EF4-FFF2-40B4-BE49-F238E27FC236}">
+                <a16:creationId xmlns:a16="http://schemas.microsoft.com/office/drawing/2014/main" id="{D4771268-CB57-404A-9271-370EB28F6090}"/>
+              </a:ext>
+              <a:ext uri="{C183D7F6-B498-43B3-948B-1728B52AA6E4}">
+                <adec:decorative xmlns:adec="http://schemas.microsoft.com/office/drawing/2017/decorative" val="1"/>
+              </a:ext>
+            </a:extLst>
+          </p:cNvPr>
+          <p:cNvSpPr>
+            <a:spLocks noGrp="1" noRot="1" noChangeAspect="1" noMove="1" noResize="1" noEditPoints="1" noAdjustHandles="1" noChangeArrowheads="1" noChangeShapeType="1" noTextEdit="1"/>
+          </p:cNvSpPr>
+          <p:nvPr>
+            <p:extLst>
+              <p:ext uri="{386F3935-93C4-4BCD-93E2-E3B085C9AB24}">
+                <p16:designElem xmlns:p16="http://schemas.microsoft.com/office/powerpoint/2015/main" val="1"/>
+              </p:ext>
+            </p:extLst>
+          </p:nvPr>
+        </p:nvSpPr>
+        <p:spPr>
+          <a:xfrm rot="16200000">
+            <a:off x="800100" y="1491343"/>
+            <a:ext cx="3333749" cy="3499103"/>
+          </a:xfrm>
+          <a:prstGeom prst="downArrow">
+            <a:avLst>
+              <a:gd name="adj1" fmla="val 100000"/>
+              <a:gd name="adj2" fmla="val 15788"/>
+            </a:avLst>
+          </a:prstGeom>
+          <a:solidFill>
+            <a:srgbClr val="404040"/>
+          </a:solidFill>
+          <a:ln w="53975">
+            <a:noFill/>
+          </a:ln>
+        </p:spPr>
+        <p:style>
+          <a:lnRef idx="2">
+            <a:schemeClr val="accent1">
+              <a:shade val="50000"/>
+            </a:schemeClr>
+          </a:lnRef>
+          <a:fillRef idx="1">
+            <a:schemeClr val="accent1"/>
+          </a:fillRef>
+          <a:effectRef idx="0">
+            <a:schemeClr val="accent1"/>
+          </a:effectRef>
+          <a:fontRef idx="minor">
+            <a:schemeClr val="lt1"/>
+          </a:fontRef>
+        </p:style>
+        <p:txBody>
+          <a:bodyPr rtlCol="0" anchor="ctr"/>
+          <a:lstStyle/>
+          <a:p>
+            <a:pPr algn="ctr"/>
+            <a:endParaRPr lang="en-US"/>
+          </a:p>
+        </p:txBody>
+      </p:sp>
+      <p:sp>
+        <p:nvSpPr>
+          <p:cNvPr id="2" name="Title 1">
+            <a:extLst>
+              <a:ext uri="{FF2B5EF4-FFF2-40B4-BE49-F238E27FC236}">
+                <a16:creationId xmlns:a16="http://schemas.microsoft.com/office/drawing/2014/main" id="{53C5D828-9666-E312-B574-9FE965A7D6BE}"/>
+              </a:ext>
+            </a:extLst>
+          </p:cNvPr>
+          <p:cNvSpPr>
+            <a:spLocks noGrp="1"/>
+          </p:cNvSpPr>
+          <p:nvPr>
+            <p:ph type="title"/>
+          </p:nvPr>
+        </p:nvSpPr>
+        <p:spPr>
+          <a:xfrm>
+            <a:off x="1028700" y="1967266"/>
+            <a:ext cx="2628900" cy="2547257"/>
+          </a:xfrm>
+          <a:noFill/>
+        </p:spPr>
+        <p:txBody>
+          <a:bodyPr vert="horz" lIns="91440" tIns="45720" rIns="91440" bIns="45720" rtlCol="0" anchor="ctr">
+            <a:normAutofit/>
+          </a:bodyPr>
+          <a:lstStyle/>
+          <a:p>
+            <a:pPr algn="ctr"/>
+            <a:r>
+              <a:rPr lang="en-US" sz="3600" kern="1200" dirty="0">
+                <a:solidFill>
+                  <a:srgbClr val="FFFFFF"/>
+                </a:solidFill>
+                <a:latin typeface="+mj-lt"/>
+                <a:ea typeface="+mj-ea"/>
+                <a:cs typeface="+mj-cs"/>
+              </a:rPr>
+              <a:t>Azure </a:t>
+            </a:r>
+            <a:r>
+              <a:rPr lang="en-US" sz="3600" kern="1200">
+                <a:solidFill>
+                  <a:srgbClr val="FFFFFF"/>
+                </a:solidFill>
+                <a:latin typeface="+mj-lt"/>
+                <a:ea typeface="+mj-ea"/>
+                <a:cs typeface="+mj-cs"/>
+              </a:rPr>
+              <a:t>Compute - VM</a:t>
+            </a:r>
+            <a:endParaRPr lang="en-US" sz="3600" kern="1200" dirty="0">
+              <a:solidFill>
+                <a:srgbClr val="FFFFFF"/>
+              </a:solidFill>
+              <a:latin typeface="+mj-lt"/>
+              <a:ea typeface="+mj-ea"/>
+              <a:cs typeface="+mj-cs"/>
+            </a:endParaRPr>
+          </a:p>
+        </p:txBody>
+      </p:sp>
+      <p:pic>
+        <p:nvPicPr>
+          <p:cNvPr id="4" name="Picture 3">
+            <a:extLst>
+              <a:ext uri="{FF2B5EF4-FFF2-40B4-BE49-F238E27FC236}">
+                <a16:creationId xmlns:a16="http://schemas.microsoft.com/office/drawing/2014/main" id="{A91F707B-939A-F8D1-6735-D94299CB63A1}"/>
+              </a:ext>
+            </a:extLst>
+          </p:cNvPr>
+          <p:cNvPicPr>
+            <a:picLocks noChangeAspect="1"/>
+          </p:cNvPicPr>
+          <p:nvPr/>
+        </p:nvPicPr>
+        <p:blipFill>
+          <a:blip r:embed="rId2"/>
+          <a:stretch>
+            <a:fillRect/>
+          </a:stretch>
+        </p:blipFill>
+        <p:spPr>
+          <a:xfrm>
+            <a:off x="1466080" y="5092006"/>
+            <a:ext cx="1498793" cy="936745"/>
+          </a:xfrm>
+          <a:prstGeom prst="rect">
+            <a:avLst/>
+          </a:prstGeom>
+        </p:spPr>
+      </p:pic>
+      <p:sp>
+        <p:nvSpPr>
+          <p:cNvPr id="3" name="Footer Placeholder 2">
+            <a:extLst>
+              <a:ext uri="{FF2B5EF4-FFF2-40B4-BE49-F238E27FC236}">
+                <a16:creationId xmlns:a16="http://schemas.microsoft.com/office/drawing/2014/main" id="{5AA19FA0-A765-8169-03F1-928E3EF7B595}"/>
+              </a:ext>
+            </a:extLst>
+          </p:cNvPr>
+          <p:cNvSpPr>
+            <a:spLocks noGrp="1"/>
+          </p:cNvSpPr>
+          <p:nvPr>
+            <p:ph type="ftr" sz="quarter" idx="11"/>
+          </p:nvPr>
+        </p:nvSpPr>
+        <p:spPr>
+          <a:xfrm>
+            <a:off x="1028700" y="6356350"/>
+            <a:ext cx="6210300" cy="365125"/>
+          </a:xfrm>
+        </p:spPr>
+        <p:txBody>
+          <a:bodyPr vert="horz" lIns="91440" tIns="45720" rIns="91440" bIns="45720" rtlCol="0" anchor="ctr">
+            <a:normAutofit/>
+          </a:bodyPr>
+          <a:lstStyle/>
+          <a:p>
+            <a:pPr algn="l">
+              <a:spcAft>
+                <a:spcPts val="600"/>
+              </a:spcAft>
+            </a:pPr>
+            <a:r>
+              <a:rPr lang="en-US" kern="1200">
+                <a:solidFill>
+                  <a:schemeClr val="tx1">
+                    <a:alpha val="80000"/>
+                  </a:schemeClr>
+                </a:solidFill>
+                <a:latin typeface="+mn-lt"/>
+                <a:ea typeface="+mn-ea"/>
+                <a:cs typeface="+mn-cs"/>
+              </a:rPr>
+              <a:t>Step 1 - Model - ver. 1</a:t>
+            </a:r>
+          </a:p>
+        </p:txBody>
+      </p:sp>
+      <p:sp>
+        <p:nvSpPr>
+          <p:cNvPr id="6" name="TextBox 5">
+            <a:extLst>
+              <a:ext uri="{FF2B5EF4-FFF2-40B4-BE49-F238E27FC236}">
+                <a16:creationId xmlns:a16="http://schemas.microsoft.com/office/drawing/2014/main" id="{1C87B4A5-B6F9-925D-2E61-F17B8515EDB6}"/>
+              </a:ext>
+            </a:extLst>
+          </p:cNvPr>
+          <p:cNvSpPr txBox="1"/>
+          <p:nvPr/>
+        </p:nvSpPr>
+        <p:spPr>
+          <a:xfrm>
+            <a:off x="4927476" y="1967266"/>
+            <a:ext cx="6096000" cy="2308324"/>
+          </a:xfrm>
+          <a:prstGeom prst="rect">
+            <a:avLst/>
+          </a:prstGeom>
+          <a:noFill/>
+        </p:spPr>
+        <p:txBody>
+          <a:bodyPr wrap="square">
+            <a:spAutoFit/>
+          </a:bodyPr>
+          <a:lstStyle/>
+          <a:p>
+            <a:r>
+              <a:rPr lang="en-US" dirty="0"/>
+              <a:t>A virtual machine is like a physical computer but it is actually a digital version of it. Actually, it is not so much different from physical computers because they have also memory, CPU, as well as they have disks to store our data or various files and one more interesting thing is that they can also connect to the internet. So we can say that a VM is actually the software-defined computer that exists only as a code but is present on physical servers.</a:t>
+            </a:r>
+            <a:endParaRPr lang="ru-UA" dirty="0"/>
+          </a:p>
+        </p:txBody>
+      </p:sp>
+      <p:sp>
+        <p:nvSpPr>
+          <p:cNvPr id="8" name="TextBox 7">
+            <a:extLst>
+              <a:ext uri="{FF2B5EF4-FFF2-40B4-BE49-F238E27FC236}">
+                <a16:creationId xmlns:a16="http://schemas.microsoft.com/office/drawing/2014/main" id="{2C1EB47E-EE6C-4138-1730-2A3394B59E2D}"/>
+              </a:ext>
+            </a:extLst>
+          </p:cNvPr>
+          <p:cNvSpPr txBox="1"/>
+          <p:nvPr/>
+        </p:nvSpPr>
+        <p:spPr>
+          <a:xfrm>
+            <a:off x="5347855" y="4900471"/>
+            <a:ext cx="4765964" cy="276999"/>
+          </a:xfrm>
+          <a:prstGeom prst="rect">
+            <a:avLst/>
+          </a:prstGeom>
+          <a:noFill/>
+        </p:spPr>
+        <p:txBody>
+          <a:bodyPr wrap="square">
+            <a:spAutoFit/>
+          </a:bodyPr>
+          <a:lstStyle/>
+          <a:p>
+            <a:r>
+              <a:rPr lang="en-US" sz="1200" dirty="0"/>
+              <a:t>https://www.geeksforgeeks.org/what-are-azure-virtual-machines/</a:t>
+            </a:r>
+            <a:endParaRPr lang="ru-UA" sz="1200" dirty="0"/>
+          </a:p>
+        </p:txBody>
+      </p:sp>
+    </p:spTree>
+    <p:extLst>
+      <p:ext uri="{BB962C8B-B14F-4D97-AF65-F5344CB8AC3E}">
+        <p14:creationId xmlns:p14="http://schemas.microsoft.com/office/powerpoint/2010/main" val="4118740463"/>
+      </p:ext>
+    </p:extLst>
+  </p:cSld>
+  <p:clrMapOvr>
+    <a:masterClrMapping/>
+  </p:clrMapOvr>
+</p:sld>
+</file>
+
+<file path=ppt/slides/slide33.xml><?xml version="1.0" encoding="utf-8"?>
+<p:sld xmlns:a="http://schemas.openxmlformats.org/drawingml/2006/main" xmlns:r="http://schemas.openxmlformats.org/officeDocument/2006/relationships" xmlns:p="http://schemas.openxmlformats.org/presentationml/2006/main">
+  <p:cSld>
+    <p:bg>
+      <p:bgPr>
+        <a:solidFill>
+          <a:schemeClr val="bg1"/>
+        </a:solidFill>
+        <a:effectLst/>
+      </p:bgPr>
+    </p:bg>
+    <p:spTree>
+      <p:nvGrpSpPr>
+        <p:cNvPr id="1" name=""/>
+        <p:cNvGrpSpPr/>
+        <p:nvPr/>
+      </p:nvGrpSpPr>
+      <p:grpSpPr>
+        <a:xfrm>
+          <a:off x="0" y="0"/>
+          <a:ext cx="0" cy="0"/>
+          <a:chOff x="0" y="0"/>
+          <a:chExt cx="0" cy="0"/>
+        </a:xfrm>
+      </p:grpSpPr>
+      <p:sp>
+        <p:nvSpPr>
+          <p:cNvPr id="9" name="Down Arrow 7">
+            <a:extLst>
+              <a:ext uri="{FF2B5EF4-FFF2-40B4-BE49-F238E27FC236}">
+                <a16:creationId xmlns:a16="http://schemas.microsoft.com/office/drawing/2014/main" id="{D4771268-CB57-404A-9271-370EB28F6090}"/>
+              </a:ext>
+              <a:ext uri="{C183D7F6-B498-43B3-948B-1728B52AA6E4}">
+                <adec:decorative xmlns:adec="http://schemas.microsoft.com/office/drawing/2017/decorative" val="1"/>
+              </a:ext>
+            </a:extLst>
+          </p:cNvPr>
+          <p:cNvSpPr>
+            <a:spLocks noGrp="1" noRot="1" noChangeAspect="1" noMove="1" noResize="1" noEditPoints="1" noAdjustHandles="1" noChangeArrowheads="1" noChangeShapeType="1" noTextEdit="1"/>
+          </p:cNvSpPr>
+          <p:nvPr>
+            <p:extLst>
+              <p:ext uri="{386F3935-93C4-4BCD-93E2-E3B085C9AB24}">
+                <p16:designElem xmlns:p16="http://schemas.microsoft.com/office/powerpoint/2015/main" val="1"/>
+              </p:ext>
+            </p:extLst>
+          </p:nvPr>
+        </p:nvSpPr>
+        <p:spPr>
+          <a:xfrm rot="16200000">
+            <a:off x="800100" y="1491343"/>
+            <a:ext cx="3333749" cy="3499103"/>
+          </a:xfrm>
+          <a:prstGeom prst="downArrow">
+            <a:avLst>
+              <a:gd name="adj1" fmla="val 100000"/>
+              <a:gd name="adj2" fmla="val 15788"/>
+            </a:avLst>
+          </a:prstGeom>
+          <a:solidFill>
+            <a:srgbClr val="404040"/>
+          </a:solidFill>
+          <a:ln w="53975">
+            <a:noFill/>
+          </a:ln>
+        </p:spPr>
+        <p:style>
+          <a:lnRef idx="2">
+            <a:schemeClr val="accent1">
+              <a:shade val="50000"/>
+            </a:schemeClr>
+          </a:lnRef>
+          <a:fillRef idx="1">
+            <a:schemeClr val="accent1"/>
+          </a:fillRef>
+          <a:effectRef idx="0">
+            <a:schemeClr val="accent1"/>
+          </a:effectRef>
+          <a:fontRef idx="minor">
+            <a:schemeClr val="lt1"/>
+          </a:fontRef>
+        </p:style>
+        <p:txBody>
+          <a:bodyPr rtlCol="0" anchor="ctr"/>
+          <a:lstStyle/>
+          <a:p>
+            <a:pPr algn="ctr"/>
+            <a:endParaRPr lang="en-US"/>
+          </a:p>
+        </p:txBody>
+      </p:sp>
+      <p:sp>
+        <p:nvSpPr>
+          <p:cNvPr id="2" name="Title 1">
+            <a:extLst>
+              <a:ext uri="{FF2B5EF4-FFF2-40B4-BE49-F238E27FC236}">
+                <a16:creationId xmlns:a16="http://schemas.microsoft.com/office/drawing/2014/main" id="{53C5D828-9666-E312-B574-9FE965A7D6BE}"/>
+              </a:ext>
+            </a:extLst>
+          </p:cNvPr>
+          <p:cNvSpPr>
+            <a:spLocks noGrp="1"/>
+          </p:cNvSpPr>
+          <p:nvPr>
+            <p:ph type="title"/>
+          </p:nvPr>
+        </p:nvSpPr>
+        <p:spPr>
+          <a:xfrm>
+            <a:off x="1028700" y="1967266"/>
+            <a:ext cx="2628900" cy="2547257"/>
+          </a:xfrm>
+          <a:noFill/>
+        </p:spPr>
+        <p:txBody>
+          <a:bodyPr vert="horz" lIns="91440" tIns="45720" rIns="91440" bIns="45720" rtlCol="0" anchor="ctr">
+            <a:normAutofit/>
+          </a:bodyPr>
+          <a:lstStyle/>
+          <a:p>
+            <a:pPr algn="ctr"/>
+            <a:r>
+              <a:rPr lang="en-US" sz="3600" kern="1200" dirty="0">
+                <a:solidFill>
+                  <a:srgbClr val="FFFFFF"/>
+                </a:solidFill>
+                <a:latin typeface="+mj-lt"/>
+                <a:ea typeface="+mj-ea"/>
+                <a:cs typeface="+mj-cs"/>
+              </a:rPr>
+              <a:t>Azure </a:t>
+            </a:r>
+            <a:r>
+              <a:rPr lang="en-US" sz="3600" dirty="0">
+                <a:solidFill>
+                  <a:srgbClr val="FFFFFF"/>
+                </a:solidFill>
+              </a:rPr>
+              <a:t>Compute – Function App</a:t>
+            </a:r>
+            <a:endParaRPr lang="en-US" sz="3600" kern="1200" dirty="0">
+              <a:solidFill>
+                <a:srgbClr val="FFFFFF"/>
+              </a:solidFill>
+              <a:latin typeface="+mj-lt"/>
+              <a:ea typeface="+mj-ea"/>
+              <a:cs typeface="+mj-cs"/>
+            </a:endParaRPr>
+          </a:p>
+        </p:txBody>
+      </p:sp>
+      <p:sp>
+        <p:nvSpPr>
+          <p:cNvPr id="3" name="Footer Placeholder 2">
+            <a:extLst>
+              <a:ext uri="{FF2B5EF4-FFF2-40B4-BE49-F238E27FC236}">
+                <a16:creationId xmlns:a16="http://schemas.microsoft.com/office/drawing/2014/main" id="{5AA19FA0-A765-8169-03F1-928E3EF7B595}"/>
+              </a:ext>
+            </a:extLst>
+          </p:cNvPr>
+          <p:cNvSpPr>
+            <a:spLocks noGrp="1"/>
+          </p:cNvSpPr>
+          <p:nvPr>
+            <p:ph type="ftr" sz="quarter" idx="11"/>
+          </p:nvPr>
+        </p:nvSpPr>
+        <p:spPr>
+          <a:xfrm>
+            <a:off x="1028700" y="6356350"/>
+            <a:ext cx="6210300" cy="365125"/>
+          </a:xfrm>
+        </p:spPr>
+        <p:txBody>
+          <a:bodyPr vert="horz" lIns="91440" tIns="45720" rIns="91440" bIns="45720" rtlCol="0" anchor="ctr">
+            <a:normAutofit/>
+          </a:bodyPr>
+          <a:lstStyle/>
+          <a:p>
+            <a:pPr algn="l">
+              <a:spcAft>
+                <a:spcPts val="600"/>
+              </a:spcAft>
+            </a:pPr>
+            <a:r>
+              <a:rPr lang="en-US" kern="1200">
+                <a:solidFill>
+                  <a:schemeClr val="tx1">
+                    <a:alpha val="80000"/>
+                  </a:schemeClr>
+                </a:solidFill>
+                <a:latin typeface="+mn-lt"/>
+                <a:ea typeface="+mn-ea"/>
+                <a:cs typeface="+mn-cs"/>
+              </a:rPr>
+              <a:t>Step 1 - Model - ver. 1</a:t>
+            </a:r>
+          </a:p>
+        </p:txBody>
+      </p:sp>
+      <p:sp>
+        <p:nvSpPr>
+          <p:cNvPr id="7" name="TextBox 6">
+            <a:extLst>
+              <a:ext uri="{FF2B5EF4-FFF2-40B4-BE49-F238E27FC236}">
+                <a16:creationId xmlns:a16="http://schemas.microsoft.com/office/drawing/2014/main" id="{B8E58B54-E643-3336-CDC4-A483A1B31172}"/>
+              </a:ext>
+            </a:extLst>
+          </p:cNvPr>
+          <p:cNvSpPr txBox="1"/>
+          <p:nvPr/>
+        </p:nvSpPr>
+        <p:spPr>
+          <a:xfrm>
+            <a:off x="4655128" y="1929200"/>
+            <a:ext cx="6096000" cy="2585323"/>
+          </a:xfrm>
+          <a:prstGeom prst="rect">
+            <a:avLst/>
+          </a:prstGeom>
+          <a:noFill/>
+        </p:spPr>
+        <p:txBody>
+          <a:bodyPr wrap="square">
+            <a:spAutoFit/>
+          </a:bodyPr>
+          <a:lstStyle/>
+          <a:p>
+            <a:r>
+              <a:rPr lang="en-US" dirty="0"/>
+              <a:t>Azure Functions is a serverless computing service provided by Microsoft Azure to help us run tasks on a schedule like processing data, working with the Internet of Things (IoT), and integrating systems. We can also use them to develop server-less applications, simple APIs, and microservices. This helps us be efficient by just writing code to solve our current problem.</a:t>
+            </a:r>
+          </a:p>
+          <a:p>
+            <a:r>
+              <a:rPr lang="en-US" dirty="0"/>
+              <a:t>There are many more integration and automation services that can be used to automate the process and define inputs, conditions, actions, and output.</a:t>
+            </a:r>
+            <a:endParaRPr lang="ru-UA" dirty="0"/>
+          </a:p>
+        </p:txBody>
+      </p:sp>
+      <p:sp>
+        <p:nvSpPr>
+          <p:cNvPr id="11" name="TextBox 10">
+            <a:extLst>
+              <a:ext uri="{FF2B5EF4-FFF2-40B4-BE49-F238E27FC236}">
+                <a16:creationId xmlns:a16="http://schemas.microsoft.com/office/drawing/2014/main" id="{52C8C12C-ABEB-D15B-CC92-96493023A197}"/>
+              </a:ext>
+            </a:extLst>
+          </p:cNvPr>
+          <p:cNvSpPr txBox="1"/>
+          <p:nvPr/>
+        </p:nvSpPr>
+        <p:spPr>
+          <a:xfrm>
+            <a:off x="3976255" y="5413184"/>
+            <a:ext cx="4572000" cy="276999"/>
+          </a:xfrm>
+          <a:prstGeom prst="rect">
+            <a:avLst/>
+          </a:prstGeom>
+          <a:noFill/>
+        </p:spPr>
+        <p:txBody>
+          <a:bodyPr wrap="square">
+            <a:spAutoFit/>
+          </a:bodyPr>
+          <a:lstStyle/>
+          <a:p>
+            <a:r>
+              <a:rPr lang="en-US" sz="1200" dirty="0"/>
+              <a:t>https://www.geeksforgeeks.org/what-is-microsoft-azure-functions/</a:t>
+            </a:r>
+            <a:endParaRPr lang="ru-UA" sz="1200" dirty="0"/>
+          </a:p>
+        </p:txBody>
+      </p:sp>
+    </p:spTree>
+    <p:extLst>
+      <p:ext uri="{BB962C8B-B14F-4D97-AF65-F5344CB8AC3E}">
+        <p14:creationId xmlns:p14="http://schemas.microsoft.com/office/powerpoint/2010/main" val="4057990109"/>
+      </p:ext>
+    </p:extLst>
+  </p:cSld>
+  <p:clrMapOvr>
+    <a:masterClrMapping/>
+  </p:clrMapOvr>
+</p:sld>
+</file>
+
+<file path=ppt/slides/slide34.xml><?xml version="1.0" encoding="utf-8"?>
+<p:sld xmlns:a="http://schemas.openxmlformats.org/drawingml/2006/main" xmlns:r="http://schemas.openxmlformats.org/officeDocument/2006/relationships" xmlns:p="http://schemas.openxmlformats.org/presentationml/2006/main">
+  <p:cSld>
+    <p:bg>
+      <p:bgPr>
+        <a:solidFill>
+          <a:schemeClr val="bg1"/>
+        </a:solidFill>
+        <a:effectLst/>
+      </p:bgPr>
+    </p:bg>
+    <p:spTree>
+      <p:nvGrpSpPr>
+        <p:cNvPr id="1" name=""/>
+        <p:cNvGrpSpPr/>
+        <p:nvPr/>
+      </p:nvGrpSpPr>
+      <p:grpSpPr>
+        <a:xfrm>
+          <a:off x="0" y="0"/>
+          <a:ext cx="0" cy="0"/>
+          <a:chOff x="0" y="0"/>
+          <a:chExt cx="0" cy="0"/>
+        </a:xfrm>
+      </p:grpSpPr>
+      <p:sp>
+        <p:nvSpPr>
+          <p:cNvPr id="9" name="Down Arrow 7">
+            <a:extLst>
+              <a:ext uri="{FF2B5EF4-FFF2-40B4-BE49-F238E27FC236}">
+                <a16:creationId xmlns:a16="http://schemas.microsoft.com/office/drawing/2014/main" id="{D4771268-CB57-404A-9271-370EB28F6090}"/>
+              </a:ext>
+              <a:ext uri="{C183D7F6-B498-43B3-948B-1728B52AA6E4}">
+                <adec:decorative xmlns:adec="http://schemas.microsoft.com/office/drawing/2017/decorative" val="1"/>
+              </a:ext>
+            </a:extLst>
+          </p:cNvPr>
+          <p:cNvSpPr>
+            <a:spLocks noGrp="1" noRot="1" noChangeAspect="1" noMove="1" noResize="1" noEditPoints="1" noAdjustHandles="1" noChangeArrowheads="1" noChangeShapeType="1" noTextEdit="1"/>
+          </p:cNvSpPr>
+          <p:nvPr>
+            <p:extLst>
+              <p:ext uri="{386F3935-93C4-4BCD-93E2-E3B085C9AB24}">
+                <p16:designElem xmlns:p16="http://schemas.microsoft.com/office/powerpoint/2015/main" val="1"/>
+              </p:ext>
+            </p:extLst>
+          </p:nvPr>
+        </p:nvSpPr>
+        <p:spPr>
+          <a:xfrm rot="16200000">
+            <a:off x="800100" y="1491343"/>
+            <a:ext cx="3333749" cy="3499103"/>
+          </a:xfrm>
+          <a:prstGeom prst="downArrow">
+            <a:avLst>
+              <a:gd name="adj1" fmla="val 100000"/>
+              <a:gd name="adj2" fmla="val 15788"/>
+            </a:avLst>
+          </a:prstGeom>
+          <a:solidFill>
+            <a:srgbClr val="404040"/>
+          </a:solidFill>
+          <a:ln w="53975">
+            <a:noFill/>
+          </a:ln>
+        </p:spPr>
+        <p:style>
+          <a:lnRef idx="2">
+            <a:schemeClr val="accent1">
+              <a:shade val="50000"/>
+            </a:schemeClr>
+          </a:lnRef>
+          <a:fillRef idx="1">
+            <a:schemeClr val="accent1"/>
+          </a:fillRef>
+          <a:effectRef idx="0">
+            <a:schemeClr val="accent1"/>
+          </a:effectRef>
+          <a:fontRef idx="minor">
+            <a:schemeClr val="lt1"/>
+          </a:fontRef>
+        </p:style>
+        <p:txBody>
+          <a:bodyPr rtlCol="0" anchor="ctr"/>
+          <a:lstStyle/>
+          <a:p>
+            <a:pPr algn="ctr"/>
+            <a:endParaRPr lang="en-US"/>
+          </a:p>
+        </p:txBody>
+      </p:sp>
+      <p:sp>
+        <p:nvSpPr>
+          <p:cNvPr id="2" name="Title 1">
+            <a:extLst>
+              <a:ext uri="{FF2B5EF4-FFF2-40B4-BE49-F238E27FC236}">
+                <a16:creationId xmlns:a16="http://schemas.microsoft.com/office/drawing/2014/main" id="{53C5D828-9666-E312-B574-9FE965A7D6BE}"/>
+              </a:ext>
+            </a:extLst>
+          </p:cNvPr>
+          <p:cNvSpPr>
+            <a:spLocks noGrp="1"/>
+          </p:cNvSpPr>
+          <p:nvPr>
+            <p:ph type="title"/>
+          </p:nvPr>
+        </p:nvSpPr>
+        <p:spPr>
+          <a:xfrm>
+            <a:off x="1028700" y="1967266"/>
+            <a:ext cx="2628900" cy="2547257"/>
+          </a:xfrm>
+          <a:noFill/>
+        </p:spPr>
+        <p:txBody>
+          <a:bodyPr vert="horz" lIns="91440" tIns="45720" rIns="91440" bIns="45720" rtlCol="0" anchor="ctr">
+            <a:normAutofit fontScale="90000"/>
+          </a:bodyPr>
+          <a:lstStyle/>
+          <a:p>
+            <a:pPr algn="ctr"/>
+            <a:r>
+              <a:rPr lang="en-US" sz="3600" kern="1200" dirty="0">
+                <a:solidFill>
+                  <a:srgbClr val="FFFFFF"/>
+                </a:solidFill>
+                <a:latin typeface="+mj-lt"/>
+                <a:ea typeface="+mj-ea"/>
+                <a:cs typeface="+mj-cs"/>
+              </a:rPr>
+              <a:t>Azure </a:t>
+            </a:r>
+            <a:r>
+              <a:rPr lang="en-US" sz="3600" dirty="0">
+                <a:solidFill>
+                  <a:srgbClr val="FFFFFF"/>
+                </a:solidFill>
+              </a:rPr>
+              <a:t>Compute – Azure Container Instances</a:t>
+            </a:r>
+            <a:endParaRPr lang="en-US" sz="3600" kern="1200" dirty="0">
+              <a:solidFill>
+                <a:srgbClr val="FFFFFF"/>
+              </a:solidFill>
+              <a:latin typeface="+mj-lt"/>
+              <a:ea typeface="+mj-ea"/>
+              <a:cs typeface="+mj-cs"/>
+            </a:endParaRPr>
+          </a:p>
+        </p:txBody>
+      </p:sp>
+      <p:sp>
+        <p:nvSpPr>
+          <p:cNvPr id="3" name="Footer Placeholder 2">
+            <a:extLst>
+              <a:ext uri="{FF2B5EF4-FFF2-40B4-BE49-F238E27FC236}">
+                <a16:creationId xmlns:a16="http://schemas.microsoft.com/office/drawing/2014/main" id="{5AA19FA0-A765-8169-03F1-928E3EF7B595}"/>
+              </a:ext>
+            </a:extLst>
+          </p:cNvPr>
+          <p:cNvSpPr>
+            <a:spLocks noGrp="1"/>
+          </p:cNvSpPr>
+          <p:nvPr>
+            <p:ph type="ftr" sz="quarter" idx="11"/>
+          </p:nvPr>
+        </p:nvSpPr>
+        <p:spPr>
+          <a:xfrm>
+            <a:off x="1028700" y="6356350"/>
+            <a:ext cx="6210300" cy="365125"/>
+          </a:xfrm>
+        </p:spPr>
+        <p:txBody>
+          <a:bodyPr vert="horz" lIns="91440" tIns="45720" rIns="91440" bIns="45720" rtlCol="0" anchor="ctr">
+            <a:normAutofit/>
+          </a:bodyPr>
+          <a:lstStyle/>
+          <a:p>
+            <a:pPr algn="l">
+              <a:spcAft>
+                <a:spcPts val="600"/>
+              </a:spcAft>
+            </a:pPr>
+            <a:r>
+              <a:rPr lang="en-US" kern="1200">
+                <a:solidFill>
+                  <a:schemeClr val="tx1">
+                    <a:alpha val="80000"/>
+                  </a:schemeClr>
+                </a:solidFill>
+                <a:latin typeface="+mn-lt"/>
+                <a:ea typeface="+mn-ea"/>
+                <a:cs typeface="+mn-cs"/>
+              </a:rPr>
+              <a:t>Step 1 - Model - ver. 1</a:t>
+            </a:r>
+          </a:p>
+        </p:txBody>
+      </p:sp>
+      <p:sp>
+        <p:nvSpPr>
+          <p:cNvPr id="5" name="TextBox 4">
+            <a:extLst>
+              <a:ext uri="{FF2B5EF4-FFF2-40B4-BE49-F238E27FC236}">
+                <a16:creationId xmlns:a16="http://schemas.microsoft.com/office/drawing/2014/main" id="{33597F75-C7E9-EB39-45C7-0BBD5649CD90}"/>
+              </a:ext>
+            </a:extLst>
+          </p:cNvPr>
+          <p:cNvSpPr txBox="1"/>
+          <p:nvPr/>
+        </p:nvSpPr>
+        <p:spPr>
+          <a:xfrm>
+            <a:off x="4927476" y="1394234"/>
+            <a:ext cx="6096000" cy="3693319"/>
+          </a:xfrm>
+          <a:prstGeom prst="rect">
+            <a:avLst/>
+          </a:prstGeom>
+          <a:noFill/>
+        </p:spPr>
+        <p:txBody>
+          <a:bodyPr wrap="square">
+            <a:spAutoFit/>
+          </a:bodyPr>
+          <a:lstStyle/>
+          <a:p>
+            <a:r>
+              <a:rPr lang="en-US" dirty="0"/>
+              <a:t>Azure Container Instances (ACI) is a fully managed service for deploying and running containerized applications in Azure. It allows you to specify the exact number of CPU cores and amount of memory that your container needs, and it automatically allocates the resources to your container when it is deployed. ACI is designed to be easy to use and requires no upfront investment in infrastructure. It is well-suited for development and testing scenarios, as well as for deploying small, bursty workloads that start and stop quickly. ACI integrates with other Azure services such as Azure Functions and Azure Monitor, and it supports a wide range of container orchestration platforms including Docker, Kubernetes, and Azure Batch.</a:t>
+            </a:r>
+            <a:endParaRPr lang="ru-UA" dirty="0"/>
+          </a:p>
+        </p:txBody>
+      </p:sp>
+      <p:sp>
+        <p:nvSpPr>
+          <p:cNvPr id="8" name="TextBox 7">
+            <a:extLst>
+              <a:ext uri="{FF2B5EF4-FFF2-40B4-BE49-F238E27FC236}">
+                <a16:creationId xmlns:a16="http://schemas.microsoft.com/office/drawing/2014/main" id="{47E2BEA7-BC4B-5ED9-06E5-48C28E02E92E}"/>
+              </a:ext>
+            </a:extLst>
+          </p:cNvPr>
+          <p:cNvSpPr txBox="1"/>
+          <p:nvPr/>
+        </p:nvSpPr>
+        <p:spPr>
+          <a:xfrm>
+            <a:off x="3865418" y="5444952"/>
+            <a:ext cx="5084618" cy="276999"/>
+          </a:xfrm>
+          <a:prstGeom prst="rect">
+            <a:avLst/>
+          </a:prstGeom>
+          <a:noFill/>
+        </p:spPr>
+        <p:txBody>
+          <a:bodyPr wrap="square">
+            <a:spAutoFit/>
+          </a:bodyPr>
+          <a:lstStyle/>
+          <a:p>
+            <a:r>
+              <a:rPr lang="en-US" sz="1200" dirty="0"/>
+              <a:t>https://www.geeksforgeeks.org/introduction-to-azure-container-instances/</a:t>
+            </a:r>
+            <a:endParaRPr lang="ru-UA" sz="1200" dirty="0"/>
+          </a:p>
+        </p:txBody>
+      </p:sp>
+    </p:spTree>
+    <p:extLst>
+      <p:ext uri="{BB962C8B-B14F-4D97-AF65-F5344CB8AC3E}">
+        <p14:creationId xmlns:p14="http://schemas.microsoft.com/office/powerpoint/2010/main" val="3040223107"/>
+      </p:ext>
+    </p:extLst>
+  </p:cSld>
+  <p:clrMapOvr>
+    <a:masterClrMapping/>
+  </p:clrMapOvr>
+</p:sld>
+</file>
+
+<file path=ppt/slides/slide35.xml><?xml version="1.0" encoding="utf-8"?>
+<p:sld xmlns:a="http://schemas.openxmlformats.org/drawingml/2006/main" xmlns:r="http://schemas.openxmlformats.org/officeDocument/2006/relationships" xmlns:p="http://schemas.openxmlformats.org/presentationml/2006/main">
+  <p:cSld>
+    <p:bg>
+      <p:bgPr>
+        <a:solidFill>
+          <a:schemeClr val="bg1"/>
+        </a:solidFill>
+        <a:effectLst/>
+      </p:bgPr>
+    </p:bg>
+    <p:spTree>
+      <p:nvGrpSpPr>
+        <p:cNvPr id="1" name=""/>
+        <p:cNvGrpSpPr/>
+        <p:nvPr/>
+      </p:nvGrpSpPr>
+      <p:grpSpPr>
+        <a:xfrm>
+          <a:off x="0" y="0"/>
+          <a:ext cx="0" cy="0"/>
+          <a:chOff x="0" y="0"/>
+          <a:chExt cx="0" cy="0"/>
+        </a:xfrm>
+      </p:grpSpPr>
+      <p:sp>
+        <p:nvSpPr>
+          <p:cNvPr id="9" name="Down Arrow 7">
+            <a:extLst>
+              <a:ext uri="{FF2B5EF4-FFF2-40B4-BE49-F238E27FC236}">
+                <a16:creationId xmlns:a16="http://schemas.microsoft.com/office/drawing/2014/main" id="{D4771268-CB57-404A-9271-370EB28F6090}"/>
+              </a:ext>
+              <a:ext uri="{C183D7F6-B498-43B3-948B-1728B52AA6E4}">
+                <adec:decorative xmlns:adec="http://schemas.microsoft.com/office/drawing/2017/decorative" val="1"/>
+              </a:ext>
+            </a:extLst>
+          </p:cNvPr>
+          <p:cNvSpPr>
+            <a:spLocks noGrp="1" noRot="1" noChangeAspect="1" noMove="1" noResize="1" noEditPoints="1" noAdjustHandles="1" noChangeArrowheads="1" noChangeShapeType="1" noTextEdit="1"/>
+          </p:cNvSpPr>
+          <p:nvPr>
+            <p:extLst>
+              <p:ext uri="{386F3935-93C4-4BCD-93E2-E3B085C9AB24}">
+                <p16:designElem xmlns:p16="http://schemas.microsoft.com/office/powerpoint/2015/main" val="1"/>
+              </p:ext>
+            </p:extLst>
+          </p:nvPr>
+        </p:nvSpPr>
+        <p:spPr>
+          <a:xfrm rot="16200000">
+            <a:off x="800100" y="1491343"/>
+            <a:ext cx="3333749" cy="3499103"/>
+          </a:xfrm>
+          <a:prstGeom prst="downArrow">
+            <a:avLst>
+              <a:gd name="adj1" fmla="val 100000"/>
+              <a:gd name="adj2" fmla="val 15788"/>
+            </a:avLst>
+          </a:prstGeom>
+          <a:solidFill>
+            <a:srgbClr val="404040"/>
+          </a:solidFill>
+          <a:ln w="53975">
+            <a:noFill/>
+          </a:ln>
+        </p:spPr>
+        <p:style>
+          <a:lnRef idx="2">
+            <a:schemeClr val="accent1">
+              <a:shade val="50000"/>
+            </a:schemeClr>
+          </a:lnRef>
+          <a:fillRef idx="1">
+            <a:schemeClr val="accent1"/>
+          </a:fillRef>
+          <a:effectRef idx="0">
+            <a:schemeClr val="accent1"/>
+          </a:effectRef>
+          <a:fontRef idx="minor">
+            <a:schemeClr val="lt1"/>
+          </a:fontRef>
+        </p:style>
+        <p:txBody>
+          <a:bodyPr rtlCol="0" anchor="ctr"/>
+          <a:lstStyle/>
+          <a:p>
+            <a:pPr algn="ctr"/>
+            <a:endParaRPr lang="en-US"/>
+          </a:p>
+        </p:txBody>
+      </p:sp>
+      <p:sp>
+        <p:nvSpPr>
+          <p:cNvPr id="2" name="Title 1">
+            <a:extLst>
+              <a:ext uri="{FF2B5EF4-FFF2-40B4-BE49-F238E27FC236}">
+                <a16:creationId xmlns:a16="http://schemas.microsoft.com/office/drawing/2014/main" id="{53C5D828-9666-E312-B574-9FE965A7D6BE}"/>
+              </a:ext>
+            </a:extLst>
+          </p:cNvPr>
+          <p:cNvSpPr>
+            <a:spLocks noGrp="1"/>
+          </p:cNvSpPr>
+          <p:nvPr>
+            <p:ph type="title"/>
+          </p:nvPr>
+        </p:nvSpPr>
+        <p:spPr>
+          <a:xfrm>
+            <a:off x="1028700" y="1967266"/>
+            <a:ext cx="2628900" cy="2547257"/>
+          </a:xfrm>
+          <a:noFill/>
+        </p:spPr>
+        <p:txBody>
+          <a:bodyPr vert="horz" lIns="91440" tIns="45720" rIns="91440" bIns="45720" rtlCol="0" anchor="ctr">
+            <a:normAutofit/>
+          </a:bodyPr>
+          <a:lstStyle/>
+          <a:p>
+            <a:pPr algn="ctr"/>
+            <a:r>
+              <a:rPr lang="en-US" sz="3600" kern="1200" dirty="0">
+                <a:solidFill>
+                  <a:srgbClr val="FFFFFF"/>
+                </a:solidFill>
+                <a:latin typeface="+mj-lt"/>
+                <a:ea typeface="+mj-ea"/>
+                <a:cs typeface="+mj-cs"/>
+              </a:rPr>
+              <a:t>Azure – Storage Accounts</a:t>
+            </a:r>
+          </a:p>
+        </p:txBody>
+      </p:sp>
+      <p:pic>
+        <p:nvPicPr>
+          <p:cNvPr id="4" name="Picture 3">
+            <a:extLst>
+              <a:ext uri="{FF2B5EF4-FFF2-40B4-BE49-F238E27FC236}">
+                <a16:creationId xmlns:a16="http://schemas.microsoft.com/office/drawing/2014/main" id="{434808D8-9B40-EE3F-5B67-B5C4ECE37F68}"/>
+              </a:ext>
+            </a:extLst>
+          </p:cNvPr>
+          <p:cNvPicPr>
+            <a:picLocks noChangeAspect="1"/>
+          </p:cNvPicPr>
+          <p:nvPr/>
+        </p:nvPicPr>
+        <p:blipFill>
+          <a:blip r:embed="rId2"/>
+          <a:stretch>
+            <a:fillRect/>
+          </a:stretch>
+        </p:blipFill>
+        <p:spPr>
+          <a:xfrm>
+            <a:off x="1531733" y="4984762"/>
+            <a:ext cx="1294595" cy="1294595"/>
+          </a:xfrm>
+          <a:prstGeom prst="rect">
+            <a:avLst/>
+          </a:prstGeom>
+        </p:spPr>
+      </p:pic>
+      <p:sp>
+        <p:nvSpPr>
+          <p:cNvPr id="3" name="Footer Placeholder 2">
+            <a:extLst>
+              <a:ext uri="{FF2B5EF4-FFF2-40B4-BE49-F238E27FC236}">
+                <a16:creationId xmlns:a16="http://schemas.microsoft.com/office/drawing/2014/main" id="{5AA19FA0-A765-8169-03F1-928E3EF7B595}"/>
+              </a:ext>
+            </a:extLst>
+          </p:cNvPr>
+          <p:cNvSpPr>
+            <a:spLocks noGrp="1"/>
+          </p:cNvSpPr>
+          <p:nvPr>
+            <p:ph type="ftr" sz="quarter" idx="11"/>
+          </p:nvPr>
+        </p:nvSpPr>
+        <p:spPr>
+          <a:xfrm>
+            <a:off x="1028700" y="6356350"/>
+            <a:ext cx="6210300" cy="365125"/>
+          </a:xfrm>
+        </p:spPr>
+        <p:txBody>
+          <a:bodyPr vert="horz" lIns="91440" tIns="45720" rIns="91440" bIns="45720" rtlCol="0" anchor="ctr">
+            <a:normAutofit/>
+          </a:bodyPr>
+          <a:lstStyle/>
+          <a:p>
+            <a:pPr algn="l">
+              <a:spcAft>
+                <a:spcPts val="600"/>
+              </a:spcAft>
+            </a:pPr>
+            <a:r>
+              <a:rPr lang="en-US" kern="1200">
+                <a:solidFill>
+                  <a:schemeClr val="tx1">
+                    <a:alpha val="80000"/>
+                  </a:schemeClr>
+                </a:solidFill>
+                <a:latin typeface="+mn-lt"/>
+                <a:ea typeface="+mn-ea"/>
+                <a:cs typeface="+mn-cs"/>
+              </a:rPr>
+              <a:t>Step 1 - Model - ver. 1</a:t>
+            </a:r>
+          </a:p>
+        </p:txBody>
+      </p:sp>
+      <p:sp>
+        <p:nvSpPr>
+          <p:cNvPr id="6" name="TextBox 5">
+            <a:extLst>
+              <a:ext uri="{FF2B5EF4-FFF2-40B4-BE49-F238E27FC236}">
+                <a16:creationId xmlns:a16="http://schemas.microsoft.com/office/drawing/2014/main" id="{C8759947-2535-A50E-C6DF-79B29DA36D32}"/>
+              </a:ext>
+            </a:extLst>
+          </p:cNvPr>
+          <p:cNvSpPr txBox="1"/>
+          <p:nvPr/>
+        </p:nvSpPr>
+        <p:spPr>
+          <a:xfrm>
+            <a:off x="4927476" y="2086732"/>
+            <a:ext cx="6096000" cy="2308324"/>
+          </a:xfrm>
+          <a:prstGeom prst="rect">
+            <a:avLst/>
+          </a:prstGeom>
+          <a:noFill/>
+        </p:spPr>
+        <p:txBody>
+          <a:bodyPr wrap="square">
+            <a:spAutoFit/>
+          </a:bodyPr>
+          <a:lstStyle/>
+          <a:p>
+            <a:r>
+              <a:rPr lang="en-US" dirty="0"/>
+              <a:t>Azure Storage Account is a storage account that is a resource that acts as a container that groups all the data services from Azure storage (Azure blobs, Azure files, Azure Queues, and Azure Tables). This helps us manage all of them as a group. The policies we specify while creating the storage account or making changes after the creation applies to all the services inside the account. Deleting a storage account deletes all the storage services deployed and the data stored inside it.</a:t>
+            </a:r>
+            <a:endParaRPr lang="ru-UA" dirty="0"/>
+          </a:p>
+        </p:txBody>
+      </p:sp>
+      <p:sp>
+        <p:nvSpPr>
+          <p:cNvPr id="8" name="TextBox 7">
+            <a:extLst>
+              <a:ext uri="{FF2B5EF4-FFF2-40B4-BE49-F238E27FC236}">
+                <a16:creationId xmlns:a16="http://schemas.microsoft.com/office/drawing/2014/main" id="{F292E385-DB42-6361-7AA5-709A361F226F}"/>
+              </a:ext>
+            </a:extLst>
+          </p:cNvPr>
+          <p:cNvSpPr txBox="1"/>
+          <p:nvPr/>
+        </p:nvSpPr>
+        <p:spPr>
+          <a:xfrm>
+            <a:off x="4696690" y="5237203"/>
+            <a:ext cx="6096000" cy="276999"/>
+          </a:xfrm>
+          <a:prstGeom prst="rect">
+            <a:avLst/>
+          </a:prstGeom>
+          <a:noFill/>
+        </p:spPr>
+        <p:txBody>
+          <a:bodyPr wrap="square">
+            <a:spAutoFit/>
+          </a:bodyPr>
+          <a:lstStyle/>
+          <a:p>
+            <a:r>
+              <a:rPr lang="en-US" sz="1200" dirty="0"/>
+              <a:t>https://www.geeksforgeeks.org/microsoft-azure-storage-accounts/?ref=lbp</a:t>
+            </a:r>
+            <a:endParaRPr lang="ru-UA" sz="1200" dirty="0"/>
+          </a:p>
+        </p:txBody>
+      </p:sp>
+    </p:spTree>
+    <p:extLst>
+      <p:ext uri="{BB962C8B-B14F-4D97-AF65-F5344CB8AC3E}">
+        <p14:creationId xmlns:p14="http://schemas.microsoft.com/office/powerpoint/2010/main" val="4103443897"/>
+      </p:ext>
+    </p:extLst>
+  </p:cSld>
+  <p:clrMapOvr>
+    <a:masterClrMapping/>
+  </p:clrMapOvr>
+</p:sld>
+</file>
+
+<file path=ppt/slides/slide36.xml><?xml version="1.0" encoding="utf-8"?>
+<p:sld xmlns:a="http://schemas.openxmlformats.org/drawingml/2006/main" xmlns:r="http://schemas.openxmlformats.org/officeDocument/2006/relationships" xmlns:p="http://schemas.openxmlformats.org/presentationml/2006/main">
+  <p:cSld>
+    <p:bg>
+      <p:bgPr>
+        <a:solidFill>
+          <a:schemeClr val="bg1"/>
+        </a:solidFill>
+        <a:effectLst/>
+      </p:bgPr>
+    </p:bg>
+    <p:spTree>
+      <p:nvGrpSpPr>
+        <p:cNvPr id="1" name=""/>
+        <p:cNvGrpSpPr/>
+        <p:nvPr/>
+      </p:nvGrpSpPr>
+      <p:grpSpPr>
+        <a:xfrm>
+          <a:off x="0" y="0"/>
+          <a:ext cx="0" cy="0"/>
+          <a:chOff x="0" y="0"/>
+          <a:chExt cx="0" cy="0"/>
+        </a:xfrm>
+      </p:grpSpPr>
+      <p:sp>
+        <p:nvSpPr>
+          <p:cNvPr id="10" name="Down Arrow 7">
+            <a:extLst>
+              <a:ext uri="{FF2B5EF4-FFF2-40B4-BE49-F238E27FC236}">
+                <a16:creationId xmlns:a16="http://schemas.microsoft.com/office/drawing/2014/main" id="{D4771268-CB57-404A-9271-370EB28F6090}"/>
+              </a:ext>
+              <a:ext uri="{C183D7F6-B498-43B3-948B-1728B52AA6E4}">
+                <adec:decorative xmlns:adec="http://schemas.microsoft.com/office/drawing/2017/decorative" val="1"/>
+              </a:ext>
+            </a:extLst>
+          </p:cNvPr>
+          <p:cNvSpPr>
+            <a:spLocks noGrp="1" noRot="1" noChangeAspect="1" noMove="1" noResize="1" noEditPoints="1" noAdjustHandles="1" noChangeArrowheads="1" noChangeShapeType="1" noTextEdit="1"/>
+          </p:cNvSpPr>
+          <p:nvPr>
+            <p:extLst>
+              <p:ext uri="{386F3935-93C4-4BCD-93E2-E3B085C9AB24}">
+                <p16:designElem xmlns:p16="http://schemas.microsoft.com/office/powerpoint/2015/main" val="1"/>
+              </p:ext>
+            </p:extLst>
+          </p:nvPr>
+        </p:nvSpPr>
+        <p:spPr>
+          <a:xfrm rot="16200000">
+            <a:off x="800100" y="1491343"/>
+            <a:ext cx="3333749" cy="3499103"/>
+          </a:xfrm>
+          <a:prstGeom prst="downArrow">
+            <a:avLst>
+              <a:gd name="adj1" fmla="val 100000"/>
+              <a:gd name="adj2" fmla="val 15788"/>
+            </a:avLst>
+          </a:prstGeom>
+          <a:solidFill>
+            <a:srgbClr val="404040"/>
+          </a:solidFill>
+          <a:ln w="53975">
+            <a:noFill/>
+          </a:ln>
+        </p:spPr>
+        <p:style>
+          <a:lnRef idx="2">
+            <a:schemeClr val="accent1">
+              <a:shade val="50000"/>
+            </a:schemeClr>
+          </a:lnRef>
+          <a:fillRef idx="1">
+            <a:schemeClr val="accent1"/>
+          </a:fillRef>
+          <a:effectRef idx="0">
+            <a:schemeClr val="accent1"/>
+          </a:effectRef>
+          <a:fontRef idx="minor">
+            <a:schemeClr val="lt1"/>
+          </a:fontRef>
+        </p:style>
+        <p:txBody>
+          <a:bodyPr rtlCol="0" anchor="ctr"/>
+          <a:lstStyle/>
+          <a:p>
+            <a:pPr algn="ctr"/>
+            <a:endParaRPr lang="en-US"/>
+          </a:p>
+        </p:txBody>
+      </p:sp>
+      <p:sp>
+        <p:nvSpPr>
+          <p:cNvPr id="2" name="Title 1">
+            <a:extLst>
+              <a:ext uri="{FF2B5EF4-FFF2-40B4-BE49-F238E27FC236}">
+                <a16:creationId xmlns:a16="http://schemas.microsoft.com/office/drawing/2014/main" id="{53C5D828-9666-E312-B574-9FE965A7D6BE}"/>
+              </a:ext>
+            </a:extLst>
+          </p:cNvPr>
+          <p:cNvSpPr>
+            <a:spLocks noGrp="1"/>
+          </p:cNvSpPr>
+          <p:nvPr>
+            <p:ph type="title"/>
+          </p:nvPr>
+        </p:nvSpPr>
+        <p:spPr>
+          <a:xfrm>
+            <a:off x="1028700" y="1967266"/>
+            <a:ext cx="2628900" cy="2547257"/>
+          </a:xfrm>
+          <a:noFill/>
+        </p:spPr>
+        <p:txBody>
+          <a:bodyPr vert="horz" lIns="91440" tIns="45720" rIns="91440" bIns="45720" rtlCol="0" anchor="ctr">
+            <a:normAutofit/>
+          </a:bodyPr>
+          <a:lstStyle/>
+          <a:p>
+            <a:pPr algn="ctr"/>
+            <a:r>
+              <a:rPr lang="en-US" sz="3600" kern="1200" dirty="0">
+                <a:solidFill>
+                  <a:srgbClr val="FFFFFF"/>
+                </a:solidFill>
+                <a:latin typeface="+mj-lt"/>
+                <a:ea typeface="+mj-ea"/>
+                <a:cs typeface="+mj-cs"/>
+              </a:rPr>
+              <a:t>Azure- Disk Storage</a:t>
+            </a:r>
+          </a:p>
+        </p:txBody>
+      </p:sp>
+      <p:pic>
+        <p:nvPicPr>
+          <p:cNvPr id="5" name="Picture 4">
+            <a:extLst>
+              <a:ext uri="{FF2B5EF4-FFF2-40B4-BE49-F238E27FC236}">
+                <a16:creationId xmlns:a16="http://schemas.microsoft.com/office/drawing/2014/main" id="{59EC6999-954D-E7E0-8D23-E784949428CB}"/>
+              </a:ext>
+            </a:extLst>
+          </p:cNvPr>
+          <p:cNvPicPr>
+            <a:picLocks noChangeAspect="1"/>
+          </p:cNvPicPr>
+          <p:nvPr/>
+        </p:nvPicPr>
+        <p:blipFill>
+          <a:blip r:embed="rId2"/>
+          <a:stretch>
+            <a:fillRect/>
+          </a:stretch>
+        </p:blipFill>
+        <p:spPr>
+          <a:xfrm>
+            <a:off x="1836208" y="5054145"/>
+            <a:ext cx="1013884" cy="577914"/>
+          </a:xfrm>
+          <a:prstGeom prst="rect">
+            <a:avLst/>
+          </a:prstGeom>
+        </p:spPr>
+      </p:pic>
+      <p:sp>
+        <p:nvSpPr>
+          <p:cNvPr id="3" name="Footer Placeholder 2">
+            <a:extLst>
+              <a:ext uri="{FF2B5EF4-FFF2-40B4-BE49-F238E27FC236}">
+                <a16:creationId xmlns:a16="http://schemas.microsoft.com/office/drawing/2014/main" id="{5AA19FA0-A765-8169-03F1-928E3EF7B595}"/>
+              </a:ext>
+            </a:extLst>
+          </p:cNvPr>
+          <p:cNvSpPr>
+            <a:spLocks noGrp="1"/>
+          </p:cNvSpPr>
+          <p:nvPr>
+            <p:ph type="ftr" sz="quarter" idx="11"/>
+          </p:nvPr>
+        </p:nvSpPr>
+        <p:spPr>
+          <a:xfrm>
+            <a:off x="1028700" y="6356350"/>
+            <a:ext cx="6210300" cy="365125"/>
+          </a:xfrm>
+        </p:spPr>
+        <p:txBody>
+          <a:bodyPr vert="horz" lIns="91440" tIns="45720" rIns="91440" bIns="45720" rtlCol="0" anchor="ctr">
+            <a:normAutofit/>
+          </a:bodyPr>
+          <a:lstStyle/>
+          <a:p>
+            <a:pPr algn="l">
+              <a:spcAft>
+                <a:spcPts val="600"/>
+              </a:spcAft>
+            </a:pPr>
+            <a:r>
+              <a:rPr lang="en-US" kern="1200">
+                <a:solidFill>
+                  <a:schemeClr val="tx1">
+                    <a:alpha val="80000"/>
+                  </a:schemeClr>
+                </a:solidFill>
+                <a:latin typeface="+mn-lt"/>
+                <a:ea typeface="+mn-ea"/>
+                <a:cs typeface="+mn-cs"/>
+              </a:rPr>
+              <a:t>Step 1 - Model - ver. 1</a:t>
+            </a:r>
+          </a:p>
+        </p:txBody>
+      </p:sp>
+      <p:sp>
+        <p:nvSpPr>
+          <p:cNvPr id="6" name="TextBox 5">
+            <a:extLst>
+              <a:ext uri="{FF2B5EF4-FFF2-40B4-BE49-F238E27FC236}">
+                <a16:creationId xmlns:a16="http://schemas.microsoft.com/office/drawing/2014/main" id="{ED429267-F412-EA48-A37D-66E3A626D366}"/>
+              </a:ext>
+            </a:extLst>
+          </p:cNvPr>
+          <p:cNvSpPr txBox="1"/>
+          <p:nvPr/>
+        </p:nvSpPr>
+        <p:spPr>
+          <a:xfrm>
+            <a:off x="4378036" y="457200"/>
+            <a:ext cx="7412182" cy="5016758"/>
+          </a:xfrm>
+          <a:prstGeom prst="rect">
+            <a:avLst/>
+          </a:prstGeom>
+          <a:noFill/>
+        </p:spPr>
+        <p:txBody>
+          <a:bodyPr wrap="square">
+            <a:spAutoFit/>
+          </a:bodyPr>
+          <a:lstStyle/>
+          <a:p>
+            <a:r>
+              <a:rPr lang="en-US" sz="1600" dirty="0"/>
+              <a:t>Azure Disk Storage is the only shared cloud block storage that supports both Windows and Linux-based clustered or high-availability applications via Azure shared disks.</a:t>
+            </a:r>
+          </a:p>
+          <a:p>
+            <a:endParaRPr lang="en-US" sz="1600" dirty="0"/>
+          </a:p>
+          <a:p>
+            <a:r>
+              <a:rPr lang="en-US" sz="1600" dirty="0"/>
+              <a:t>There are two types of Disks in Azure :</a:t>
+            </a:r>
+          </a:p>
+          <a:p>
+            <a:endParaRPr lang="en-US" sz="1600" dirty="0"/>
+          </a:p>
+          <a:p>
+            <a:r>
+              <a:rPr lang="en-US" sz="1600" dirty="0"/>
+              <a:t>    Managed Disks</a:t>
+            </a:r>
+          </a:p>
+          <a:p>
+            <a:r>
+              <a:rPr lang="en-US" sz="1600" dirty="0"/>
+              <a:t>    Unmanaged Disks.</a:t>
+            </a:r>
+          </a:p>
+          <a:p>
+            <a:endParaRPr lang="en-US" sz="1600" dirty="0"/>
+          </a:p>
+          <a:p>
+            <a:r>
+              <a:rPr lang="en-US" sz="1600" dirty="0"/>
+              <a:t>Managed Disks</a:t>
+            </a:r>
+          </a:p>
+          <a:p>
+            <a:endParaRPr lang="en-US" sz="1600" dirty="0"/>
+          </a:p>
+          <a:p>
+            <a:r>
+              <a:rPr lang="en-US" sz="1600" dirty="0"/>
+              <a:t>    Simplest option</a:t>
+            </a:r>
+          </a:p>
+          <a:p>
+            <a:r>
+              <a:rPr lang="en-US" sz="1600" dirty="0"/>
+              <a:t>    Lower management overhead as Azure manages the storage accounts.</a:t>
+            </a:r>
+          </a:p>
+          <a:p>
+            <a:r>
+              <a:rPr lang="en-US" sz="1600" dirty="0"/>
+              <a:t>    Only LRS replication mode is currently available</a:t>
+            </a:r>
+          </a:p>
+          <a:p>
+            <a:endParaRPr lang="en-US" sz="1600" dirty="0"/>
+          </a:p>
+          <a:p>
+            <a:r>
+              <a:rPr lang="en-US" sz="1600" dirty="0"/>
+              <a:t>To know how to host a Static Website with Azure Storage</a:t>
+            </a:r>
+          </a:p>
+          <a:p>
+            <a:r>
+              <a:rPr lang="en-US" sz="1600" dirty="0"/>
+              <a:t>Unmanaged Disks</a:t>
+            </a:r>
+          </a:p>
+          <a:p>
+            <a:endParaRPr lang="en-US" sz="1600" dirty="0"/>
+          </a:p>
+          <a:p>
+            <a:r>
+              <a:rPr lang="en-US" sz="1600" dirty="0"/>
+              <a:t>    DIY option</a:t>
+            </a:r>
+          </a:p>
+          <a:p>
+            <a:r>
+              <a:rPr lang="en-US" sz="1600" dirty="0"/>
+              <a:t>    Management overhead (20000 IOPS per storage account limit)</a:t>
+            </a:r>
+          </a:p>
+          <a:p>
+            <a:r>
+              <a:rPr lang="en-US" sz="1600" dirty="0"/>
+              <a:t>    Supports all replication  modes  (LRS, ZRS, GRS, RA-GRS)</a:t>
+            </a:r>
+          </a:p>
+        </p:txBody>
+      </p:sp>
+      <p:sp>
+        <p:nvSpPr>
+          <p:cNvPr id="8" name="TextBox 7">
+            <a:extLst>
+              <a:ext uri="{FF2B5EF4-FFF2-40B4-BE49-F238E27FC236}">
+                <a16:creationId xmlns:a16="http://schemas.microsoft.com/office/drawing/2014/main" id="{A172E53A-21D7-92EC-40FA-94193D2C3940}"/>
+              </a:ext>
+            </a:extLst>
+          </p:cNvPr>
+          <p:cNvSpPr txBox="1"/>
+          <p:nvPr/>
+        </p:nvSpPr>
+        <p:spPr>
+          <a:xfrm>
+            <a:off x="3657600" y="6001749"/>
+            <a:ext cx="6096000" cy="276999"/>
+          </a:xfrm>
+          <a:prstGeom prst="rect">
+            <a:avLst/>
+          </a:prstGeom>
+          <a:noFill/>
+        </p:spPr>
+        <p:txBody>
+          <a:bodyPr wrap="square">
+            <a:spAutoFit/>
+          </a:bodyPr>
+          <a:lstStyle/>
+          <a:p>
+            <a:r>
+              <a:rPr lang="en-US" sz="1200" dirty="0"/>
+              <a:t>https://www.geeksforgeeks.org/microsoft-azure-disk-storage-in-microsoft-azure/?ref=lbp</a:t>
+            </a:r>
+            <a:endParaRPr lang="ru-UA" sz="1200" dirty="0"/>
+          </a:p>
+        </p:txBody>
+      </p:sp>
+    </p:spTree>
+    <p:extLst>
+      <p:ext uri="{BB962C8B-B14F-4D97-AF65-F5344CB8AC3E}">
+        <p14:creationId xmlns:p14="http://schemas.microsoft.com/office/powerpoint/2010/main" val="3743280714"/>
+      </p:ext>
+    </p:extLst>
+  </p:cSld>
+  <p:clrMapOvr>
+    <a:masterClrMapping/>
+  </p:clrMapOvr>
+</p:sld>
+</file>
+
+<file path=ppt/slides/slide37.xml><?xml version="1.0" encoding="utf-8"?>
+<p:sld xmlns:a="http://schemas.openxmlformats.org/drawingml/2006/main" xmlns:r="http://schemas.openxmlformats.org/officeDocument/2006/relationships" xmlns:p="http://schemas.openxmlformats.org/presentationml/2006/main">
+  <p:cSld>
+    <p:bg>
+      <p:bgPr>
+        <a:solidFill>
+          <a:schemeClr val="bg1"/>
+        </a:solidFill>
+        <a:effectLst/>
+      </p:bgPr>
+    </p:bg>
+    <p:spTree>
+      <p:nvGrpSpPr>
+        <p:cNvPr id="1" name=""/>
+        <p:cNvGrpSpPr/>
+        <p:nvPr/>
+      </p:nvGrpSpPr>
+      <p:grpSpPr>
+        <a:xfrm>
+          <a:off x="0" y="0"/>
+          <a:ext cx="0" cy="0"/>
+          <a:chOff x="0" y="0"/>
+          <a:chExt cx="0" cy="0"/>
+        </a:xfrm>
+      </p:grpSpPr>
+      <p:sp>
+        <p:nvSpPr>
+          <p:cNvPr id="9" name="Down Arrow 7">
+            <a:extLst>
+              <a:ext uri="{FF2B5EF4-FFF2-40B4-BE49-F238E27FC236}">
+                <a16:creationId xmlns:a16="http://schemas.microsoft.com/office/drawing/2014/main" id="{D4771268-CB57-404A-9271-370EB28F6090}"/>
+              </a:ext>
+              <a:ext uri="{C183D7F6-B498-43B3-948B-1728B52AA6E4}">
+                <adec:decorative xmlns:adec="http://schemas.microsoft.com/office/drawing/2017/decorative" val="1"/>
+              </a:ext>
+            </a:extLst>
+          </p:cNvPr>
+          <p:cNvSpPr>
+            <a:spLocks noGrp="1" noRot="1" noChangeAspect="1" noMove="1" noResize="1" noEditPoints="1" noAdjustHandles="1" noChangeArrowheads="1" noChangeShapeType="1" noTextEdit="1"/>
+          </p:cNvSpPr>
+          <p:nvPr>
+            <p:extLst>
+              <p:ext uri="{386F3935-93C4-4BCD-93E2-E3B085C9AB24}">
+                <p16:designElem xmlns:p16="http://schemas.microsoft.com/office/powerpoint/2015/main" val="1"/>
+              </p:ext>
+            </p:extLst>
+          </p:nvPr>
+        </p:nvSpPr>
+        <p:spPr>
+          <a:xfrm rot="16200000">
+            <a:off x="800100" y="1491343"/>
+            <a:ext cx="3333749" cy="3499103"/>
+          </a:xfrm>
+          <a:prstGeom prst="downArrow">
+            <a:avLst>
+              <a:gd name="adj1" fmla="val 100000"/>
+              <a:gd name="adj2" fmla="val 15788"/>
+            </a:avLst>
+          </a:prstGeom>
+          <a:solidFill>
+            <a:srgbClr val="404040"/>
+          </a:solidFill>
+          <a:ln w="53975">
+            <a:noFill/>
+          </a:ln>
+        </p:spPr>
+        <p:style>
+          <a:lnRef idx="2">
+            <a:schemeClr val="accent1">
+              <a:shade val="50000"/>
+            </a:schemeClr>
+          </a:lnRef>
+          <a:fillRef idx="1">
+            <a:schemeClr val="accent1"/>
+          </a:fillRef>
+          <a:effectRef idx="0">
+            <a:schemeClr val="accent1"/>
+          </a:effectRef>
+          <a:fontRef idx="minor">
+            <a:schemeClr val="lt1"/>
+          </a:fontRef>
+        </p:style>
+        <p:txBody>
+          <a:bodyPr rtlCol="0" anchor="ctr"/>
+          <a:lstStyle/>
+          <a:p>
+            <a:pPr algn="ctr"/>
+            <a:endParaRPr lang="en-US"/>
+          </a:p>
+        </p:txBody>
+      </p:sp>
+      <p:sp>
+        <p:nvSpPr>
+          <p:cNvPr id="2" name="Title 1">
+            <a:extLst>
+              <a:ext uri="{FF2B5EF4-FFF2-40B4-BE49-F238E27FC236}">
+                <a16:creationId xmlns:a16="http://schemas.microsoft.com/office/drawing/2014/main" id="{53C5D828-9666-E312-B574-9FE965A7D6BE}"/>
+              </a:ext>
+            </a:extLst>
+          </p:cNvPr>
+          <p:cNvSpPr>
+            <a:spLocks noGrp="1"/>
+          </p:cNvSpPr>
+          <p:nvPr>
+            <p:ph type="title"/>
+          </p:nvPr>
+        </p:nvSpPr>
+        <p:spPr>
+          <a:xfrm>
+            <a:off x="1028700" y="1967266"/>
+            <a:ext cx="2628900" cy="2547257"/>
+          </a:xfrm>
+          <a:noFill/>
+        </p:spPr>
+        <p:txBody>
+          <a:bodyPr vert="horz" lIns="91440" tIns="45720" rIns="91440" bIns="45720" rtlCol="0" anchor="ctr">
+            <a:normAutofit/>
+          </a:bodyPr>
+          <a:lstStyle/>
+          <a:p>
+            <a:pPr algn="ctr"/>
+            <a:r>
+              <a:rPr lang="en-US" sz="3600" kern="1200" dirty="0">
+                <a:solidFill>
+                  <a:srgbClr val="FFFFFF"/>
+                </a:solidFill>
+                <a:latin typeface="+mj-lt"/>
+                <a:ea typeface="+mj-ea"/>
+                <a:cs typeface="+mj-cs"/>
+              </a:rPr>
+              <a:t>Azure – </a:t>
+            </a:r>
+            <a:r>
+              <a:rPr lang="en-US" sz="3600" kern="1200">
+                <a:solidFill>
+                  <a:srgbClr val="FFFFFF"/>
+                </a:solidFill>
+                <a:latin typeface="+mj-lt"/>
+                <a:ea typeface="+mj-ea"/>
+                <a:cs typeface="+mj-cs"/>
+              </a:rPr>
+              <a:t>Virtual Network</a:t>
+            </a:r>
+            <a:endParaRPr lang="en-US" sz="3600" kern="1200" dirty="0">
+              <a:solidFill>
+                <a:srgbClr val="FFFFFF"/>
+              </a:solidFill>
+              <a:latin typeface="+mj-lt"/>
+              <a:ea typeface="+mj-ea"/>
+              <a:cs typeface="+mj-cs"/>
+            </a:endParaRPr>
+          </a:p>
+        </p:txBody>
+      </p:sp>
+      <p:pic>
+        <p:nvPicPr>
+          <p:cNvPr id="4" name="Picture 3">
+            <a:extLst>
+              <a:ext uri="{FF2B5EF4-FFF2-40B4-BE49-F238E27FC236}">
+                <a16:creationId xmlns:a16="http://schemas.microsoft.com/office/drawing/2014/main" id="{2F1F014F-1E04-C6CB-13FB-8D68B70132ED}"/>
+              </a:ext>
+            </a:extLst>
+          </p:cNvPr>
+          <p:cNvPicPr>
+            <a:picLocks noChangeAspect="1"/>
+          </p:cNvPicPr>
+          <p:nvPr/>
+        </p:nvPicPr>
+        <p:blipFill>
+          <a:blip r:embed="rId2"/>
+          <a:stretch>
+            <a:fillRect/>
+          </a:stretch>
+        </p:blipFill>
+        <p:spPr>
+          <a:xfrm>
+            <a:off x="1559026" y="5153519"/>
+            <a:ext cx="1184174" cy="1172332"/>
+          </a:xfrm>
+          <a:prstGeom prst="rect">
+            <a:avLst/>
+          </a:prstGeom>
+        </p:spPr>
+      </p:pic>
+      <p:sp>
+        <p:nvSpPr>
+          <p:cNvPr id="3" name="Footer Placeholder 2">
+            <a:extLst>
+              <a:ext uri="{FF2B5EF4-FFF2-40B4-BE49-F238E27FC236}">
+                <a16:creationId xmlns:a16="http://schemas.microsoft.com/office/drawing/2014/main" id="{5AA19FA0-A765-8169-03F1-928E3EF7B595}"/>
+              </a:ext>
+            </a:extLst>
+          </p:cNvPr>
+          <p:cNvSpPr>
+            <a:spLocks noGrp="1"/>
+          </p:cNvSpPr>
+          <p:nvPr>
+            <p:ph type="ftr" sz="quarter" idx="11"/>
+          </p:nvPr>
+        </p:nvSpPr>
+        <p:spPr>
+          <a:xfrm>
+            <a:off x="1028700" y="6356350"/>
+            <a:ext cx="6210300" cy="365125"/>
+          </a:xfrm>
+        </p:spPr>
+        <p:txBody>
+          <a:bodyPr vert="horz" lIns="91440" tIns="45720" rIns="91440" bIns="45720" rtlCol="0" anchor="ctr">
+            <a:normAutofit/>
+          </a:bodyPr>
+          <a:lstStyle/>
+          <a:p>
+            <a:pPr algn="l">
+              <a:spcAft>
+                <a:spcPts val="600"/>
+              </a:spcAft>
+            </a:pPr>
+            <a:r>
+              <a:rPr lang="en-US" kern="1200">
+                <a:solidFill>
+                  <a:schemeClr val="tx1">
+                    <a:alpha val="80000"/>
+                  </a:schemeClr>
+                </a:solidFill>
+                <a:latin typeface="+mn-lt"/>
+                <a:ea typeface="+mn-ea"/>
+                <a:cs typeface="+mn-cs"/>
+              </a:rPr>
+              <a:t>Step 1 - Model - ver. 1</a:t>
+            </a:r>
+          </a:p>
+        </p:txBody>
+      </p:sp>
+      <p:sp>
+        <p:nvSpPr>
+          <p:cNvPr id="6" name="TextBox 5">
+            <a:extLst>
+              <a:ext uri="{FF2B5EF4-FFF2-40B4-BE49-F238E27FC236}">
+                <a16:creationId xmlns:a16="http://schemas.microsoft.com/office/drawing/2014/main" id="{DB6CB795-7346-F9A6-DFE0-FF33ACCFD630}"/>
+              </a:ext>
+            </a:extLst>
+          </p:cNvPr>
+          <p:cNvSpPr txBox="1"/>
+          <p:nvPr/>
+        </p:nvSpPr>
+        <p:spPr>
+          <a:xfrm>
+            <a:off x="4765964" y="1195196"/>
+            <a:ext cx="6096000" cy="3693319"/>
+          </a:xfrm>
+          <a:prstGeom prst="rect">
+            <a:avLst/>
+          </a:prstGeom>
+          <a:noFill/>
+        </p:spPr>
+        <p:txBody>
+          <a:bodyPr wrap="square">
+            <a:spAutoFit/>
+          </a:bodyPr>
+          <a:lstStyle/>
+          <a:p>
+            <a:r>
+              <a:rPr lang="en-US" dirty="0"/>
+              <a:t>It is a representation of the on-premises network on the cloud. It helps us logically isolate the Azure cloud network dedicated to our subscription. It helps us to manage and provision virtual private networks in Azure, link the virtual networks with other virtual networks in Azure, or with on-premises IT infrastructure and networks that help us create hybrid or cross-premises solutions. </a:t>
+            </a:r>
+          </a:p>
+          <a:p>
+            <a:endParaRPr lang="en-US" dirty="0"/>
+          </a:p>
+          <a:p>
+            <a:r>
+              <a:rPr lang="en-US" dirty="0"/>
+              <a:t>Each virtual network we create has its own Classless Inter-Domain Routing (CIDR) block and can be linked with other virtual and on-premises networks of the CIDR blocks that do not overlap. We also have control of DNS server settings and segmentation of the virtual networks into the subnets.</a:t>
+            </a:r>
+            <a:endParaRPr lang="ru-UA" dirty="0"/>
+          </a:p>
+        </p:txBody>
+      </p:sp>
+      <p:sp>
+        <p:nvSpPr>
+          <p:cNvPr id="8" name="TextBox 7">
+            <a:extLst>
+              <a:ext uri="{FF2B5EF4-FFF2-40B4-BE49-F238E27FC236}">
+                <a16:creationId xmlns:a16="http://schemas.microsoft.com/office/drawing/2014/main" id="{05B6F4ED-F618-2234-26E6-B41FC5967CC3}"/>
+              </a:ext>
+            </a:extLst>
+          </p:cNvPr>
+          <p:cNvSpPr txBox="1"/>
+          <p:nvPr/>
+        </p:nvSpPr>
+        <p:spPr>
+          <a:xfrm>
+            <a:off x="4673726" y="5524304"/>
+            <a:ext cx="5079874" cy="276999"/>
+          </a:xfrm>
+          <a:prstGeom prst="rect">
+            <a:avLst/>
+          </a:prstGeom>
+          <a:noFill/>
+        </p:spPr>
+        <p:txBody>
+          <a:bodyPr wrap="square">
+            <a:spAutoFit/>
+          </a:bodyPr>
+          <a:lstStyle/>
+          <a:p>
+            <a:r>
+              <a:rPr lang="ru-UA" sz="1200" dirty="0"/>
+              <a:t>https://www.geeksforgeeks.org/microsoft-azure-virtual-network/?ref=lbp</a:t>
+            </a:r>
+          </a:p>
+        </p:txBody>
+      </p:sp>
+    </p:spTree>
+    <p:extLst>
+      <p:ext uri="{BB962C8B-B14F-4D97-AF65-F5344CB8AC3E}">
+        <p14:creationId xmlns:p14="http://schemas.microsoft.com/office/powerpoint/2010/main" val="3674171182"/>
+      </p:ext>
+    </p:extLst>
+  </p:cSld>
+  <p:clrMapOvr>
+    <a:masterClrMapping/>
+  </p:clrMapOvr>
+</p:sld>
+</file>
+
 <file path=ppt/slides/slide4.xml><?xml version="1.0" encoding="utf-8"?>
 <p:sld xmlns:a="http://schemas.openxmlformats.org/drawingml/2006/main" xmlns:r="http://schemas.openxmlformats.org/officeDocument/2006/relationships" xmlns:p="http://schemas.openxmlformats.org/presentationml/2006/main">
   <p:cSld>

--- a/Step04-Cloud_Platforms_speach.pptx
+++ b/Step04-Cloud_Platforms_speach.pptx
@@ -5,7 +5,7 @@
     <p:sldMasterId id="2147483648" r:id="rId1"/>
   </p:sldMasterIdLst>
   <p:notesMasterIdLst>
-    <p:notesMasterId r:id="rId39"/>
+    <p:notesMasterId r:id="rId44"/>
   </p:notesMasterIdLst>
   <p:sldIdLst>
     <p:sldId id="307" r:id="rId2"/>
@@ -45,6 +45,11 @@
     <p:sldId id="338" r:id="rId36"/>
     <p:sldId id="339" r:id="rId37"/>
     <p:sldId id="340" r:id="rId38"/>
+    <p:sldId id="341" r:id="rId39"/>
+    <p:sldId id="342" r:id="rId40"/>
+    <p:sldId id="343" r:id="rId41"/>
+    <p:sldId id="344" r:id="rId42"/>
+    <p:sldId id="345" r:id="rId43"/>
   </p:sldIdLst>
   <p:sldSz cx="12192000" cy="6858000"/>
   <p:notesSz cx="6858000" cy="9144000"/>
@@ -197,6 +202,11 @@
             <p14:sldId id="338"/>
             <p14:sldId id="339"/>
             <p14:sldId id="340"/>
+            <p14:sldId id="341"/>
+            <p14:sldId id="342"/>
+            <p14:sldId id="343"/>
+            <p14:sldId id="344"/>
+            <p14:sldId id="345"/>
           </p14:sldIdLst>
         </p14:section>
       </p14:sectionLst>
@@ -211,7 +221,7 @@
 <file path=ppt/revisionInfo.xml><?xml version="1.0" encoding="utf-8"?>
 <p1510:revInfo xmlns:a="http://schemas.openxmlformats.org/drawingml/2006/main" xmlns:r="http://schemas.openxmlformats.org/officeDocument/2006/relationships" xmlns:p1510="http://schemas.microsoft.com/office/powerpoint/2015/10/main">
   <p1510:revLst>
-    <p1510:client id="{A3EFBF31-7B9C-4D5A-89F5-DC51A0BFC201}" v="66" dt="2024-01-30T17:06:23.397"/>
+    <p1510:client id="{A3EFBF31-7B9C-4D5A-89F5-DC51A0BFC201}" v="99" dt="2024-01-31T08:20:50.487"/>
   </p1510:revLst>
 </p1510:revInfo>
 </file>
@@ -830,7 +840,7 @@
   <pc:docChgLst>
     <pc:chgData name="Ihor Aleksandrov" userId="c3051032-6b87-4db2-b257-777a0106fbd9" providerId="ADAL" clId="{A3EFBF31-7B9C-4D5A-89F5-DC51A0BFC201}"/>
     <pc:docChg chg="undo redo custSel addSld delSld modSld sldOrd addSection delSection modSection">
-      <pc:chgData name="Ihor Aleksandrov" userId="c3051032-6b87-4db2-b257-777a0106fbd9" providerId="ADAL" clId="{A3EFBF31-7B9C-4D5A-89F5-DC51A0BFC201}" dt="2024-01-30T17:06:59.644" v="474" actId="14100"/>
+      <pc:chgData name="Ihor Aleksandrov" userId="c3051032-6b87-4db2-b257-777a0106fbd9" providerId="ADAL" clId="{A3EFBF31-7B9C-4D5A-89F5-DC51A0BFC201}" dt="2024-01-31T08:20:21.677" v="568" actId="14100"/>
       <pc:docMkLst>
         <pc:docMk/>
       </pc:docMkLst>
@@ -987,6 +997,21 @@
             <ac:spMk id="2" creationId="{5DF8ECE0-DBF5-C309-B35B-C6A0C6C847B2}"/>
           </ac:spMkLst>
         </pc:spChg>
+      </pc:sldChg>
+      <pc:sldChg chg="modSp mod">
+        <pc:chgData name="Ihor Aleksandrov" userId="c3051032-6b87-4db2-b257-777a0106fbd9" providerId="ADAL" clId="{A3EFBF31-7B9C-4D5A-89F5-DC51A0BFC201}" dt="2024-01-31T08:20:21.677" v="568" actId="14100"/>
+        <pc:sldMkLst>
+          <pc:docMk/>
+          <pc:sldMk cId="2972731808" sldId="308"/>
+        </pc:sldMkLst>
+        <pc:graphicFrameChg chg="mod">
+          <ac:chgData name="Ihor Aleksandrov" userId="c3051032-6b87-4db2-b257-777a0106fbd9" providerId="ADAL" clId="{A3EFBF31-7B9C-4D5A-89F5-DC51A0BFC201}" dt="2024-01-31T08:20:21.677" v="568" actId="14100"/>
+          <ac:graphicFrameMkLst>
+            <pc:docMk/>
+            <pc:sldMk cId="2972731808" sldId="308"/>
+            <ac:graphicFrameMk id="6" creationId="{0A25AD42-052A-793B-B420-809C33CC274D}"/>
+          </ac:graphicFrameMkLst>
+        </pc:graphicFrameChg>
       </pc:sldChg>
       <pc:sldChg chg="del">
         <pc:chgData name="Ihor Aleksandrov" userId="c3051032-6b87-4db2-b257-777a0106fbd9" providerId="ADAL" clId="{A3EFBF31-7B9C-4D5A-89F5-DC51A0BFC201}" dt="2024-01-30T10:32:23.239" v="33" actId="47"/>
@@ -2867,6 +2892,345 @@
             <pc:docMk/>
             <pc:sldMk cId="3674171182" sldId="340"/>
             <ac:picMk id="4" creationId="{2F1F014F-1E04-C6CB-13FB-8D68B70132ED}"/>
+          </ac:picMkLst>
+        </pc:picChg>
+      </pc:sldChg>
+      <pc:sldChg chg="addSp delSp modSp add mod setBg delDesignElem">
+        <pc:chgData name="Ihor Aleksandrov" userId="c3051032-6b87-4db2-b257-777a0106fbd9" providerId="ADAL" clId="{A3EFBF31-7B9C-4D5A-89F5-DC51A0BFC201}" dt="2024-01-31T08:03:00.170" v="484" actId="1076"/>
+        <pc:sldMkLst>
+          <pc:docMk/>
+          <pc:sldMk cId="1296882423" sldId="341"/>
+        </pc:sldMkLst>
+        <pc:spChg chg="mod">
+          <ac:chgData name="Ihor Aleksandrov" userId="c3051032-6b87-4db2-b257-777a0106fbd9" providerId="ADAL" clId="{A3EFBF31-7B9C-4D5A-89F5-DC51A0BFC201}" dt="2024-01-31T08:02:17.699" v="477" actId="26606"/>
+          <ac:spMkLst>
+            <pc:docMk/>
+            <pc:sldMk cId="1296882423" sldId="341"/>
+            <ac:spMk id="2" creationId="{53C5D828-9666-E312-B574-9FE965A7D6BE}"/>
+          </ac:spMkLst>
+        </pc:spChg>
+        <pc:spChg chg="mod ord">
+          <ac:chgData name="Ihor Aleksandrov" userId="c3051032-6b87-4db2-b257-777a0106fbd9" providerId="ADAL" clId="{A3EFBF31-7B9C-4D5A-89F5-DC51A0BFC201}" dt="2024-01-31T08:02:17.699" v="477" actId="26606"/>
+          <ac:spMkLst>
+            <pc:docMk/>
+            <pc:sldMk cId="1296882423" sldId="341"/>
+            <ac:spMk id="3" creationId="{5AA19FA0-A765-8169-03F1-928E3EF7B595}"/>
+          </ac:spMkLst>
+        </pc:spChg>
+        <pc:spChg chg="add mod">
+          <ac:chgData name="Ihor Aleksandrov" userId="c3051032-6b87-4db2-b257-777a0106fbd9" providerId="ADAL" clId="{A3EFBF31-7B9C-4D5A-89F5-DC51A0BFC201}" dt="2024-01-31T08:02:41.589" v="481" actId="1076"/>
+          <ac:spMkLst>
+            <pc:docMk/>
+            <pc:sldMk cId="1296882423" sldId="341"/>
+            <ac:spMk id="5" creationId="{A7D9D10D-351F-C014-5050-FEAE93344DE8}"/>
+          </ac:spMkLst>
+        </pc:spChg>
+        <pc:spChg chg="add mod">
+          <ac:chgData name="Ihor Aleksandrov" userId="c3051032-6b87-4db2-b257-777a0106fbd9" providerId="ADAL" clId="{A3EFBF31-7B9C-4D5A-89F5-DC51A0BFC201}" dt="2024-01-31T08:03:00.170" v="484" actId="1076"/>
+          <ac:spMkLst>
+            <pc:docMk/>
+            <pc:sldMk cId="1296882423" sldId="341"/>
+            <ac:spMk id="8" creationId="{65877938-5CE7-546F-01B8-192E8B266837}"/>
+          </ac:spMkLst>
+        </pc:spChg>
+        <pc:spChg chg="add">
+          <ac:chgData name="Ihor Aleksandrov" userId="c3051032-6b87-4db2-b257-777a0106fbd9" providerId="ADAL" clId="{A3EFBF31-7B9C-4D5A-89F5-DC51A0BFC201}" dt="2024-01-31T08:02:17.699" v="477" actId="26606"/>
+          <ac:spMkLst>
+            <pc:docMk/>
+            <pc:sldMk cId="1296882423" sldId="341"/>
+            <ac:spMk id="11" creationId="{D4771268-CB57-404A-9271-370EB28F6090}"/>
+          </ac:spMkLst>
+        </pc:spChg>
+        <pc:spChg chg="del">
+          <ac:chgData name="Ihor Aleksandrov" userId="c3051032-6b87-4db2-b257-777a0106fbd9" providerId="ADAL" clId="{A3EFBF31-7B9C-4D5A-89F5-DC51A0BFC201}" dt="2024-01-31T08:02:05.907" v="476"/>
+          <ac:spMkLst>
+            <pc:docMk/>
+            <pc:sldMk cId="1296882423" sldId="341"/>
+            <ac:spMk id="24" creationId="{D4771268-CB57-404A-9271-370EB28F6090}"/>
+          </ac:spMkLst>
+        </pc:spChg>
+        <pc:picChg chg="mod">
+          <ac:chgData name="Ihor Aleksandrov" userId="c3051032-6b87-4db2-b257-777a0106fbd9" providerId="ADAL" clId="{A3EFBF31-7B9C-4D5A-89F5-DC51A0BFC201}" dt="2024-01-31T08:02:29.154" v="479" actId="1076"/>
+          <ac:picMkLst>
+            <pc:docMk/>
+            <pc:sldMk cId="1296882423" sldId="341"/>
+            <ac:picMk id="6" creationId="{50977CD2-8BCA-7C85-386A-DB7981EA0615}"/>
+          </ac:picMkLst>
+        </pc:picChg>
+      </pc:sldChg>
+      <pc:sldChg chg="addSp delSp modSp add mod setBg delDesignElem">
+        <pc:chgData name="Ihor Aleksandrov" userId="c3051032-6b87-4db2-b257-777a0106fbd9" providerId="ADAL" clId="{A3EFBF31-7B9C-4D5A-89F5-DC51A0BFC201}" dt="2024-01-31T08:07:09.689" v="503" actId="1076"/>
+        <pc:sldMkLst>
+          <pc:docMk/>
+          <pc:sldMk cId="2578212810" sldId="342"/>
+        </pc:sldMkLst>
+        <pc:spChg chg="mod">
+          <ac:chgData name="Ihor Aleksandrov" userId="c3051032-6b87-4db2-b257-777a0106fbd9" providerId="ADAL" clId="{A3EFBF31-7B9C-4D5A-89F5-DC51A0BFC201}" dt="2024-01-31T08:06:14.515" v="487" actId="26606"/>
+          <ac:spMkLst>
+            <pc:docMk/>
+            <pc:sldMk cId="2578212810" sldId="342"/>
+            <ac:spMk id="2" creationId="{53C5D828-9666-E312-B574-9FE965A7D6BE}"/>
+          </ac:spMkLst>
+        </pc:spChg>
+        <pc:spChg chg="mod ord">
+          <ac:chgData name="Ihor Aleksandrov" userId="c3051032-6b87-4db2-b257-777a0106fbd9" providerId="ADAL" clId="{A3EFBF31-7B9C-4D5A-89F5-DC51A0BFC201}" dt="2024-01-31T08:06:14.515" v="487" actId="26606"/>
+          <ac:spMkLst>
+            <pc:docMk/>
+            <pc:sldMk cId="2578212810" sldId="342"/>
+            <ac:spMk id="3" creationId="{5AA19FA0-A765-8169-03F1-928E3EF7B595}"/>
+          </ac:spMkLst>
+        </pc:spChg>
+        <pc:spChg chg="add mod">
+          <ac:chgData name="Ihor Aleksandrov" userId="c3051032-6b87-4db2-b257-777a0106fbd9" providerId="ADAL" clId="{A3EFBF31-7B9C-4D5A-89F5-DC51A0BFC201}" dt="2024-01-31T08:06:56.090" v="500" actId="1038"/>
+          <ac:spMkLst>
+            <pc:docMk/>
+            <pc:sldMk cId="2578212810" sldId="342"/>
+            <ac:spMk id="6" creationId="{4B26E5B9-AF1E-D478-F6DC-896B24E2E00F}"/>
+          </ac:spMkLst>
+        </pc:spChg>
+        <pc:spChg chg="add mod">
+          <ac:chgData name="Ihor Aleksandrov" userId="c3051032-6b87-4db2-b257-777a0106fbd9" providerId="ADAL" clId="{A3EFBF31-7B9C-4D5A-89F5-DC51A0BFC201}" dt="2024-01-31T08:07:09.689" v="503" actId="1076"/>
+          <ac:spMkLst>
+            <pc:docMk/>
+            <pc:sldMk cId="2578212810" sldId="342"/>
+            <ac:spMk id="8" creationId="{243593B1-4E20-4481-645C-9497A14C60A2}"/>
+          </ac:spMkLst>
+        </pc:spChg>
+        <pc:spChg chg="add">
+          <ac:chgData name="Ihor Aleksandrov" userId="c3051032-6b87-4db2-b257-777a0106fbd9" providerId="ADAL" clId="{A3EFBF31-7B9C-4D5A-89F5-DC51A0BFC201}" dt="2024-01-31T08:06:14.515" v="487" actId="26606"/>
+          <ac:spMkLst>
+            <pc:docMk/>
+            <pc:sldMk cId="2578212810" sldId="342"/>
+            <ac:spMk id="10" creationId="{D4771268-CB57-404A-9271-370EB28F6090}"/>
+          </ac:spMkLst>
+        </pc:spChg>
+        <pc:spChg chg="del">
+          <ac:chgData name="Ihor Aleksandrov" userId="c3051032-6b87-4db2-b257-777a0106fbd9" providerId="ADAL" clId="{A3EFBF31-7B9C-4D5A-89F5-DC51A0BFC201}" dt="2024-01-31T08:06:10.607" v="486"/>
+          <ac:spMkLst>
+            <pc:docMk/>
+            <pc:sldMk cId="2578212810" sldId="342"/>
+            <ac:spMk id="24" creationId="{D4771268-CB57-404A-9271-370EB28F6090}"/>
+          </ac:spMkLst>
+        </pc:spChg>
+        <pc:picChg chg="mod">
+          <ac:chgData name="Ihor Aleksandrov" userId="c3051032-6b87-4db2-b257-777a0106fbd9" providerId="ADAL" clId="{A3EFBF31-7B9C-4D5A-89F5-DC51A0BFC201}" dt="2024-01-31T08:06:20.954" v="489" actId="1076"/>
+          <ac:picMkLst>
+            <pc:docMk/>
+            <pc:sldMk cId="2578212810" sldId="342"/>
+            <ac:picMk id="5" creationId="{3909FDCD-7A4B-E5C6-1FC1-DA89E6608C59}"/>
+          </ac:picMkLst>
+        </pc:picChg>
+      </pc:sldChg>
+      <pc:sldChg chg="addSp delSp modSp add mod setBg addAnim delAnim delDesignElem">
+        <pc:chgData name="Ihor Aleksandrov" userId="c3051032-6b87-4db2-b257-777a0106fbd9" providerId="ADAL" clId="{A3EFBF31-7B9C-4D5A-89F5-DC51A0BFC201}" dt="2024-01-31T08:12:41.650" v="519" actId="1076"/>
+        <pc:sldMkLst>
+          <pc:docMk/>
+          <pc:sldMk cId="1227530818" sldId="343"/>
+        </pc:sldMkLst>
+        <pc:spChg chg="mod">
+          <ac:chgData name="Ihor Aleksandrov" userId="c3051032-6b87-4db2-b257-777a0106fbd9" providerId="ADAL" clId="{A3EFBF31-7B9C-4D5A-89F5-DC51A0BFC201}" dt="2024-01-31T08:11:27.137" v="509" actId="26606"/>
+          <ac:spMkLst>
+            <pc:docMk/>
+            <pc:sldMk cId="1227530818" sldId="343"/>
+            <ac:spMk id="2" creationId="{53C5D828-9666-E312-B574-9FE965A7D6BE}"/>
+          </ac:spMkLst>
+        </pc:spChg>
+        <pc:spChg chg="mod ord">
+          <ac:chgData name="Ihor Aleksandrov" userId="c3051032-6b87-4db2-b257-777a0106fbd9" providerId="ADAL" clId="{A3EFBF31-7B9C-4D5A-89F5-DC51A0BFC201}" dt="2024-01-31T08:11:27.137" v="509" actId="26606"/>
+          <ac:spMkLst>
+            <pc:docMk/>
+            <pc:sldMk cId="1227530818" sldId="343"/>
+            <ac:spMk id="3" creationId="{5AA19FA0-A765-8169-03F1-928E3EF7B595}"/>
+          </ac:spMkLst>
+        </pc:spChg>
+        <pc:spChg chg="add mod">
+          <ac:chgData name="Ihor Aleksandrov" userId="c3051032-6b87-4db2-b257-777a0106fbd9" providerId="ADAL" clId="{A3EFBF31-7B9C-4D5A-89F5-DC51A0BFC201}" dt="2024-01-31T08:12:33.031" v="516"/>
+          <ac:spMkLst>
+            <pc:docMk/>
+            <pc:sldMk cId="1227530818" sldId="343"/>
+            <ac:spMk id="6" creationId="{E4D80CB5-A99B-92AD-A458-FA7DDFA6231F}"/>
+          </ac:spMkLst>
+        </pc:spChg>
+        <pc:spChg chg="add mod">
+          <ac:chgData name="Ihor Aleksandrov" userId="c3051032-6b87-4db2-b257-777a0106fbd9" providerId="ADAL" clId="{A3EFBF31-7B9C-4D5A-89F5-DC51A0BFC201}" dt="2024-01-31T08:12:41.650" v="519" actId="1076"/>
+          <ac:spMkLst>
+            <pc:docMk/>
+            <pc:sldMk cId="1227530818" sldId="343"/>
+            <ac:spMk id="8" creationId="{82C21485-48CF-4FB9-93B3-16FDFE5BC3E0}"/>
+          </ac:spMkLst>
+        </pc:spChg>
+        <pc:spChg chg="add del">
+          <ac:chgData name="Ihor Aleksandrov" userId="c3051032-6b87-4db2-b257-777a0106fbd9" providerId="ADAL" clId="{A3EFBF31-7B9C-4D5A-89F5-DC51A0BFC201}" dt="2024-01-31T08:11:27.132" v="508" actId="26606"/>
+          <ac:spMkLst>
+            <pc:docMk/>
+            <pc:sldMk cId="1227530818" sldId="343"/>
+            <ac:spMk id="9" creationId="{37C89E4B-3C9F-44B9-8B86-D9E3D112D8EC}"/>
+          </ac:spMkLst>
+        </pc:spChg>
+        <pc:spChg chg="add">
+          <ac:chgData name="Ihor Aleksandrov" userId="c3051032-6b87-4db2-b257-777a0106fbd9" providerId="ADAL" clId="{A3EFBF31-7B9C-4D5A-89F5-DC51A0BFC201}" dt="2024-01-31T08:11:27.137" v="509" actId="26606"/>
+          <ac:spMkLst>
+            <pc:docMk/>
+            <pc:sldMk cId="1227530818" sldId="343"/>
+            <ac:spMk id="15" creationId="{D4771268-CB57-404A-9271-370EB28F6090}"/>
+          </ac:spMkLst>
+        </pc:spChg>
+        <pc:spChg chg="del">
+          <ac:chgData name="Ihor Aleksandrov" userId="c3051032-6b87-4db2-b257-777a0106fbd9" providerId="ADAL" clId="{A3EFBF31-7B9C-4D5A-89F5-DC51A0BFC201}" dt="2024-01-31T08:11:22.731" v="505"/>
+          <ac:spMkLst>
+            <pc:docMk/>
+            <pc:sldMk cId="1227530818" sldId="343"/>
+            <ac:spMk id="24" creationId="{D4771268-CB57-404A-9271-370EB28F6090}"/>
+          </ac:spMkLst>
+        </pc:spChg>
+        <pc:picChg chg="mod ord">
+          <ac:chgData name="Ihor Aleksandrov" userId="c3051032-6b87-4db2-b257-777a0106fbd9" providerId="ADAL" clId="{A3EFBF31-7B9C-4D5A-89F5-DC51A0BFC201}" dt="2024-01-31T08:11:36.435" v="512" actId="1076"/>
+          <ac:picMkLst>
+            <pc:docMk/>
+            <pc:sldMk cId="1227530818" sldId="343"/>
+            <ac:picMk id="4" creationId="{28F107C1-9081-8DFF-32B6-95CB69F19DC1}"/>
+          </ac:picMkLst>
+        </pc:picChg>
+        <pc:cxnChg chg="add del">
+          <ac:chgData name="Ihor Aleksandrov" userId="c3051032-6b87-4db2-b257-777a0106fbd9" providerId="ADAL" clId="{A3EFBF31-7B9C-4D5A-89F5-DC51A0BFC201}" dt="2024-01-31T08:11:27.132" v="508" actId="26606"/>
+          <ac:cxnSpMkLst>
+            <pc:docMk/>
+            <pc:sldMk cId="1227530818" sldId="343"/>
+            <ac:cxnSpMk id="11" creationId="{AA2EAA10-076F-46BD-8F0F-B9A2FB77A85C}"/>
+          </ac:cxnSpMkLst>
+        </pc:cxnChg>
+        <pc:cxnChg chg="add del">
+          <ac:chgData name="Ihor Aleksandrov" userId="c3051032-6b87-4db2-b257-777a0106fbd9" providerId="ADAL" clId="{A3EFBF31-7B9C-4D5A-89F5-DC51A0BFC201}" dt="2024-01-31T08:11:27.132" v="508" actId="26606"/>
+          <ac:cxnSpMkLst>
+            <pc:docMk/>
+            <pc:sldMk cId="1227530818" sldId="343"/>
+            <ac:cxnSpMk id="13" creationId="{D891E407-403B-4764-86C9-33A56D3BCAA3}"/>
+          </ac:cxnSpMkLst>
+        </pc:cxnChg>
+      </pc:sldChg>
+      <pc:sldChg chg="addSp delSp modSp add mod setBg delDesignElem">
+        <pc:chgData name="Ihor Aleksandrov" userId="c3051032-6b87-4db2-b257-777a0106fbd9" providerId="ADAL" clId="{A3EFBF31-7B9C-4D5A-89F5-DC51A0BFC201}" dt="2024-01-31T08:16:00.840" v="530" actId="1076"/>
+        <pc:sldMkLst>
+          <pc:docMk/>
+          <pc:sldMk cId="3182037683" sldId="344"/>
+        </pc:sldMkLst>
+        <pc:spChg chg="mod">
+          <ac:chgData name="Ihor Aleksandrov" userId="c3051032-6b87-4db2-b257-777a0106fbd9" providerId="ADAL" clId="{A3EFBF31-7B9C-4D5A-89F5-DC51A0BFC201}" dt="2024-01-31T08:15:19.745" v="522" actId="26606"/>
+          <ac:spMkLst>
+            <pc:docMk/>
+            <pc:sldMk cId="3182037683" sldId="344"/>
+            <ac:spMk id="2" creationId="{53C5D828-9666-E312-B574-9FE965A7D6BE}"/>
+          </ac:spMkLst>
+        </pc:spChg>
+        <pc:spChg chg="mod ord">
+          <ac:chgData name="Ihor Aleksandrov" userId="c3051032-6b87-4db2-b257-777a0106fbd9" providerId="ADAL" clId="{A3EFBF31-7B9C-4D5A-89F5-DC51A0BFC201}" dt="2024-01-31T08:15:19.745" v="522" actId="26606"/>
+          <ac:spMkLst>
+            <pc:docMk/>
+            <pc:sldMk cId="3182037683" sldId="344"/>
+            <ac:spMk id="3" creationId="{5AA19FA0-A765-8169-03F1-928E3EF7B595}"/>
+          </ac:spMkLst>
+        </pc:spChg>
+        <pc:spChg chg="add mod">
+          <ac:chgData name="Ihor Aleksandrov" userId="c3051032-6b87-4db2-b257-777a0106fbd9" providerId="ADAL" clId="{A3EFBF31-7B9C-4D5A-89F5-DC51A0BFC201}" dt="2024-01-31T08:15:50.421" v="527" actId="1076"/>
+          <ac:spMkLst>
+            <pc:docMk/>
+            <pc:sldMk cId="3182037683" sldId="344"/>
+            <ac:spMk id="6" creationId="{8A051965-0B3D-E440-504D-C2AAE32372BD}"/>
+          </ac:spMkLst>
+        </pc:spChg>
+        <pc:spChg chg="add mod">
+          <ac:chgData name="Ihor Aleksandrov" userId="c3051032-6b87-4db2-b257-777a0106fbd9" providerId="ADAL" clId="{A3EFBF31-7B9C-4D5A-89F5-DC51A0BFC201}" dt="2024-01-31T08:16:00.840" v="530" actId="1076"/>
+          <ac:spMkLst>
+            <pc:docMk/>
+            <pc:sldMk cId="3182037683" sldId="344"/>
+            <ac:spMk id="8" creationId="{4687B8EC-7163-9048-BAC1-FE78A39C43EF}"/>
+          </ac:spMkLst>
+        </pc:spChg>
+        <pc:spChg chg="add">
+          <ac:chgData name="Ihor Aleksandrov" userId="c3051032-6b87-4db2-b257-777a0106fbd9" providerId="ADAL" clId="{A3EFBF31-7B9C-4D5A-89F5-DC51A0BFC201}" dt="2024-01-31T08:15:19.745" v="522" actId="26606"/>
+          <ac:spMkLst>
+            <pc:docMk/>
+            <pc:sldMk cId="3182037683" sldId="344"/>
+            <ac:spMk id="10" creationId="{D4771268-CB57-404A-9271-370EB28F6090}"/>
+          </ac:spMkLst>
+        </pc:spChg>
+        <pc:spChg chg="del">
+          <ac:chgData name="Ihor Aleksandrov" userId="c3051032-6b87-4db2-b257-777a0106fbd9" providerId="ADAL" clId="{A3EFBF31-7B9C-4D5A-89F5-DC51A0BFC201}" dt="2024-01-31T08:15:15.691" v="521"/>
+          <ac:spMkLst>
+            <pc:docMk/>
+            <pc:sldMk cId="3182037683" sldId="344"/>
+            <ac:spMk id="24" creationId="{D4771268-CB57-404A-9271-370EB28F6090}"/>
+          </ac:spMkLst>
+        </pc:spChg>
+        <pc:picChg chg="mod">
+          <ac:chgData name="Ihor Aleksandrov" userId="c3051032-6b87-4db2-b257-777a0106fbd9" providerId="ADAL" clId="{A3EFBF31-7B9C-4D5A-89F5-DC51A0BFC201}" dt="2024-01-31T08:15:25.634" v="524" actId="1076"/>
+          <ac:picMkLst>
+            <pc:docMk/>
+            <pc:sldMk cId="3182037683" sldId="344"/>
+            <ac:picMk id="5" creationId="{1E6DB63B-EC74-3639-FEE4-934B615E45D7}"/>
+          </ac:picMkLst>
+        </pc:picChg>
+      </pc:sldChg>
+      <pc:sldChg chg="addSp delSp modSp add mod setBg delDesignElem">
+        <pc:chgData name="Ihor Aleksandrov" userId="c3051032-6b87-4db2-b257-777a0106fbd9" providerId="ADAL" clId="{A3EFBF31-7B9C-4D5A-89F5-DC51A0BFC201}" dt="2024-01-31T08:18:53.974" v="541" actId="1076"/>
+        <pc:sldMkLst>
+          <pc:docMk/>
+          <pc:sldMk cId="960138513" sldId="345"/>
+        </pc:sldMkLst>
+        <pc:spChg chg="mod">
+          <ac:chgData name="Ihor Aleksandrov" userId="c3051032-6b87-4db2-b257-777a0106fbd9" providerId="ADAL" clId="{A3EFBF31-7B9C-4D5A-89F5-DC51A0BFC201}" dt="2024-01-31T08:18:11.922" v="533" actId="26606"/>
+          <ac:spMkLst>
+            <pc:docMk/>
+            <pc:sldMk cId="960138513" sldId="345"/>
+            <ac:spMk id="2" creationId="{53C5D828-9666-E312-B574-9FE965A7D6BE}"/>
+          </ac:spMkLst>
+        </pc:spChg>
+        <pc:spChg chg="mod ord">
+          <ac:chgData name="Ihor Aleksandrov" userId="c3051032-6b87-4db2-b257-777a0106fbd9" providerId="ADAL" clId="{A3EFBF31-7B9C-4D5A-89F5-DC51A0BFC201}" dt="2024-01-31T08:18:11.922" v="533" actId="26606"/>
+          <ac:spMkLst>
+            <pc:docMk/>
+            <pc:sldMk cId="960138513" sldId="345"/>
+            <ac:spMk id="3" creationId="{5AA19FA0-A765-8169-03F1-928E3EF7B595}"/>
+          </ac:spMkLst>
+        </pc:spChg>
+        <pc:spChg chg="add mod">
+          <ac:chgData name="Ihor Aleksandrov" userId="c3051032-6b87-4db2-b257-777a0106fbd9" providerId="ADAL" clId="{A3EFBF31-7B9C-4D5A-89F5-DC51A0BFC201}" dt="2024-01-31T08:18:32.318" v="538" actId="1076"/>
+          <ac:spMkLst>
+            <pc:docMk/>
+            <pc:sldMk cId="960138513" sldId="345"/>
+            <ac:spMk id="6" creationId="{86E7FA3E-5D7E-3B8D-35D3-FC82D4620E33}"/>
+          </ac:spMkLst>
+        </pc:spChg>
+        <pc:spChg chg="add mod">
+          <ac:chgData name="Ihor Aleksandrov" userId="c3051032-6b87-4db2-b257-777a0106fbd9" providerId="ADAL" clId="{A3EFBF31-7B9C-4D5A-89F5-DC51A0BFC201}" dt="2024-01-31T08:18:53.974" v="541" actId="1076"/>
+          <ac:spMkLst>
+            <pc:docMk/>
+            <pc:sldMk cId="960138513" sldId="345"/>
+            <ac:spMk id="8" creationId="{AF8F11B0-879A-E18D-7196-9C590D16B40B}"/>
+          </ac:spMkLst>
+        </pc:spChg>
+        <pc:spChg chg="add">
+          <ac:chgData name="Ihor Aleksandrov" userId="c3051032-6b87-4db2-b257-777a0106fbd9" providerId="ADAL" clId="{A3EFBF31-7B9C-4D5A-89F5-DC51A0BFC201}" dt="2024-01-31T08:18:11.922" v="533" actId="26606"/>
+          <ac:spMkLst>
+            <pc:docMk/>
+            <pc:sldMk cId="960138513" sldId="345"/>
+            <ac:spMk id="9" creationId="{D4771268-CB57-404A-9271-370EB28F6090}"/>
+          </ac:spMkLst>
+        </pc:spChg>
+        <pc:spChg chg="del">
+          <ac:chgData name="Ihor Aleksandrov" userId="c3051032-6b87-4db2-b257-777a0106fbd9" providerId="ADAL" clId="{A3EFBF31-7B9C-4D5A-89F5-DC51A0BFC201}" dt="2024-01-31T08:18:07.402" v="532"/>
+          <ac:spMkLst>
+            <pc:docMk/>
+            <pc:sldMk cId="960138513" sldId="345"/>
+            <ac:spMk id="24" creationId="{D4771268-CB57-404A-9271-370EB28F6090}"/>
+          </ac:spMkLst>
+        </pc:spChg>
+        <pc:picChg chg="mod">
+          <ac:chgData name="Ihor Aleksandrov" userId="c3051032-6b87-4db2-b257-777a0106fbd9" providerId="ADAL" clId="{A3EFBF31-7B9C-4D5A-89F5-DC51A0BFC201}" dt="2024-01-31T08:18:19.058" v="535" actId="1076"/>
+          <ac:picMkLst>
+            <pc:docMk/>
+            <pc:sldMk cId="960138513" sldId="345"/>
+            <ac:picMk id="4" creationId="{D70C559A-B513-CDBF-7D13-F0CDDD4A9E3B}"/>
           </ac:picMkLst>
         </pc:picChg>
       </pc:sldChg>
@@ -7422,7 +7786,7 @@
         <a:p>
           <a:r>
             <a:rPr lang="en-US" dirty="0"/>
-            <a:t>CI/CD</a:t>
+            <a:t>Cloud Computing</a:t>
           </a:r>
         </a:p>
       </dgm:t>
@@ -7456,6 +7820,92 @@
         </a:p>
       </dgm:t>
     </dgm:pt>
+    <dgm:pt modelId="{CDDBB8DD-A01C-4732-AC35-F28DD8AF8C15}">
+      <dgm:prSet/>
+      <dgm:spPr/>
+      <dgm:t>
+        <a:bodyPr/>
+        <a:lstStyle/>
+        <a:p>
+          <a:r>
+            <a:rPr lang="en-US" dirty="0"/>
+            <a:t>AWS</a:t>
+          </a:r>
+        </a:p>
+      </dgm:t>
+      <dgm:extLst>
+        <a:ext uri="{E40237B7-FDA0-4F09-8148-C483321AD2D9}">
+          <dgm14:cNvPr xmlns:dgm14="http://schemas.microsoft.com/office/drawing/2010/diagram" id="0" name="">
+            <a:hlinkClick xmlns:r="http://schemas.openxmlformats.org/officeDocument/2006/relationships" r:id="rId2" action="ppaction://hlinksldjump"/>
+          </dgm14:cNvPr>
+        </a:ext>
+      </dgm:extLst>
+    </dgm:pt>
+    <dgm:pt modelId="{DFB4CC20-ADD4-4C51-9B29-CA7EC3DD7DF0}" type="parTrans" cxnId="{5B5625A1-2376-4504-8D09-CFD67F0F8444}">
+      <dgm:prSet/>
+      <dgm:spPr/>
+      <dgm:t>
+        <a:bodyPr/>
+        <a:lstStyle/>
+        <a:p>
+          <a:endParaRPr lang="ru-UA"/>
+        </a:p>
+      </dgm:t>
+    </dgm:pt>
+    <dgm:pt modelId="{A9DDE59F-C1EA-4792-AE58-0C79FA5AF3CA}" type="sibTrans" cxnId="{5B5625A1-2376-4504-8D09-CFD67F0F8444}">
+      <dgm:prSet/>
+      <dgm:spPr/>
+      <dgm:t>
+        <a:bodyPr/>
+        <a:lstStyle/>
+        <a:p>
+          <a:endParaRPr lang="ru-UA"/>
+        </a:p>
+      </dgm:t>
+    </dgm:pt>
+    <dgm:pt modelId="{C7DEA20A-4F3A-4722-AA83-AD35797AC4FA}">
+      <dgm:prSet/>
+      <dgm:spPr/>
+      <dgm:t>
+        <a:bodyPr/>
+        <a:lstStyle/>
+        <a:p>
+          <a:r>
+            <a:rPr lang="en-US" dirty="0"/>
+            <a:t>Azure</a:t>
+          </a:r>
+        </a:p>
+      </dgm:t>
+      <dgm:extLst>
+        <a:ext uri="{E40237B7-FDA0-4F09-8148-C483321AD2D9}">
+          <dgm14:cNvPr xmlns:dgm14="http://schemas.microsoft.com/office/drawing/2010/diagram" id="0" name="">
+            <a:hlinkClick xmlns:r="http://schemas.openxmlformats.org/officeDocument/2006/relationships" r:id="rId3" action="ppaction://hlinksldjump"/>
+          </dgm14:cNvPr>
+        </a:ext>
+      </dgm:extLst>
+    </dgm:pt>
+    <dgm:pt modelId="{FD63AF42-2B8F-4A04-BE93-32A2395FC789}" type="parTrans" cxnId="{A9B804C7-3376-4AAF-8FE0-315428AD2188}">
+      <dgm:prSet/>
+      <dgm:spPr/>
+      <dgm:t>
+        <a:bodyPr/>
+        <a:lstStyle/>
+        <a:p>
+          <a:endParaRPr lang="ru-UA"/>
+        </a:p>
+      </dgm:t>
+    </dgm:pt>
+    <dgm:pt modelId="{A83F41D3-783A-4A87-B7B7-65AB51A7BBDF}" type="sibTrans" cxnId="{A9B804C7-3376-4AAF-8FE0-315428AD2188}">
+      <dgm:prSet/>
+      <dgm:spPr/>
+      <dgm:t>
+        <a:bodyPr/>
+        <a:lstStyle/>
+        <a:p>
+          <a:endParaRPr lang="ru-UA"/>
+        </a:p>
+      </dgm:t>
+    </dgm:pt>
     <dgm:pt modelId="{4FE4B1AC-A99B-45EC-AFA8-E510D59359ED}" type="pres">
       <dgm:prSet presAssocID="{1C600E66-A0CB-470F-8514-C91590285CB3}" presName="Name0" presStyleCnt="0">
         <dgm:presLayoutVars>
@@ -7471,7 +7921,41 @@
       <dgm:spPr/>
     </dgm:pt>
     <dgm:pt modelId="{938A66F9-A955-4384-A32F-5A244E92AC01}" type="pres">
-      <dgm:prSet presAssocID="{64E9ACE6-9AFD-4BBA-80CB-01DA1300E087}" presName="parentText" presStyleLbl="node1" presStyleIdx="0" presStyleCnt="1">
+      <dgm:prSet presAssocID="{64E9ACE6-9AFD-4BBA-80CB-01DA1300E087}" presName="parentText" presStyleLbl="node1" presStyleIdx="0" presStyleCnt="3">
+        <dgm:presLayoutVars>
+          <dgm:chMax val="1"/>
+          <dgm:bulletEnabled val="1"/>
+        </dgm:presLayoutVars>
+      </dgm:prSet>
+      <dgm:spPr/>
+    </dgm:pt>
+    <dgm:pt modelId="{CDD65FAC-2AE3-4501-9800-184AE3820557}" type="pres">
+      <dgm:prSet presAssocID="{7B2C8051-D046-465E-BB80-77D9BB7B38CD}" presName="sp" presStyleCnt="0"/>
+      <dgm:spPr/>
+    </dgm:pt>
+    <dgm:pt modelId="{E941C728-4ECD-4779-A47F-0FD71CBA77D9}" type="pres">
+      <dgm:prSet presAssocID="{CDDBB8DD-A01C-4732-AC35-F28DD8AF8C15}" presName="linNode" presStyleCnt="0"/>
+      <dgm:spPr/>
+    </dgm:pt>
+    <dgm:pt modelId="{5201E5E7-37E9-4B9E-A739-F052FDC9C480}" type="pres">
+      <dgm:prSet presAssocID="{CDDBB8DD-A01C-4732-AC35-F28DD8AF8C15}" presName="parentText" presStyleLbl="node1" presStyleIdx="1" presStyleCnt="3">
+        <dgm:presLayoutVars>
+          <dgm:chMax val="1"/>
+          <dgm:bulletEnabled val="1"/>
+        </dgm:presLayoutVars>
+      </dgm:prSet>
+      <dgm:spPr/>
+    </dgm:pt>
+    <dgm:pt modelId="{428A7336-C309-49DE-9331-9B10C9E3F7DE}" type="pres">
+      <dgm:prSet presAssocID="{A9DDE59F-C1EA-4792-AE58-0C79FA5AF3CA}" presName="sp" presStyleCnt="0"/>
+      <dgm:spPr/>
+    </dgm:pt>
+    <dgm:pt modelId="{35DEAE47-3BE5-41AA-956B-8FA7F965C01E}" type="pres">
+      <dgm:prSet presAssocID="{C7DEA20A-4F3A-4722-AA83-AD35797AC4FA}" presName="linNode" presStyleCnt="0"/>
+      <dgm:spPr/>
+    </dgm:pt>
+    <dgm:pt modelId="{87A382D5-39DB-4AE3-AEC5-6AB807D9BCEF}" type="pres">
+      <dgm:prSet presAssocID="{C7DEA20A-4F3A-4722-AA83-AD35797AC4FA}" presName="parentText" presStyleLbl="node1" presStyleIdx="2" presStyleCnt="3">
         <dgm:presLayoutVars>
           <dgm:chMax val="1"/>
           <dgm:bulletEnabled val="1"/>
@@ -7482,10 +7966,20 @@
   </dgm:ptLst>
   <dgm:cxnLst>
     <dgm:cxn modelId="{B4E32220-B6E5-419F-85FB-810888F0627F}" type="presOf" srcId="{64E9ACE6-9AFD-4BBA-80CB-01DA1300E087}" destId="{938A66F9-A955-4384-A32F-5A244E92AC01}" srcOrd="0" destOrd="0" presId="urn:microsoft.com/office/officeart/2005/8/layout/vList5"/>
+    <dgm:cxn modelId="{43DBA823-5DC9-40A6-95CA-D5A624D6DBC8}" type="presOf" srcId="{CDDBB8DD-A01C-4732-AC35-F28DD8AF8C15}" destId="{5201E5E7-37E9-4B9E-A739-F052FDC9C480}" srcOrd="0" destOrd="0" presId="urn:microsoft.com/office/officeart/2005/8/layout/vList5"/>
+    <dgm:cxn modelId="{0701E433-6ECD-4286-8F9B-53552CBAFF00}" type="presOf" srcId="{C7DEA20A-4F3A-4722-AA83-AD35797AC4FA}" destId="{87A382D5-39DB-4AE3-AEC5-6AB807D9BCEF}" srcOrd="0" destOrd="0" presId="urn:microsoft.com/office/officeart/2005/8/layout/vList5"/>
     <dgm:cxn modelId="{C7C38DA0-CE59-4FEF-BFD1-6FDA69259313}" srcId="{1C600E66-A0CB-470F-8514-C91590285CB3}" destId="{64E9ACE6-9AFD-4BBA-80CB-01DA1300E087}" srcOrd="0" destOrd="0" parTransId="{FD0FAFBC-EEAF-4FBF-916F-D182FE250A26}" sibTransId="{7B2C8051-D046-465E-BB80-77D9BB7B38CD}"/>
+    <dgm:cxn modelId="{5B5625A1-2376-4504-8D09-CFD67F0F8444}" srcId="{1C600E66-A0CB-470F-8514-C91590285CB3}" destId="{CDDBB8DD-A01C-4732-AC35-F28DD8AF8C15}" srcOrd="1" destOrd="0" parTransId="{DFB4CC20-ADD4-4C51-9B29-CA7EC3DD7DF0}" sibTransId="{A9DDE59F-C1EA-4792-AE58-0C79FA5AF3CA}"/>
+    <dgm:cxn modelId="{A9B804C7-3376-4AAF-8FE0-315428AD2188}" srcId="{1C600E66-A0CB-470F-8514-C91590285CB3}" destId="{C7DEA20A-4F3A-4722-AA83-AD35797AC4FA}" srcOrd="2" destOrd="0" parTransId="{FD63AF42-2B8F-4A04-BE93-32A2395FC789}" sibTransId="{A83F41D3-783A-4A87-B7B7-65AB51A7BBDF}"/>
     <dgm:cxn modelId="{C92152C9-FF79-4894-84FC-66E915F78959}" type="presOf" srcId="{1C600E66-A0CB-470F-8514-C91590285CB3}" destId="{4FE4B1AC-A99B-45EC-AFA8-E510D59359ED}" srcOrd="0" destOrd="0" presId="urn:microsoft.com/office/officeart/2005/8/layout/vList5"/>
     <dgm:cxn modelId="{83CB446D-F423-469F-BA03-5D05F0C13392}" type="presParOf" srcId="{4FE4B1AC-A99B-45EC-AFA8-E510D59359ED}" destId="{025ACBAF-46AC-4624-83DD-68FF5F6C7CAC}" srcOrd="0" destOrd="0" presId="urn:microsoft.com/office/officeart/2005/8/layout/vList5"/>
     <dgm:cxn modelId="{63EE6CDD-CD71-4C1F-8B53-41E7553C7928}" type="presParOf" srcId="{025ACBAF-46AC-4624-83DD-68FF5F6C7CAC}" destId="{938A66F9-A955-4384-A32F-5A244E92AC01}" srcOrd="0" destOrd="0" presId="urn:microsoft.com/office/officeart/2005/8/layout/vList5"/>
+    <dgm:cxn modelId="{0DBC9438-D464-4937-8CB4-AFDC8AA3A081}" type="presParOf" srcId="{4FE4B1AC-A99B-45EC-AFA8-E510D59359ED}" destId="{CDD65FAC-2AE3-4501-9800-184AE3820557}" srcOrd="1" destOrd="0" presId="urn:microsoft.com/office/officeart/2005/8/layout/vList5"/>
+    <dgm:cxn modelId="{B05608C4-953F-4B6F-9DB3-3B965BA5AC2E}" type="presParOf" srcId="{4FE4B1AC-A99B-45EC-AFA8-E510D59359ED}" destId="{E941C728-4ECD-4779-A47F-0FD71CBA77D9}" srcOrd="2" destOrd="0" presId="urn:microsoft.com/office/officeart/2005/8/layout/vList5"/>
+    <dgm:cxn modelId="{4E2E09B6-7579-4FB6-B6CB-EBB7768E04A4}" type="presParOf" srcId="{E941C728-4ECD-4779-A47F-0FD71CBA77D9}" destId="{5201E5E7-37E9-4B9E-A739-F052FDC9C480}" srcOrd="0" destOrd="0" presId="urn:microsoft.com/office/officeart/2005/8/layout/vList5"/>
+    <dgm:cxn modelId="{203EAC0D-37C8-4535-895D-1B6AE3771A59}" type="presParOf" srcId="{4FE4B1AC-A99B-45EC-AFA8-E510D59359ED}" destId="{428A7336-C309-49DE-9331-9B10C9E3F7DE}" srcOrd="3" destOrd="0" presId="urn:microsoft.com/office/officeart/2005/8/layout/vList5"/>
+    <dgm:cxn modelId="{25556550-AE4C-46C8-9040-BCF3845C8146}" type="presParOf" srcId="{4FE4B1AC-A99B-45EC-AFA8-E510D59359ED}" destId="{35DEAE47-3BE5-41AA-956B-8FA7F965C01E}" srcOrd="4" destOrd="0" presId="urn:microsoft.com/office/officeart/2005/8/layout/vList5"/>
+    <dgm:cxn modelId="{FE6A97A0-FDF6-4BC9-8736-810BD184F3A7}" type="presParOf" srcId="{35DEAE47-3BE5-41AA-956B-8FA7F965C01E}" destId="{87A382D5-39DB-4AE3-AEC5-6AB807D9BCEF}" srcOrd="0" destOrd="0" presId="urn:microsoft.com/office/officeart/2005/8/layout/vList5"/>
   </dgm:cxnLst>
   <dgm:bg/>
   <dgm:whole/>
@@ -7512,8 +8006,8 @@
       </dsp:nvSpPr>
       <dsp:spPr>
         <a:xfrm>
-          <a:off x="2044999" y="0"/>
-          <a:ext cx="2300624" cy="1526770"/>
+          <a:off x="2044999" y="1741"/>
+          <a:ext cx="2300624" cy="1149250"/>
         </a:xfrm>
         <a:prstGeom prst="roundRect">
           <a:avLst/>
@@ -7555,12 +8049,12 @@
         </a:fontRef>
       </dsp:style>
       <dsp:txBody>
-        <a:bodyPr spcFirstLastPara="0" vert="horz" wrap="square" lIns="220980" tIns="110490" rIns="220980" bIns="110490" numCol="1" spcCol="1270" anchor="ctr" anchorCtr="0">
+        <a:bodyPr spcFirstLastPara="0" vert="horz" wrap="square" lIns="121920" tIns="60960" rIns="121920" bIns="60960" numCol="1" spcCol="1270" anchor="ctr" anchorCtr="0">
           <a:noAutofit/>
         </a:bodyPr>
         <a:lstStyle/>
         <a:p>
-          <a:pPr marL="0" lvl="0" indent="0" algn="ctr" defTabSz="2578100">
+          <a:pPr marL="0" lvl="0" indent="0" algn="ctr" defTabSz="1422400">
             <a:lnSpc>
               <a:spcPct val="90000"/>
             </a:lnSpc>
@@ -7573,14 +8067,170 @@
             <a:buNone/>
           </a:pPr>
           <a:r>
-            <a:rPr lang="en-US" sz="5800" kern="1200" dirty="0"/>
-            <a:t>CI/CD</a:t>
+            <a:rPr lang="en-US" sz="3200" kern="1200" dirty="0"/>
+            <a:t>Cloud Computing</a:t>
           </a:r>
         </a:p>
       </dsp:txBody>
       <dsp:txXfrm>
-        <a:off x="2119530" y="74531"/>
-        <a:ext cx="2151562" cy="1377708"/>
+        <a:off x="2101101" y="57843"/>
+        <a:ext cx="2188420" cy="1037046"/>
+      </dsp:txXfrm>
+    </dsp:sp>
+    <dsp:sp modelId="{5201E5E7-37E9-4B9E-A739-F052FDC9C480}">
+      <dsp:nvSpPr>
+        <dsp:cNvPr id="0" name=""/>
+        <dsp:cNvSpPr/>
+      </dsp:nvSpPr>
+      <dsp:spPr>
+        <a:xfrm>
+          <a:off x="2044999" y="1208454"/>
+          <a:ext cx="2300624" cy="1149250"/>
+        </a:xfrm>
+        <a:prstGeom prst="roundRect">
+          <a:avLst/>
+        </a:prstGeom>
+        <a:solidFill>
+          <a:schemeClr val="accent1">
+            <a:hueOff val="0"/>
+            <a:satOff val="0"/>
+            <a:lumOff val="0"/>
+            <a:alphaOff val="0"/>
+          </a:schemeClr>
+        </a:solidFill>
+        <a:ln w="12700" cap="flat" cmpd="sng" algn="ctr">
+          <a:solidFill>
+            <a:schemeClr val="lt1">
+              <a:hueOff val="0"/>
+              <a:satOff val="0"/>
+              <a:lumOff val="0"/>
+              <a:alphaOff val="0"/>
+            </a:schemeClr>
+          </a:solidFill>
+          <a:prstDash val="solid"/>
+          <a:miter lim="800000"/>
+        </a:ln>
+        <a:effectLst/>
+      </dsp:spPr>
+      <dsp:style>
+        <a:lnRef idx="2">
+          <a:scrgbClr r="0" g="0" b="0"/>
+        </a:lnRef>
+        <a:fillRef idx="1">
+          <a:scrgbClr r="0" g="0" b="0"/>
+        </a:fillRef>
+        <a:effectRef idx="0">
+          <a:scrgbClr r="0" g="0" b="0"/>
+        </a:effectRef>
+        <a:fontRef idx="minor">
+          <a:schemeClr val="lt1"/>
+        </a:fontRef>
+      </dsp:style>
+      <dsp:txBody>
+        <a:bodyPr spcFirstLastPara="0" vert="horz" wrap="square" lIns="121920" tIns="60960" rIns="121920" bIns="60960" numCol="1" spcCol="1270" anchor="ctr" anchorCtr="0">
+          <a:noAutofit/>
+        </a:bodyPr>
+        <a:lstStyle/>
+        <a:p>
+          <a:pPr marL="0" lvl="0" indent="0" algn="ctr" defTabSz="1422400">
+            <a:lnSpc>
+              <a:spcPct val="90000"/>
+            </a:lnSpc>
+            <a:spcBef>
+              <a:spcPct val="0"/>
+            </a:spcBef>
+            <a:spcAft>
+              <a:spcPct val="35000"/>
+            </a:spcAft>
+            <a:buNone/>
+          </a:pPr>
+          <a:r>
+            <a:rPr lang="en-US" sz="3200" kern="1200" dirty="0"/>
+            <a:t>AWS</a:t>
+          </a:r>
+        </a:p>
+      </dsp:txBody>
+      <dsp:txXfrm>
+        <a:off x="2101101" y="1264556"/>
+        <a:ext cx="2188420" cy="1037046"/>
+      </dsp:txXfrm>
+    </dsp:sp>
+    <dsp:sp modelId="{87A382D5-39DB-4AE3-AEC5-6AB807D9BCEF}">
+      <dsp:nvSpPr>
+        <dsp:cNvPr id="0" name=""/>
+        <dsp:cNvSpPr/>
+      </dsp:nvSpPr>
+      <dsp:spPr>
+        <a:xfrm>
+          <a:off x="2044999" y="2415167"/>
+          <a:ext cx="2300624" cy="1149250"/>
+        </a:xfrm>
+        <a:prstGeom prst="roundRect">
+          <a:avLst/>
+        </a:prstGeom>
+        <a:solidFill>
+          <a:schemeClr val="accent1">
+            <a:hueOff val="0"/>
+            <a:satOff val="0"/>
+            <a:lumOff val="0"/>
+            <a:alphaOff val="0"/>
+          </a:schemeClr>
+        </a:solidFill>
+        <a:ln w="12700" cap="flat" cmpd="sng" algn="ctr">
+          <a:solidFill>
+            <a:schemeClr val="lt1">
+              <a:hueOff val="0"/>
+              <a:satOff val="0"/>
+              <a:lumOff val="0"/>
+              <a:alphaOff val="0"/>
+            </a:schemeClr>
+          </a:solidFill>
+          <a:prstDash val="solid"/>
+          <a:miter lim="800000"/>
+        </a:ln>
+        <a:effectLst/>
+      </dsp:spPr>
+      <dsp:style>
+        <a:lnRef idx="2">
+          <a:scrgbClr r="0" g="0" b="0"/>
+        </a:lnRef>
+        <a:fillRef idx="1">
+          <a:scrgbClr r="0" g="0" b="0"/>
+        </a:fillRef>
+        <a:effectRef idx="0">
+          <a:scrgbClr r="0" g="0" b="0"/>
+        </a:effectRef>
+        <a:fontRef idx="minor">
+          <a:schemeClr val="lt1"/>
+        </a:fontRef>
+      </dsp:style>
+      <dsp:txBody>
+        <a:bodyPr spcFirstLastPara="0" vert="horz" wrap="square" lIns="121920" tIns="60960" rIns="121920" bIns="60960" numCol="1" spcCol="1270" anchor="ctr" anchorCtr="0">
+          <a:noAutofit/>
+        </a:bodyPr>
+        <a:lstStyle/>
+        <a:p>
+          <a:pPr marL="0" lvl="0" indent="0" algn="ctr" defTabSz="1422400">
+            <a:lnSpc>
+              <a:spcPct val="90000"/>
+            </a:lnSpc>
+            <a:spcBef>
+              <a:spcPct val="0"/>
+            </a:spcBef>
+            <a:spcAft>
+              <a:spcPct val="35000"/>
+            </a:spcAft>
+            <a:buNone/>
+          </a:pPr>
+          <a:r>
+            <a:rPr lang="en-US" sz="3200" kern="1200" dirty="0"/>
+            <a:t>Azure</a:t>
+          </a:r>
+        </a:p>
+      </dsp:txBody>
+      <dsp:txXfrm>
+        <a:off x="2101101" y="2471269"/>
+        <a:ext cx="2188420" cy="1037046"/>
       </dsp:txXfrm>
     </dsp:sp>
   </dsp:spTree>
@@ -8936,7 +9586,7 @@
           <a:p>
             <a:fld id="{EABA3F4B-EFF6-45E3-A6AB-4944039E81EC}" type="datetimeFigureOut">
               <a:rPr lang="ru-UA" smtClean="0"/>
-              <a:t>30.01.2024</a:t>
+              <a:t>31.01.2024</a:t>
             </a:fld>
             <a:endParaRPr lang="ru-UA"/>
           </a:p>
@@ -9353,7 +10003,7 @@
           <a:p>
             <a:fld id="{C75B975F-BA21-4E1C-99B6-ABED30F89540}" type="datetime1">
               <a:rPr lang="ru-UA" smtClean="0"/>
-              <a:t>30.01.2024</a:t>
+              <a:t>31.01.2024</a:t>
             </a:fld>
             <a:endParaRPr lang="ru-UA"/>
           </a:p>
@@ -9557,7 +10207,7 @@
           <a:p>
             <a:fld id="{D66328E5-C855-4166-8AD5-040012BE18D2}" type="datetime1">
               <a:rPr lang="ru-UA" smtClean="0"/>
-              <a:t>30.01.2024</a:t>
+              <a:t>31.01.2024</a:t>
             </a:fld>
             <a:endParaRPr lang="ru-UA"/>
           </a:p>
@@ -9771,7 +10421,7 @@
           <a:p>
             <a:fld id="{84DAB8F6-F46E-4246-80EF-DE02354418E7}" type="datetime1">
               <a:rPr lang="ru-UA" smtClean="0"/>
-              <a:t>30.01.2024</a:t>
+              <a:t>31.01.2024</a:t>
             </a:fld>
             <a:endParaRPr lang="ru-UA"/>
           </a:p>
@@ -9975,7 +10625,7 @@
           <a:p>
             <a:fld id="{8467C913-2051-48A1-86F2-D1DABB2E6F13}" type="datetime1">
               <a:rPr lang="ru-UA" smtClean="0"/>
-              <a:t>30.01.2024</a:t>
+              <a:t>31.01.2024</a:t>
             </a:fld>
             <a:endParaRPr lang="ru-UA"/>
           </a:p>
@@ -10255,7 +10905,7 @@
           <a:p>
             <a:fld id="{4343B6D0-012B-4BC7-8612-51CB74638584}" type="datetime1">
               <a:rPr lang="ru-UA" smtClean="0"/>
-              <a:t>30.01.2024</a:t>
+              <a:t>31.01.2024</a:t>
             </a:fld>
             <a:endParaRPr lang="ru-UA"/>
           </a:p>
@@ -10527,7 +11177,7 @@
           <a:p>
             <a:fld id="{DA3001A2-AE52-4B99-AC5B-08EC45DA8AD0}" type="datetime1">
               <a:rPr lang="ru-UA" smtClean="0"/>
-              <a:t>30.01.2024</a:t>
+              <a:t>31.01.2024</a:t>
             </a:fld>
             <a:endParaRPr lang="ru-UA"/>
           </a:p>
@@ -10946,7 +11596,7 @@
           <a:p>
             <a:fld id="{A27ADE6B-13FE-4183-AA7E-A7D12E19AD4E}" type="datetime1">
               <a:rPr lang="ru-UA" smtClean="0"/>
-              <a:t>30.01.2024</a:t>
+              <a:t>31.01.2024</a:t>
             </a:fld>
             <a:endParaRPr lang="ru-UA"/>
           </a:p>
@@ -11092,7 +11742,7 @@
           <a:p>
             <a:fld id="{F2FE09EF-E9B0-47B3-A956-B1218ACEB757}" type="datetime1">
               <a:rPr lang="ru-UA" smtClean="0"/>
-              <a:t>30.01.2024</a:t>
+              <a:t>31.01.2024</a:t>
             </a:fld>
             <a:endParaRPr lang="ru-UA"/>
           </a:p>
@@ -11209,7 +11859,7 @@
           <a:p>
             <a:fld id="{7C0BA055-DA58-45E6-8246-829A0C23A93B}" type="datetime1">
               <a:rPr lang="ru-UA" smtClean="0"/>
-              <a:t>30.01.2024</a:t>
+              <a:t>31.01.2024</a:t>
             </a:fld>
             <a:endParaRPr lang="ru-UA"/>
           </a:p>
@@ -11526,7 +12176,7 @@
           <a:p>
             <a:fld id="{6AED41DF-758F-4A6C-8E37-CA28871B2E5A}" type="datetime1">
               <a:rPr lang="ru-UA" smtClean="0"/>
-              <a:t>30.01.2024</a:t>
+              <a:t>31.01.2024</a:t>
             </a:fld>
             <a:endParaRPr lang="ru-UA"/>
           </a:p>
@@ -11819,7 +12469,7 @@
           <a:p>
             <a:fld id="{B092880E-860C-4927-A378-BCF65DB089C9}" type="datetime1">
               <a:rPr lang="ru-UA" smtClean="0"/>
-              <a:t>30.01.2024</a:t>
+              <a:t>31.01.2024</a:t>
             </a:fld>
             <a:endParaRPr lang="ru-UA"/>
           </a:p>
@@ -12066,7 +12716,7 @@
           <a:p>
             <a:fld id="{50344D1B-5235-486F-A999-CD74520911B6}" type="datetime1">
               <a:rPr lang="ru-UA" smtClean="0"/>
-              <a:t>30.01.2024</a:t>
+              <a:t>31.01.2024</a:t>
             </a:fld>
             <a:endParaRPr lang="ru-UA"/>
           </a:p>
@@ -16352,14 +17002,14 @@
           <p:nvPr>
             <p:extLst>
               <p:ext uri="{D42A27DB-BD31-4B8C-83A1-F6EECF244321}">
-                <p14:modId xmlns:p14="http://schemas.microsoft.com/office/powerpoint/2010/main" val="3992486113"/>
+                <p14:modId xmlns:p14="http://schemas.microsoft.com/office/powerpoint/2010/main" val="2145009494"/>
               </p:ext>
             </p:extLst>
           </p:nvPr>
         </p:nvGraphicFramePr>
         <p:xfrm>
-          <a:off x="4654732" y="2664229"/>
-          <a:ext cx="6390623" cy="1526770"/>
+          <a:off x="4654732" y="2026920"/>
+          <a:ext cx="6390623" cy="3566159"/>
         </p:xfrm>
         <a:graphic>
           <a:graphicData uri="http://schemas.openxmlformats.org/drawingml/2006/diagram">
@@ -22297,7 +22947,7 @@
 </p:sld>
 </file>
 
-<file path=ppt/slides/slide4.xml><?xml version="1.0" encoding="utf-8"?>
+<file path=ppt/slides/slide38.xml><?xml version="1.0" encoding="utf-8"?>
 <p:sld xmlns:a="http://schemas.openxmlformats.org/drawingml/2006/main" xmlns:r="http://schemas.openxmlformats.org/officeDocument/2006/relationships" xmlns:p="http://schemas.openxmlformats.org/presentationml/2006/main">
   <p:cSld>
     <p:bg>
@@ -22324,7 +22974,7 @@
       </p:grpSpPr>
       <p:sp>
         <p:nvSpPr>
-          <p:cNvPr id="10" name="Down Arrow 7">
+          <p:cNvPr id="11" name="Down Arrow 7">
             <a:extLst>
               <a:ext uri="{FF2B5EF4-FFF2-40B4-BE49-F238E27FC236}">
                 <a16:creationId xmlns:a16="http://schemas.microsoft.com/office/drawing/2014/main" id="{D4771268-CB57-404A-9271-370EB28F6090}"/>
@@ -22427,11 +23077,47 @@
                 <a:ea typeface="+mj-ea"/>
                 <a:cs typeface="+mj-cs"/>
               </a:rPr>
-              <a:t>What Is Cloud Computing?</a:t>
+              <a:t>Azure SQL Database</a:t>
             </a:r>
           </a:p>
         </p:txBody>
       </p:sp>
+      <p:pic>
+        <p:nvPicPr>
+          <p:cNvPr id="6" name="Picture 5" descr="A screenshot of a computer&#10;&#10;Description automatically generated">
+            <a:extLst>
+              <a:ext uri="{FF2B5EF4-FFF2-40B4-BE49-F238E27FC236}">
+                <a16:creationId xmlns:a16="http://schemas.microsoft.com/office/drawing/2014/main" id="{50977CD2-8BCA-7C85-386A-DB7981EA0615}"/>
+              </a:ext>
+            </a:extLst>
+          </p:cNvPr>
+          <p:cNvPicPr>
+            <a:picLocks noChangeAspect="1"/>
+          </p:cNvPicPr>
+          <p:nvPr/>
+        </p:nvPicPr>
+        <p:blipFill>
+          <a:blip r:embed="rId2">
+            <a:extLst>
+              <a:ext uri="{28A0092B-C50C-407E-A947-70E740481C1C}">
+                <a14:useLocalDpi xmlns:a14="http://schemas.microsoft.com/office/drawing/2010/main" val="0"/>
+              </a:ext>
+            </a:extLst>
+          </a:blip>
+          <a:stretch>
+            <a:fillRect/>
+          </a:stretch>
+        </p:blipFill>
+        <p:spPr>
+          <a:xfrm>
+            <a:off x="1545587" y="5074029"/>
+            <a:ext cx="1116061" cy="1116061"/>
+          </a:xfrm>
+          <a:prstGeom prst="rect">
+            <a:avLst/>
+          </a:prstGeom>
+        </p:spPr>
+      </p:pic>
       <p:sp>
         <p:nvSpPr>
           <p:cNvPr id="3" name="Footer Placeholder 2">
@@ -22483,6 +23169,613 @@
       </p:sp>
       <p:sp>
         <p:nvSpPr>
+          <p:cNvPr id="5" name="TextBox 4">
+            <a:extLst>
+              <a:ext uri="{FF2B5EF4-FFF2-40B4-BE49-F238E27FC236}">
+                <a16:creationId xmlns:a16="http://schemas.microsoft.com/office/drawing/2014/main" id="{A7D9D10D-351F-C014-5050-FEAE93344DE8}"/>
+              </a:ext>
+            </a:extLst>
+          </p:cNvPr>
+          <p:cNvSpPr txBox="1"/>
+          <p:nvPr/>
+        </p:nvSpPr>
+        <p:spPr>
+          <a:xfrm>
+            <a:off x="4927476" y="1394234"/>
+            <a:ext cx="6096000" cy="3693319"/>
+          </a:xfrm>
+          <a:prstGeom prst="rect">
+            <a:avLst/>
+          </a:prstGeom>
+          <a:noFill/>
+        </p:spPr>
+        <p:txBody>
+          <a:bodyPr wrap="square">
+            <a:spAutoFit/>
+          </a:bodyPr>
+          <a:lstStyle/>
+          <a:p>
+            <a:r>
+              <a:rPr lang="en-US" dirty="0"/>
+              <a:t>Azure SQL Database is a relational database(RDBMS) service provided by Microsoft Azure that is widely used by developers when creating new applications in the cloud. It is managed completely by Microsoft and is a highly scalable platform-as-a-service (PaaS) designed especially for cloud applications. Here, we create a managed database server in the cloud and use the server to deploy our database. The server is a logical construct that acts as the central administration point for pooled databases or multiple logins, auditing rules, threat detection policy, and failover groups. </a:t>
+            </a:r>
+          </a:p>
+          <a:p>
+            <a:endParaRPr lang="en-US" dirty="0"/>
+          </a:p>
+          <a:p>
+            <a:r>
+              <a:rPr lang="en-US" dirty="0"/>
+              <a:t>The databases are available as Single databases and elastic pools.</a:t>
+            </a:r>
+            <a:endParaRPr lang="ru-UA" dirty="0"/>
+          </a:p>
+        </p:txBody>
+      </p:sp>
+      <p:sp>
+        <p:nvSpPr>
+          <p:cNvPr id="8" name="TextBox 7">
+            <a:extLst>
+              <a:ext uri="{FF2B5EF4-FFF2-40B4-BE49-F238E27FC236}">
+                <a16:creationId xmlns:a16="http://schemas.microsoft.com/office/drawing/2014/main" id="{65877938-5CE7-546F-01B8-192E8B266837}"/>
+              </a:ext>
+            </a:extLst>
+          </p:cNvPr>
+          <p:cNvSpPr txBox="1"/>
+          <p:nvPr/>
+        </p:nvSpPr>
+        <p:spPr>
+          <a:xfrm>
+            <a:off x="4550413" y="5325266"/>
+            <a:ext cx="6096000" cy="276999"/>
+          </a:xfrm>
+          <a:prstGeom prst="rect">
+            <a:avLst/>
+          </a:prstGeom>
+          <a:noFill/>
+        </p:spPr>
+        <p:txBody>
+          <a:bodyPr wrap="square">
+            <a:spAutoFit/>
+          </a:bodyPr>
+          <a:lstStyle/>
+          <a:p>
+            <a:r>
+              <a:rPr lang="en-US" sz="1200" dirty="0"/>
+              <a:t>https://www.geeksforgeeks.org/microsoft-azure-azure-sql-database/?ref=lbp</a:t>
+            </a:r>
+            <a:endParaRPr lang="ru-UA" sz="1200" dirty="0"/>
+          </a:p>
+        </p:txBody>
+      </p:sp>
+    </p:spTree>
+    <p:extLst>
+      <p:ext uri="{BB962C8B-B14F-4D97-AF65-F5344CB8AC3E}">
+        <p14:creationId xmlns:p14="http://schemas.microsoft.com/office/powerpoint/2010/main" val="1296882423"/>
+      </p:ext>
+    </p:extLst>
+  </p:cSld>
+  <p:clrMapOvr>
+    <a:masterClrMapping/>
+  </p:clrMapOvr>
+</p:sld>
+</file>
+
+<file path=ppt/slides/slide39.xml><?xml version="1.0" encoding="utf-8"?>
+<p:sld xmlns:a="http://schemas.openxmlformats.org/drawingml/2006/main" xmlns:r="http://schemas.openxmlformats.org/officeDocument/2006/relationships" xmlns:p="http://schemas.openxmlformats.org/presentationml/2006/main">
+  <p:cSld>
+    <p:bg>
+      <p:bgPr>
+        <a:solidFill>
+          <a:schemeClr val="bg1"/>
+        </a:solidFill>
+        <a:effectLst/>
+      </p:bgPr>
+    </p:bg>
+    <p:spTree>
+      <p:nvGrpSpPr>
+        <p:cNvPr id="1" name=""/>
+        <p:cNvGrpSpPr/>
+        <p:nvPr/>
+      </p:nvGrpSpPr>
+      <p:grpSpPr>
+        <a:xfrm>
+          <a:off x="0" y="0"/>
+          <a:ext cx="0" cy="0"/>
+          <a:chOff x="0" y="0"/>
+          <a:chExt cx="0" cy="0"/>
+        </a:xfrm>
+      </p:grpSpPr>
+      <p:sp>
+        <p:nvSpPr>
+          <p:cNvPr id="10" name="Down Arrow 7">
+            <a:extLst>
+              <a:ext uri="{FF2B5EF4-FFF2-40B4-BE49-F238E27FC236}">
+                <a16:creationId xmlns:a16="http://schemas.microsoft.com/office/drawing/2014/main" id="{D4771268-CB57-404A-9271-370EB28F6090}"/>
+              </a:ext>
+              <a:ext uri="{C183D7F6-B498-43B3-948B-1728B52AA6E4}">
+                <adec:decorative xmlns:adec="http://schemas.microsoft.com/office/drawing/2017/decorative" val="1"/>
+              </a:ext>
+            </a:extLst>
+          </p:cNvPr>
+          <p:cNvSpPr>
+            <a:spLocks noGrp="1" noRot="1" noChangeAspect="1" noMove="1" noResize="1" noEditPoints="1" noAdjustHandles="1" noChangeArrowheads="1" noChangeShapeType="1" noTextEdit="1"/>
+          </p:cNvSpPr>
+          <p:nvPr>
+            <p:extLst>
+              <p:ext uri="{386F3935-93C4-4BCD-93E2-E3B085C9AB24}">
+                <p16:designElem xmlns:p16="http://schemas.microsoft.com/office/powerpoint/2015/main" val="1"/>
+              </p:ext>
+            </p:extLst>
+          </p:nvPr>
+        </p:nvSpPr>
+        <p:spPr>
+          <a:xfrm rot="16200000">
+            <a:off x="800100" y="1491343"/>
+            <a:ext cx="3333749" cy="3499103"/>
+          </a:xfrm>
+          <a:prstGeom prst="downArrow">
+            <a:avLst>
+              <a:gd name="adj1" fmla="val 100000"/>
+              <a:gd name="adj2" fmla="val 15788"/>
+            </a:avLst>
+          </a:prstGeom>
+          <a:solidFill>
+            <a:srgbClr val="404040"/>
+          </a:solidFill>
+          <a:ln w="53975">
+            <a:noFill/>
+          </a:ln>
+        </p:spPr>
+        <p:style>
+          <a:lnRef idx="2">
+            <a:schemeClr val="accent1">
+              <a:shade val="50000"/>
+            </a:schemeClr>
+          </a:lnRef>
+          <a:fillRef idx="1">
+            <a:schemeClr val="accent1"/>
+          </a:fillRef>
+          <a:effectRef idx="0">
+            <a:schemeClr val="accent1"/>
+          </a:effectRef>
+          <a:fontRef idx="minor">
+            <a:schemeClr val="lt1"/>
+          </a:fontRef>
+        </p:style>
+        <p:txBody>
+          <a:bodyPr rtlCol="0" anchor="ctr"/>
+          <a:lstStyle/>
+          <a:p>
+            <a:pPr algn="ctr"/>
+            <a:endParaRPr lang="en-US"/>
+          </a:p>
+        </p:txBody>
+      </p:sp>
+      <p:sp>
+        <p:nvSpPr>
+          <p:cNvPr id="2" name="Title 1">
+            <a:extLst>
+              <a:ext uri="{FF2B5EF4-FFF2-40B4-BE49-F238E27FC236}">
+                <a16:creationId xmlns:a16="http://schemas.microsoft.com/office/drawing/2014/main" id="{53C5D828-9666-E312-B574-9FE965A7D6BE}"/>
+              </a:ext>
+            </a:extLst>
+          </p:cNvPr>
+          <p:cNvSpPr>
+            <a:spLocks noGrp="1"/>
+          </p:cNvSpPr>
+          <p:nvPr>
+            <p:ph type="title"/>
+          </p:nvPr>
+        </p:nvSpPr>
+        <p:spPr>
+          <a:xfrm>
+            <a:off x="1028700" y="1967266"/>
+            <a:ext cx="2628900" cy="2547257"/>
+          </a:xfrm>
+          <a:noFill/>
+        </p:spPr>
+        <p:txBody>
+          <a:bodyPr vert="horz" lIns="91440" tIns="45720" rIns="91440" bIns="45720" rtlCol="0" anchor="ctr">
+            <a:normAutofit/>
+          </a:bodyPr>
+          <a:lstStyle/>
+          <a:p>
+            <a:pPr algn="ctr"/>
+            <a:r>
+              <a:rPr lang="en-US" sz="3600" kern="1200" dirty="0">
+                <a:solidFill>
+                  <a:srgbClr val="FFFFFF"/>
+                </a:solidFill>
+                <a:latin typeface="+mj-lt"/>
+                <a:ea typeface="+mj-ea"/>
+                <a:cs typeface="+mj-cs"/>
+              </a:rPr>
+              <a:t>Azure Cosmos DB</a:t>
+            </a:r>
+          </a:p>
+        </p:txBody>
+      </p:sp>
+      <p:pic>
+        <p:nvPicPr>
+          <p:cNvPr id="5" name="Picture 4">
+            <a:extLst>
+              <a:ext uri="{FF2B5EF4-FFF2-40B4-BE49-F238E27FC236}">
+                <a16:creationId xmlns:a16="http://schemas.microsoft.com/office/drawing/2014/main" id="{3909FDCD-7A4B-E5C6-1FC1-DA89E6608C59}"/>
+              </a:ext>
+            </a:extLst>
+          </p:cNvPr>
+          <p:cNvPicPr>
+            <a:picLocks noChangeAspect="1"/>
+          </p:cNvPicPr>
+          <p:nvPr/>
+        </p:nvPicPr>
+        <p:blipFill>
+          <a:blip r:embed="rId2"/>
+          <a:stretch>
+            <a:fillRect/>
+          </a:stretch>
+        </p:blipFill>
+        <p:spPr>
+          <a:xfrm>
+            <a:off x="1731965" y="5161435"/>
+            <a:ext cx="914253" cy="852541"/>
+          </a:xfrm>
+          <a:prstGeom prst="rect">
+            <a:avLst/>
+          </a:prstGeom>
+        </p:spPr>
+      </p:pic>
+      <p:sp>
+        <p:nvSpPr>
+          <p:cNvPr id="3" name="Footer Placeholder 2">
+            <a:extLst>
+              <a:ext uri="{FF2B5EF4-FFF2-40B4-BE49-F238E27FC236}">
+                <a16:creationId xmlns:a16="http://schemas.microsoft.com/office/drawing/2014/main" id="{5AA19FA0-A765-8169-03F1-928E3EF7B595}"/>
+              </a:ext>
+            </a:extLst>
+          </p:cNvPr>
+          <p:cNvSpPr>
+            <a:spLocks noGrp="1"/>
+          </p:cNvSpPr>
+          <p:nvPr>
+            <p:ph type="ftr" sz="quarter" idx="11"/>
+          </p:nvPr>
+        </p:nvSpPr>
+        <p:spPr>
+          <a:xfrm>
+            <a:off x="1028700" y="6356350"/>
+            <a:ext cx="6210300" cy="365125"/>
+          </a:xfrm>
+        </p:spPr>
+        <p:txBody>
+          <a:bodyPr vert="horz" lIns="91440" tIns="45720" rIns="91440" bIns="45720" rtlCol="0" anchor="ctr">
+            <a:normAutofit/>
+          </a:bodyPr>
+          <a:lstStyle/>
+          <a:p>
+            <a:pPr algn="l">
+              <a:spcAft>
+                <a:spcPts val="600"/>
+              </a:spcAft>
+            </a:pPr>
+            <a:r>
+              <a:rPr lang="en-US" kern="1200">
+                <a:solidFill>
+                  <a:schemeClr val="tx1">
+                    <a:alpha val="80000"/>
+                  </a:schemeClr>
+                </a:solidFill>
+                <a:latin typeface="+mn-lt"/>
+                <a:ea typeface="+mn-ea"/>
+                <a:cs typeface="+mn-cs"/>
+              </a:rPr>
+              <a:t>Step 1 - Model - ver. 1</a:t>
+            </a:r>
+          </a:p>
+        </p:txBody>
+      </p:sp>
+      <p:sp>
+        <p:nvSpPr>
+          <p:cNvPr id="6" name="TextBox 5">
+            <a:extLst>
+              <a:ext uri="{FF2B5EF4-FFF2-40B4-BE49-F238E27FC236}">
+                <a16:creationId xmlns:a16="http://schemas.microsoft.com/office/drawing/2014/main" id="{4B26E5B9-AF1E-D478-F6DC-896B24E2E00F}"/>
+              </a:ext>
+            </a:extLst>
+          </p:cNvPr>
+          <p:cNvSpPr txBox="1"/>
+          <p:nvPr/>
+        </p:nvSpPr>
+        <p:spPr>
+          <a:xfrm>
+            <a:off x="4203125" y="504776"/>
+            <a:ext cx="7768936" cy="5509200"/>
+          </a:xfrm>
+          <a:prstGeom prst="rect">
+            <a:avLst/>
+          </a:prstGeom>
+          <a:noFill/>
+        </p:spPr>
+        <p:txBody>
+          <a:bodyPr wrap="square">
+            <a:spAutoFit/>
+          </a:bodyPr>
+          <a:lstStyle/>
+          <a:p>
+            <a:r>
+              <a:rPr lang="en-US" sz="1600" dirty="0" err="1"/>
+              <a:t>CosmosDB</a:t>
+            </a:r>
+            <a:r>
+              <a:rPr lang="en-US" sz="1600" dirty="0"/>
+              <a:t> is a NoSQL database by Azure. In this article, We’ll discuss high-level horizontal scaling, replication, partitioning, and database schema. And then we’ll dive into some of the data models that Cosmos DB supports. So, let’s get started. </a:t>
+            </a:r>
+          </a:p>
+          <a:p>
+            <a:endParaRPr lang="en-US" sz="1600" dirty="0"/>
+          </a:p>
+          <a:p>
+            <a:r>
+              <a:rPr lang="en-US" sz="1600" dirty="0"/>
+              <a:t>Applications used to be relatively simple. We would have an app, an API layer, and a slow drip of data dropping into our database. Now occasionally, we may have needed to surface that data and lookup device information in a catalog or look up an appointment on a calendar. But often the data sat in the database until it was called on however many days, months, or even years later.</a:t>
+            </a:r>
+          </a:p>
+          <a:p>
+            <a:endParaRPr lang="en-US" sz="1600" dirty="0"/>
+          </a:p>
+          <a:p>
+            <a:r>
+              <a:rPr lang="en-US" sz="1600" dirty="0"/>
+              <a:t>In the age of big data, where data sets have now grown from a few gigabytes to tens of gigabytes and even petabytes for some of our most demanding applications. Data is pouring into our databases and applications are demanding that data be surfaced quickly and frequently to fulfill user expectations of a personalized and fast application experience. </a:t>
+            </a:r>
+          </a:p>
+          <a:p>
+            <a:endParaRPr lang="en-US" sz="1600" dirty="0"/>
+          </a:p>
+          <a:p>
+            <a:r>
+              <a:rPr lang="en-US" sz="1600" dirty="0"/>
+              <a:t>Now, Azure Cosmos DB has boomed as the answer to the big data demands of cloud-native applications. Because non-relational or NoSQL databases like Azure Cosmos DB scale horizontally rather than vertically, we can essentially uncap the throughput and volume of data in our database. Rather than upgrading hardware on a single node to serve requests faster, Cosmos DB distributes that work across multiple nodes so requests can be served concurrently. Scaling out verse scaling up is the biggest difference between relational databases and non-relational databases like Cosmos DB.</a:t>
+            </a:r>
+            <a:endParaRPr lang="ru-UA" sz="1600" dirty="0"/>
+          </a:p>
+        </p:txBody>
+      </p:sp>
+      <p:sp>
+        <p:nvSpPr>
+          <p:cNvPr id="8" name="TextBox 7">
+            <a:extLst>
+              <a:ext uri="{FF2B5EF4-FFF2-40B4-BE49-F238E27FC236}">
+                <a16:creationId xmlns:a16="http://schemas.microsoft.com/office/drawing/2014/main" id="{243593B1-4E20-4481-645C-9497A14C60A2}"/>
+              </a:ext>
+            </a:extLst>
+          </p:cNvPr>
+          <p:cNvSpPr txBox="1"/>
+          <p:nvPr/>
+        </p:nvSpPr>
+        <p:spPr>
+          <a:xfrm>
+            <a:off x="4627418" y="6214724"/>
+            <a:ext cx="6096000" cy="276999"/>
+          </a:xfrm>
+          <a:prstGeom prst="rect">
+            <a:avLst/>
+          </a:prstGeom>
+          <a:noFill/>
+        </p:spPr>
+        <p:txBody>
+          <a:bodyPr wrap="square">
+            <a:spAutoFit/>
+          </a:bodyPr>
+          <a:lstStyle/>
+          <a:p>
+            <a:r>
+              <a:rPr lang="ru-UA" sz="1200" dirty="0"/>
+              <a:t>https://www.geeksforgeeks.org/introduction-to-azure-cosmos-db/?ref=lbp</a:t>
+            </a:r>
+          </a:p>
+        </p:txBody>
+      </p:sp>
+    </p:spTree>
+    <p:extLst>
+      <p:ext uri="{BB962C8B-B14F-4D97-AF65-F5344CB8AC3E}">
+        <p14:creationId xmlns:p14="http://schemas.microsoft.com/office/powerpoint/2010/main" val="2578212810"/>
+      </p:ext>
+    </p:extLst>
+  </p:cSld>
+  <p:clrMapOvr>
+    <a:masterClrMapping/>
+  </p:clrMapOvr>
+</p:sld>
+</file>
+
+<file path=ppt/slides/slide4.xml><?xml version="1.0" encoding="utf-8"?>
+<p:sld xmlns:a="http://schemas.openxmlformats.org/drawingml/2006/main" xmlns:r="http://schemas.openxmlformats.org/officeDocument/2006/relationships" xmlns:p="http://schemas.openxmlformats.org/presentationml/2006/main">
+  <p:cSld>
+    <p:bg>
+      <p:bgPr>
+        <a:solidFill>
+          <a:schemeClr val="bg1"/>
+        </a:solidFill>
+        <a:effectLst/>
+      </p:bgPr>
+    </p:bg>
+    <p:spTree>
+      <p:nvGrpSpPr>
+        <p:cNvPr id="1" name=""/>
+        <p:cNvGrpSpPr/>
+        <p:nvPr/>
+      </p:nvGrpSpPr>
+      <p:grpSpPr>
+        <a:xfrm>
+          <a:off x="0" y="0"/>
+          <a:ext cx="0" cy="0"/>
+          <a:chOff x="0" y="0"/>
+          <a:chExt cx="0" cy="0"/>
+        </a:xfrm>
+      </p:grpSpPr>
+      <p:sp>
+        <p:nvSpPr>
+          <p:cNvPr id="10" name="Down Arrow 7">
+            <a:extLst>
+              <a:ext uri="{FF2B5EF4-FFF2-40B4-BE49-F238E27FC236}">
+                <a16:creationId xmlns:a16="http://schemas.microsoft.com/office/drawing/2014/main" id="{D4771268-CB57-404A-9271-370EB28F6090}"/>
+              </a:ext>
+              <a:ext uri="{C183D7F6-B498-43B3-948B-1728B52AA6E4}">
+                <adec:decorative xmlns:adec="http://schemas.microsoft.com/office/drawing/2017/decorative" val="1"/>
+              </a:ext>
+            </a:extLst>
+          </p:cNvPr>
+          <p:cNvSpPr>
+            <a:spLocks noGrp="1" noRot="1" noChangeAspect="1" noMove="1" noResize="1" noEditPoints="1" noAdjustHandles="1" noChangeArrowheads="1" noChangeShapeType="1" noTextEdit="1"/>
+          </p:cNvSpPr>
+          <p:nvPr>
+            <p:extLst>
+              <p:ext uri="{386F3935-93C4-4BCD-93E2-E3B085C9AB24}">
+                <p16:designElem xmlns:p16="http://schemas.microsoft.com/office/powerpoint/2015/main" val="1"/>
+              </p:ext>
+            </p:extLst>
+          </p:nvPr>
+        </p:nvSpPr>
+        <p:spPr>
+          <a:xfrm rot="16200000">
+            <a:off x="800100" y="1491343"/>
+            <a:ext cx="3333749" cy="3499103"/>
+          </a:xfrm>
+          <a:prstGeom prst="downArrow">
+            <a:avLst>
+              <a:gd name="adj1" fmla="val 100000"/>
+              <a:gd name="adj2" fmla="val 15788"/>
+            </a:avLst>
+          </a:prstGeom>
+          <a:solidFill>
+            <a:srgbClr val="404040"/>
+          </a:solidFill>
+          <a:ln w="53975">
+            <a:noFill/>
+          </a:ln>
+        </p:spPr>
+        <p:style>
+          <a:lnRef idx="2">
+            <a:schemeClr val="accent1">
+              <a:shade val="50000"/>
+            </a:schemeClr>
+          </a:lnRef>
+          <a:fillRef idx="1">
+            <a:schemeClr val="accent1"/>
+          </a:fillRef>
+          <a:effectRef idx="0">
+            <a:schemeClr val="accent1"/>
+          </a:effectRef>
+          <a:fontRef idx="minor">
+            <a:schemeClr val="lt1"/>
+          </a:fontRef>
+        </p:style>
+        <p:txBody>
+          <a:bodyPr rtlCol="0" anchor="ctr"/>
+          <a:lstStyle/>
+          <a:p>
+            <a:pPr algn="ctr"/>
+            <a:endParaRPr lang="en-US"/>
+          </a:p>
+        </p:txBody>
+      </p:sp>
+      <p:sp>
+        <p:nvSpPr>
+          <p:cNvPr id="2" name="Title 1">
+            <a:extLst>
+              <a:ext uri="{FF2B5EF4-FFF2-40B4-BE49-F238E27FC236}">
+                <a16:creationId xmlns:a16="http://schemas.microsoft.com/office/drawing/2014/main" id="{53C5D828-9666-E312-B574-9FE965A7D6BE}"/>
+              </a:ext>
+            </a:extLst>
+          </p:cNvPr>
+          <p:cNvSpPr>
+            <a:spLocks noGrp="1"/>
+          </p:cNvSpPr>
+          <p:nvPr>
+            <p:ph type="title"/>
+          </p:nvPr>
+        </p:nvSpPr>
+        <p:spPr>
+          <a:xfrm>
+            <a:off x="1028700" y="1967266"/>
+            <a:ext cx="2628900" cy="2547257"/>
+          </a:xfrm>
+          <a:noFill/>
+        </p:spPr>
+        <p:txBody>
+          <a:bodyPr vert="horz" lIns="91440" tIns="45720" rIns="91440" bIns="45720" rtlCol="0" anchor="ctr">
+            <a:normAutofit/>
+          </a:bodyPr>
+          <a:lstStyle/>
+          <a:p>
+            <a:pPr algn="ctr"/>
+            <a:r>
+              <a:rPr lang="en-US" sz="3600" kern="1200" dirty="0">
+                <a:solidFill>
+                  <a:srgbClr val="FFFFFF"/>
+                </a:solidFill>
+                <a:latin typeface="+mj-lt"/>
+                <a:ea typeface="+mj-ea"/>
+                <a:cs typeface="+mj-cs"/>
+              </a:rPr>
+              <a:t>What Is Cloud Computing?</a:t>
+            </a:r>
+          </a:p>
+        </p:txBody>
+      </p:sp>
+      <p:sp>
+        <p:nvSpPr>
+          <p:cNvPr id="3" name="Footer Placeholder 2">
+            <a:extLst>
+              <a:ext uri="{FF2B5EF4-FFF2-40B4-BE49-F238E27FC236}">
+                <a16:creationId xmlns:a16="http://schemas.microsoft.com/office/drawing/2014/main" id="{5AA19FA0-A765-8169-03F1-928E3EF7B595}"/>
+              </a:ext>
+            </a:extLst>
+          </p:cNvPr>
+          <p:cNvSpPr>
+            <a:spLocks noGrp="1"/>
+          </p:cNvSpPr>
+          <p:nvPr>
+            <p:ph type="ftr" sz="quarter" idx="11"/>
+          </p:nvPr>
+        </p:nvSpPr>
+        <p:spPr>
+          <a:xfrm>
+            <a:off x="1028700" y="6356350"/>
+            <a:ext cx="6210300" cy="365125"/>
+          </a:xfrm>
+        </p:spPr>
+        <p:txBody>
+          <a:bodyPr vert="horz" lIns="91440" tIns="45720" rIns="91440" bIns="45720" rtlCol="0" anchor="ctr">
+            <a:normAutofit/>
+          </a:bodyPr>
+          <a:lstStyle/>
+          <a:p>
+            <a:pPr algn="l">
+              <a:spcAft>
+                <a:spcPts val="600"/>
+              </a:spcAft>
+            </a:pPr>
+            <a:r>
+              <a:rPr lang="en-US" kern="1200">
+                <a:solidFill>
+                  <a:schemeClr val="tx1">
+                    <a:alpha val="80000"/>
+                  </a:schemeClr>
+                </a:solidFill>
+                <a:latin typeface="+mn-lt"/>
+                <a:ea typeface="+mn-ea"/>
+                <a:cs typeface="+mn-cs"/>
+              </a:rPr>
+              <a:t>Step 1 - Model - ver. 1</a:t>
+            </a:r>
+          </a:p>
+        </p:txBody>
+      </p:sp>
+      <p:sp>
+        <p:nvSpPr>
           <p:cNvPr id="7" name="TextBox 6">
             <a:extLst>
               <a:ext uri="{FF2B5EF4-FFF2-40B4-BE49-F238E27FC236}">
@@ -22556,6 +23849,954 @@
     <p:extLst>
       <p:ext uri="{BB962C8B-B14F-4D97-AF65-F5344CB8AC3E}">
         <p14:creationId xmlns:p14="http://schemas.microsoft.com/office/powerpoint/2010/main" val="4197480136"/>
+      </p:ext>
+    </p:extLst>
+  </p:cSld>
+  <p:clrMapOvr>
+    <a:masterClrMapping/>
+  </p:clrMapOvr>
+</p:sld>
+</file>
+
+<file path=ppt/slides/slide40.xml><?xml version="1.0" encoding="utf-8"?>
+<p:sld xmlns:a="http://schemas.openxmlformats.org/drawingml/2006/main" xmlns:r="http://schemas.openxmlformats.org/officeDocument/2006/relationships" xmlns:p="http://schemas.openxmlformats.org/presentationml/2006/main">
+  <p:cSld>
+    <p:bg>
+      <p:bgPr>
+        <a:solidFill>
+          <a:schemeClr val="bg1"/>
+        </a:solidFill>
+        <a:effectLst/>
+      </p:bgPr>
+    </p:bg>
+    <p:spTree>
+      <p:nvGrpSpPr>
+        <p:cNvPr id="1" name=""/>
+        <p:cNvGrpSpPr/>
+        <p:nvPr/>
+      </p:nvGrpSpPr>
+      <p:grpSpPr>
+        <a:xfrm>
+          <a:off x="0" y="0"/>
+          <a:ext cx="0" cy="0"/>
+          <a:chOff x="0" y="0"/>
+          <a:chExt cx="0" cy="0"/>
+        </a:xfrm>
+      </p:grpSpPr>
+      <p:sp>
+        <p:nvSpPr>
+          <p:cNvPr id="15" name="Down Arrow 7">
+            <a:extLst>
+              <a:ext uri="{FF2B5EF4-FFF2-40B4-BE49-F238E27FC236}">
+                <a16:creationId xmlns:a16="http://schemas.microsoft.com/office/drawing/2014/main" id="{D4771268-CB57-404A-9271-370EB28F6090}"/>
+              </a:ext>
+              <a:ext uri="{C183D7F6-B498-43B3-948B-1728B52AA6E4}">
+                <adec:decorative xmlns:adec="http://schemas.microsoft.com/office/drawing/2017/decorative" val="1"/>
+              </a:ext>
+            </a:extLst>
+          </p:cNvPr>
+          <p:cNvSpPr>
+            <a:spLocks noGrp="1" noRot="1" noChangeAspect="1" noMove="1" noResize="1" noEditPoints="1" noAdjustHandles="1" noChangeArrowheads="1" noChangeShapeType="1" noTextEdit="1"/>
+          </p:cNvSpPr>
+          <p:nvPr>
+            <p:extLst>
+              <p:ext uri="{386F3935-93C4-4BCD-93E2-E3B085C9AB24}">
+                <p16:designElem xmlns:p16="http://schemas.microsoft.com/office/powerpoint/2015/main" val="1"/>
+              </p:ext>
+            </p:extLst>
+          </p:nvPr>
+        </p:nvSpPr>
+        <p:spPr>
+          <a:xfrm rot="16200000">
+            <a:off x="800100" y="1491343"/>
+            <a:ext cx="3333749" cy="3499103"/>
+          </a:xfrm>
+          <a:prstGeom prst="downArrow">
+            <a:avLst>
+              <a:gd name="adj1" fmla="val 100000"/>
+              <a:gd name="adj2" fmla="val 15788"/>
+            </a:avLst>
+          </a:prstGeom>
+          <a:solidFill>
+            <a:srgbClr val="404040"/>
+          </a:solidFill>
+          <a:ln w="53975">
+            <a:noFill/>
+          </a:ln>
+        </p:spPr>
+        <p:style>
+          <a:lnRef idx="2">
+            <a:schemeClr val="accent1">
+              <a:shade val="50000"/>
+            </a:schemeClr>
+          </a:lnRef>
+          <a:fillRef idx="1">
+            <a:schemeClr val="accent1"/>
+          </a:fillRef>
+          <a:effectRef idx="0">
+            <a:schemeClr val="accent1"/>
+          </a:effectRef>
+          <a:fontRef idx="minor">
+            <a:schemeClr val="lt1"/>
+          </a:fontRef>
+        </p:style>
+        <p:txBody>
+          <a:bodyPr rtlCol="0" anchor="ctr"/>
+          <a:lstStyle/>
+          <a:p>
+            <a:pPr algn="ctr"/>
+            <a:endParaRPr lang="en-US"/>
+          </a:p>
+        </p:txBody>
+      </p:sp>
+      <p:sp>
+        <p:nvSpPr>
+          <p:cNvPr id="2" name="Title 1">
+            <a:extLst>
+              <a:ext uri="{FF2B5EF4-FFF2-40B4-BE49-F238E27FC236}">
+                <a16:creationId xmlns:a16="http://schemas.microsoft.com/office/drawing/2014/main" id="{53C5D828-9666-E312-B574-9FE965A7D6BE}"/>
+              </a:ext>
+            </a:extLst>
+          </p:cNvPr>
+          <p:cNvSpPr>
+            <a:spLocks noGrp="1"/>
+          </p:cNvSpPr>
+          <p:nvPr>
+            <p:ph type="title"/>
+          </p:nvPr>
+        </p:nvSpPr>
+        <p:spPr>
+          <a:xfrm>
+            <a:off x="1028700" y="1967266"/>
+            <a:ext cx="2628900" cy="2547257"/>
+          </a:xfrm>
+          <a:noFill/>
+        </p:spPr>
+        <p:txBody>
+          <a:bodyPr vert="horz" lIns="91440" tIns="45720" rIns="91440" bIns="45720" rtlCol="0" anchor="ctr">
+            <a:normAutofit/>
+          </a:bodyPr>
+          <a:lstStyle/>
+          <a:p>
+            <a:pPr algn="ctr"/>
+            <a:r>
+              <a:rPr lang="en-US" sz="3600" kern="1200">
+                <a:solidFill>
+                  <a:srgbClr val="FFFFFF"/>
+                </a:solidFill>
+                <a:latin typeface="+mj-lt"/>
+                <a:ea typeface="+mj-ea"/>
+                <a:cs typeface="+mj-cs"/>
+              </a:rPr>
+              <a:t>Azure Monitor</a:t>
+            </a:r>
+            <a:endParaRPr lang="en-US" sz="3600" kern="1200" dirty="0">
+              <a:solidFill>
+                <a:srgbClr val="FFFFFF"/>
+              </a:solidFill>
+              <a:latin typeface="+mj-lt"/>
+              <a:ea typeface="+mj-ea"/>
+              <a:cs typeface="+mj-cs"/>
+            </a:endParaRPr>
+          </a:p>
+        </p:txBody>
+      </p:sp>
+      <p:pic>
+        <p:nvPicPr>
+          <p:cNvPr id="4" name="Picture 3">
+            <a:extLst>
+              <a:ext uri="{FF2B5EF4-FFF2-40B4-BE49-F238E27FC236}">
+                <a16:creationId xmlns:a16="http://schemas.microsoft.com/office/drawing/2014/main" id="{28F107C1-9081-8DFF-32B6-95CB69F19DC1}"/>
+              </a:ext>
+            </a:extLst>
+          </p:cNvPr>
+          <p:cNvPicPr>
+            <a:picLocks noChangeAspect="1"/>
+          </p:cNvPicPr>
+          <p:nvPr/>
+        </p:nvPicPr>
+        <p:blipFill>
+          <a:blip r:embed="rId2"/>
+          <a:stretch>
+            <a:fillRect/>
+          </a:stretch>
+        </p:blipFill>
+        <p:spPr>
+          <a:xfrm>
+            <a:off x="1549207" y="5135630"/>
+            <a:ext cx="1318684" cy="827474"/>
+          </a:xfrm>
+          <a:prstGeom prst="rect">
+            <a:avLst/>
+          </a:prstGeom>
+        </p:spPr>
+      </p:pic>
+      <p:sp>
+        <p:nvSpPr>
+          <p:cNvPr id="3" name="Footer Placeholder 2">
+            <a:extLst>
+              <a:ext uri="{FF2B5EF4-FFF2-40B4-BE49-F238E27FC236}">
+                <a16:creationId xmlns:a16="http://schemas.microsoft.com/office/drawing/2014/main" id="{5AA19FA0-A765-8169-03F1-928E3EF7B595}"/>
+              </a:ext>
+            </a:extLst>
+          </p:cNvPr>
+          <p:cNvSpPr>
+            <a:spLocks noGrp="1"/>
+          </p:cNvSpPr>
+          <p:nvPr>
+            <p:ph type="ftr" sz="quarter" idx="11"/>
+          </p:nvPr>
+        </p:nvSpPr>
+        <p:spPr>
+          <a:xfrm>
+            <a:off x="1028700" y="6356350"/>
+            <a:ext cx="6210300" cy="365125"/>
+          </a:xfrm>
+        </p:spPr>
+        <p:txBody>
+          <a:bodyPr vert="horz" lIns="91440" tIns="45720" rIns="91440" bIns="45720" rtlCol="0" anchor="ctr">
+            <a:normAutofit/>
+          </a:bodyPr>
+          <a:lstStyle/>
+          <a:p>
+            <a:pPr algn="l">
+              <a:spcAft>
+                <a:spcPts val="600"/>
+              </a:spcAft>
+            </a:pPr>
+            <a:r>
+              <a:rPr lang="en-US" kern="1200">
+                <a:solidFill>
+                  <a:schemeClr val="tx1">
+                    <a:alpha val="80000"/>
+                  </a:schemeClr>
+                </a:solidFill>
+                <a:latin typeface="+mn-lt"/>
+                <a:ea typeface="+mn-ea"/>
+                <a:cs typeface="+mn-cs"/>
+              </a:rPr>
+              <a:t>Step 1 - Model - ver. 1</a:t>
+            </a:r>
+          </a:p>
+        </p:txBody>
+      </p:sp>
+      <p:sp>
+        <p:nvSpPr>
+          <p:cNvPr id="6" name="TextBox 5">
+            <a:extLst>
+              <a:ext uri="{FF2B5EF4-FFF2-40B4-BE49-F238E27FC236}">
+                <a16:creationId xmlns:a16="http://schemas.microsoft.com/office/drawing/2014/main" id="{E4D80CB5-A99B-92AD-A458-FA7DDFA6231F}"/>
+              </a:ext>
+            </a:extLst>
+          </p:cNvPr>
+          <p:cNvSpPr txBox="1"/>
+          <p:nvPr/>
+        </p:nvSpPr>
+        <p:spPr>
+          <a:xfrm>
+            <a:off x="4546793" y="1313663"/>
+            <a:ext cx="6096000" cy="3970318"/>
+          </a:xfrm>
+          <a:prstGeom prst="rect">
+            <a:avLst/>
+          </a:prstGeom>
+          <a:noFill/>
+        </p:spPr>
+        <p:txBody>
+          <a:bodyPr wrap="square">
+            <a:spAutoFit/>
+          </a:bodyPr>
+          <a:lstStyle/>
+          <a:p>
+            <a:r>
+              <a:rPr lang="en-US"/>
+              <a:t>Azure Monitor is a comprehensive monitoring solution for collecting, analyzing, and responding to monitoring data from your cloud and on-premises environments. You can use Azure Monitor to maximize the availability and performance of your applications and services. It helps you understand how your applications are performing and allows you to manually and programmatically respond to system events.</a:t>
+            </a:r>
+          </a:p>
+          <a:p>
+            <a:endParaRPr lang="en-US"/>
+          </a:p>
+          <a:p>
+            <a:r>
+              <a:rPr lang="en-US"/>
+              <a:t>Azure Monitor collects and aggregates the data from every layer and component of your system across multiple Azure and non-Azure subscriptions and tenants. It stores it in a common data platform for consumption by a common set of tools that can correlate, analyze, visualize, and/or respond to the data. You can also integrate other Microsoft and non-Microsoft tools.</a:t>
+            </a:r>
+            <a:endParaRPr lang="ru-UA" dirty="0"/>
+          </a:p>
+        </p:txBody>
+      </p:sp>
+      <p:sp>
+        <p:nvSpPr>
+          <p:cNvPr id="8" name="TextBox 7">
+            <a:extLst>
+              <a:ext uri="{FF2B5EF4-FFF2-40B4-BE49-F238E27FC236}">
+                <a16:creationId xmlns:a16="http://schemas.microsoft.com/office/drawing/2014/main" id="{82C21485-48CF-4FB9-93B3-16FDFE5BC3E0}"/>
+              </a:ext>
+            </a:extLst>
+          </p:cNvPr>
+          <p:cNvSpPr txBox="1"/>
+          <p:nvPr/>
+        </p:nvSpPr>
+        <p:spPr>
+          <a:xfrm>
+            <a:off x="4918363" y="5882728"/>
+            <a:ext cx="6096000" cy="276999"/>
+          </a:xfrm>
+          <a:prstGeom prst="rect">
+            <a:avLst/>
+          </a:prstGeom>
+          <a:noFill/>
+        </p:spPr>
+        <p:txBody>
+          <a:bodyPr wrap="square">
+            <a:spAutoFit/>
+          </a:bodyPr>
+          <a:lstStyle/>
+          <a:p>
+            <a:r>
+              <a:rPr lang="ru-UA" sz="1200" dirty="0"/>
+              <a:t>https://learn.microsoft.com/en-us/azure/azure-monitor/overview</a:t>
+            </a:r>
+          </a:p>
+        </p:txBody>
+      </p:sp>
+    </p:spTree>
+    <p:extLst>
+      <p:ext uri="{BB962C8B-B14F-4D97-AF65-F5344CB8AC3E}">
+        <p14:creationId xmlns:p14="http://schemas.microsoft.com/office/powerpoint/2010/main" val="1227530818"/>
+      </p:ext>
+    </p:extLst>
+  </p:cSld>
+  <p:clrMapOvr>
+    <a:masterClrMapping/>
+  </p:clrMapOvr>
+</p:sld>
+</file>
+
+<file path=ppt/slides/slide41.xml><?xml version="1.0" encoding="utf-8"?>
+<p:sld xmlns:a="http://schemas.openxmlformats.org/drawingml/2006/main" xmlns:r="http://schemas.openxmlformats.org/officeDocument/2006/relationships" xmlns:p="http://schemas.openxmlformats.org/presentationml/2006/main">
+  <p:cSld>
+    <p:bg>
+      <p:bgPr>
+        <a:solidFill>
+          <a:schemeClr val="bg1"/>
+        </a:solidFill>
+        <a:effectLst/>
+      </p:bgPr>
+    </p:bg>
+    <p:spTree>
+      <p:nvGrpSpPr>
+        <p:cNvPr id="1" name=""/>
+        <p:cNvGrpSpPr/>
+        <p:nvPr/>
+      </p:nvGrpSpPr>
+      <p:grpSpPr>
+        <a:xfrm>
+          <a:off x="0" y="0"/>
+          <a:ext cx="0" cy="0"/>
+          <a:chOff x="0" y="0"/>
+          <a:chExt cx="0" cy="0"/>
+        </a:xfrm>
+      </p:grpSpPr>
+      <p:sp>
+        <p:nvSpPr>
+          <p:cNvPr id="10" name="Down Arrow 7">
+            <a:extLst>
+              <a:ext uri="{FF2B5EF4-FFF2-40B4-BE49-F238E27FC236}">
+                <a16:creationId xmlns:a16="http://schemas.microsoft.com/office/drawing/2014/main" id="{D4771268-CB57-404A-9271-370EB28F6090}"/>
+              </a:ext>
+              <a:ext uri="{C183D7F6-B498-43B3-948B-1728B52AA6E4}">
+                <adec:decorative xmlns:adec="http://schemas.microsoft.com/office/drawing/2017/decorative" val="1"/>
+              </a:ext>
+            </a:extLst>
+          </p:cNvPr>
+          <p:cNvSpPr>
+            <a:spLocks noGrp="1" noRot="1" noChangeAspect="1" noMove="1" noResize="1" noEditPoints="1" noAdjustHandles="1" noChangeArrowheads="1" noChangeShapeType="1" noTextEdit="1"/>
+          </p:cNvSpPr>
+          <p:nvPr>
+            <p:extLst>
+              <p:ext uri="{386F3935-93C4-4BCD-93E2-E3B085C9AB24}">
+                <p16:designElem xmlns:p16="http://schemas.microsoft.com/office/powerpoint/2015/main" val="1"/>
+              </p:ext>
+            </p:extLst>
+          </p:nvPr>
+        </p:nvSpPr>
+        <p:spPr>
+          <a:xfrm rot="16200000">
+            <a:off x="800100" y="1491343"/>
+            <a:ext cx="3333749" cy="3499103"/>
+          </a:xfrm>
+          <a:prstGeom prst="downArrow">
+            <a:avLst>
+              <a:gd name="adj1" fmla="val 100000"/>
+              <a:gd name="adj2" fmla="val 15788"/>
+            </a:avLst>
+          </a:prstGeom>
+          <a:solidFill>
+            <a:srgbClr val="404040"/>
+          </a:solidFill>
+          <a:ln w="53975">
+            <a:noFill/>
+          </a:ln>
+        </p:spPr>
+        <p:style>
+          <a:lnRef idx="2">
+            <a:schemeClr val="accent1">
+              <a:shade val="50000"/>
+            </a:schemeClr>
+          </a:lnRef>
+          <a:fillRef idx="1">
+            <a:schemeClr val="accent1"/>
+          </a:fillRef>
+          <a:effectRef idx="0">
+            <a:schemeClr val="accent1"/>
+          </a:effectRef>
+          <a:fontRef idx="minor">
+            <a:schemeClr val="lt1"/>
+          </a:fontRef>
+        </p:style>
+        <p:txBody>
+          <a:bodyPr rtlCol="0" anchor="ctr"/>
+          <a:lstStyle/>
+          <a:p>
+            <a:pPr algn="ctr"/>
+            <a:endParaRPr lang="en-US"/>
+          </a:p>
+        </p:txBody>
+      </p:sp>
+      <p:sp>
+        <p:nvSpPr>
+          <p:cNvPr id="2" name="Title 1">
+            <a:extLst>
+              <a:ext uri="{FF2B5EF4-FFF2-40B4-BE49-F238E27FC236}">
+                <a16:creationId xmlns:a16="http://schemas.microsoft.com/office/drawing/2014/main" id="{53C5D828-9666-E312-B574-9FE965A7D6BE}"/>
+              </a:ext>
+            </a:extLst>
+          </p:cNvPr>
+          <p:cNvSpPr>
+            <a:spLocks noGrp="1"/>
+          </p:cNvSpPr>
+          <p:nvPr>
+            <p:ph type="title"/>
+          </p:nvPr>
+        </p:nvSpPr>
+        <p:spPr>
+          <a:xfrm>
+            <a:off x="1028700" y="1967266"/>
+            <a:ext cx="2628900" cy="2547257"/>
+          </a:xfrm>
+          <a:noFill/>
+        </p:spPr>
+        <p:txBody>
+          <a:bodyPr vert="horz" lIns="91440" tIns="45720" rIns="91440" bIns="45720" rtlCol="0" anchor="ctr">
+            <a:normAutofit/>
+          </a:bodyPr>
+          <a:lstStyle/>
+          <a:p>
+            <a:pPr algn="ctr"/>
+            <a:r>
+              <a:rPr lang="en-US" sz="3600" kern="1200" dirty="0">
+                <a:solidFill>
+                  <a:srgbClr val="FFFFFF"/>
+                </a:solidFill>
+                <a:latin typeface="+mj-lt"/>
+                <a:ea typeface="+mj-ea"/>
+                <a:cs typeface="+mj-cs"/>
+              </a:rPr>
+              <a:t>Azure Monitor - Log Analytics</a:t>
+            </a:r>
+          </a:p>
+        </p:txBody>
+      </p:sp>
+      <p:pic>
+        <p:nvPicPr>
+          <p:cNvPr id="5" name="Picture 4">
+            <a:extLst>
+              <a:ext uri="{FF2B5EF4-FFF2-40B4-BE49-F238E27FC236}">
+                <a16:creationId xmlns:a16="http://schemas.microsoft.com/office/drawing/2014/main" id="{1E6DB63B-EC74-3639-FEE4-934B615E45D7}"/>
+              </a:ext>
+            </a:extLst>
+          </p:cNvPr>
+          <p:cNvPicPr>
+            <a:picLocks noChangeAspect="1"/>
+          </p:cNvPicPr>
+          <p:nvPr/>
+        </p:nvPicPr>
+        <p:blipFill>
+          <a:blip r:embed="rId2"/>
+          <a:stretch>
+            <a:fillRect/>
+          </a:stretch>
+        </p:blipFill>
+        <p:spPr>
+          <a:xfrm>
+            <a:off x="1521497" y="5254311"/>
+            <a:ext cx="1318684" cy="708793"/>
+          </a:xfrm>
+          <a:prstGeom prst="rect">
+            <a:avLst/>
+          </a:prstGeom>
+        </p:spPr>
+      </p:pic>
+      <p:sp>
+        <p:nvSpPr>
+          <p:cNvPr id="3" name="Footer Placeholder 2">
+            <a:extLst>
+              <a:ext uri="{FF2B5EF4-FFF2-40B4-BE49-F238E27FC236}">
+                <a16:creationId xmlns:a16="http://schemas.microsoft.com/office/drawing/2014/main" id="{5AA19FA0-A765-8169-03F1-928E3EF7B595}"/>
+              </a:ext>
+            </a:extLst>
+          </p:cNvPr>
+          <p:cNvSpPr>
+            <a:spLocks noGrp="1"/>
+          </p:cNvSpPr>
+          <p:nvPr>
+            <p:ph type="ftr" sz="quarter" idx="11"/>
+          </p:nvPr>
+        </p:nvSpPr>
+        <p:spPr>
+          <a:xfrm>
+            <a:off x="1028700" y="6356350"/>
+            <a:ext cx="6210300" cy="365125"/>
+          </a:xfrm>
+        </p:spPr>
+        <p:txBody>
+          <a:bodyPr vert="horz" lIns="91440" tIns="45720" rIns="91440" bIns="45720" rtlCol="0" anchor="ctr">
+            <a:normAutofit/>
+          </a:bodyPr>
+          <a:lstStyle/>
+          <a:p>
+            <a:pPr algn="l">
+              <a:spcAft>
+                <a:spcPts val="600"/>
+              </a:spcAft>
+            </a:pPr>
+            <a:r>
+              <a:rPr lang="en-US" kern="1200">
+                <a:solidFill>
+                  <a:schemeClr val="tx1">
+                    <a:alpha val="80000"/>
+                  </a:schemeClr>
+                </a:solidFill>
+                <a:latin typeface="+mn-lt"/>
+                <a:ea typeface="+mn-ea"/>
+                <a:cs typeface="+mn-cs"/>
+              </a:rPr>
+              <a:t>Step 1 - Model - ver. 1</a:t>
+            </a:r>
+          </a:p>
+        </p:txBody>
+      </p:sp>
+      <p:sp>
+        <p:nvSpPr>
+          <p:cNvPr id="6" name="TextBox 5">
+            <a:extLst>
+              <a:ext uri="{FF2B5EF4-FFF2-40B4-BE49-F238E27FC236}">
+                <a16:creationId xmlns:a16="http://schemas.microsoft.com/office/drawing/2014/main" id="{8A051965-0B3D-E440-504D-C2AAE32372BD}"/>
+              </a:ext>
+            </a:extLst>
+          </p:cNvPr>
+          <p:cNvSpPr txBox="1"/>
+          <p:nvPr/>
+        </p:nvSpPr>
+        <p:spPr>
+          <a:xfrm>
+            <a:off x="4765964" y="1394234"/>
+            <a:ext cx="6096000" cy="3693319"/>
+          </a:xfrm>
+          <a:prstGeom prst="rect">
+            <a:avLst/>
+          </a:prstGeom>
+          <a:noFill/>
+        </p:spPr>
+        <p:txBody>
+          <a:bodyPr wrap="square">
+            <a:spAutoFit/>
+          </a:bodyPr>
+          <a:lstStyle/>
+          <a:p>
+            <a:r>
+              <a:rPr lang="en-US" dirty="0"/>
+              <a:t>Log Analytics is a tool in the Azure portal that's used to edit and run log queries against data in the Azure Monitor Logs store.</a:t>
+            </a:r>
+          </a:p>
+          <a:p>
+            <a:endParaRPr lang="en-US" dirty="0"/>
+          </a:p>
+          <a:p>
+            <a:r>
+              <a:rPr lang="en-US" dirty="0"/>
+              <a:t>You might write a simple query that returns a set of records and then use features of Log Analytics to sort, filter, and analyze them. Or you might write a more advanced query to perform statistical analysis and visualize the results in a chart to identify a particular trend.</a:t>
+            </a:r>
+          </a:p>
+          <a:p>
+            <a:endParaRPr lang="en-US" dirty="0"/>
+          </a:p>
+          <a:p>
+            <a:r>
+              <a:rPr lang="en-US" dirty="0"/>
+              <a:t>Whether you work with the results of your queries interactively or use them with other Azure Monitor features, such as log query alerts or workbooks, Log Analytics is the tool that you'll use to write and test them.</a:t>
+            </a:r>
+            <a:endParaRPr lang="ru-UA" dirty="0"/>
+          </a:p>
+        </p:txBody>
+      </p:sp>
+      <p:sp>
+        <p:nvSpPr>
+          <p:cNvPr id="8" name="TextBox 7">
+            <a:extLst>
+              <a:ext uri="{FF2B5EF4-FFF2-40B4-BE49-F238E27FC236}">
+                <a16:creationId xmlns:a16="http://schemas.microsoft.com/office/drawing/2014/main" id="{4687B8EC-7163-9048-BAC1-FE78A39C43EF}"/>
+              </a:ext>
+            </a:extLst>
+          </p:cNvPr>
+          <p:cNvSpPr txBox="1"/>
+          <p:nvPr/>
+        </p:nvSpPr>
+        <p:spPr>
+          <a:xfrm>
+            <a:off x="4133850" y="5608707"/>
+            <a:ext cx="6096000" cy="276999"/>
+          </a:xfrm>
+          <a:prstGeom prst="rect">
+            <a:avLst/>
+          </a:prstGeom>
+          <a:noFill/>
+        </p:spPr>
+        <p:txBody>
+          <a:bodyPr wrap="square">
+            <a:spAutoFit/>
+          </a:bodyPr>
+          <a:lstStyle/>
+          <a:p>
+            <a:r>
+              <a:rPr lang="en-US" sz="1200" dirty="0"/>
+              <a:t>https://learn.microsoft.com/en-us/azure/azure-monitor/logs/log-analytics-overview</a:t>
+            </a:r>
+            <a:endParaRPr lang="ru-UA" sz="1200" dirty="0"/>
+          </a:p>
+        </p:txBody>
+      </p:sp>
+    </p:spTree>
+    <p:extLst>
+      <p:ext uri="{BB962C8B-B14F-4D97-AF65-F5344CB8AC3E}">
+        <p14:creationId xmlns:p14="http://schemas.microsoft.com/office/powerpoint/2010/main" val="3182037683"/>
+      </p:ext>
+    </p:extLst>
+  </p:cSld>
+  <p:clrMapOvr>
+    <a:masterClrMapping/>
+  </p:clrMapOvr>
+</p:sld>
+</file>
+
+<file path=ppt/slides/slide42.xml><?xml version="1.0" encoding="utf-8"?>
+<p:sld xmlns:a="http://schemas.openxmlformats.org/drawingml/2006/main" xmlns:r="http://schemas.openxmlformats.org/officeDocument/2006/relationships" xmlns:p="http://schemas.openxmlformats.org/presentationml/2006/main">
+  <p:cSld>
+    <p:bg>
+      <p:bgPr>
+        <a:solidFill>
+          <a:schemeClr val="bg1"/>
+        </a:solidFill>
+        <a:effectLst/>
+      </p:bgPr>
+    </p:bg>
+    <p:spTree>
+      <p:nvGrpSpPr>
+        <p:cNvPr id="1" name=""/>
+        <p:cNvGrpSpPr/>
+        <p:nvPr/>
+      </p:nvGrpSpPr>
+      <p:grpSpPr>
+        <a:xfrm>
+          <a:off x="0" y="0"/>
+          <a:ext cx="0" cy="0"/>
+          <a:chOff x="0" y="0"/>
+          <a:chExt cx="0" cy="0"/>
+        </a:xfrm>
+      </p:grpSpPr>
+      <p:sp>
+        <p:nvSpPr>
+          <p:cNvPr id="9" name="Down Arrow 7">
+            <a:extLst>
+              <a:ext uri="{FF2B5EF4-FFF2-40B4-BE49-F238E27FC236}">
+                <a16:creationId xmlns:a16="http://schemas.microsoft.com/office/drawing/2014/main" id="{D4771268-CB57-404A-9271-370EB28F6090}"/>
+              </a:ext>
+              <a:ext uri="{C183D7F6-B498-43B3-948B-1728B52AA6E4}">
+                <adec:decorative xmlns:adec="http://schemas.microsoft.com/office/drawing/2017/decorative" val="1"/>
+              </a:ext>
+            </a:extLst>
+          </p:cNvPr>
+          <p:cNvSpPr>
+            <a:spLocks noGrp="1" noRot="1" noChangeAspect="1" noMove="1" noResize="1" noEditPoints="1" noAdjustHandles="1" noChangeArrowheads="1" noChangeShapeType="1" noTextEdit="1"/>
+          </p:cNvSpPr>
+          <p:nvPr>
+            <p:extLst>
+              <p:ext uri="{386F3935-93C4-4BCD-93E2-E3B085C9AB24}">
+                <p16:designElem xmlns:p16="http://schemas.microsoft.com/office/powerpoint/2015/main" val="1"/>
+              </p:ext>
+            </p:extLst>
+          </p:nvPr>
+        </p:nvSpPr>
+        <p:spPr>
+          <a:xfrm rot="16200000">
+            <a:off x="800100" y="1491343"/>
+            <a:ext cx="3333749" cy="3499103"/>
+          </a:xfrm>
+          <a:prstGeom prst="downArrow">
+            <a:avLst>
+              <a:gd name="adj1" fmla="val 100000"/>
+              <a:gd name="adj2" fmla="val 15788"/>
+            </a:avLst>
+          </a:prstGeom>
+          <a:solidFill>
+            <a:srgbClr val="404040"/>
+          </a:solidFill>
+          <a:ln w="53975">
+            <a:noFill/>
+          </a:ln>
+        </p:spPr>
+        <p:style>
+          <a:lnRef idx="2">
+            <a:schemeClr val="accent1">
+              <a:shade val="50000"/>
+            </a:schemeClr>
+          </a:lnRef>
+          <a:fillRef idx="1">
+            <a:schemeClr val="accent1"/>
+          </a:fillRef>
+          <a:effectRef idx="0">
+            <a:schemeClr val="accent1"/>
+          </a:effectRef>
+          <a:fontRef idx="minor">
+            <a:schemeClr val="lt1"/>
+          </a:fontRef>
+        </p:style>
+        <p:txBody>
+          <a:bodyPr rtlCol="0" anchor="ctr"/>
+          <a:lstStyle/>
+          <a:p>
+            <a:pPr algn="ctr"/>
+            <a:endParaRPr lang="en-US"/>
+          </a:p>
+        </p:txBody>
+      </p:sp>
+      <p:sp>
+        <p:nvSpPr>
+          <p:cNvPr id="2" name="Title 1">
+            <a:extLst>
+              <a:ext uri="{FF2B5EF4-FFF2-40B4-BE49-F238E27FC236}">
+                <a16:creationId xmlns:a16="http://schemas.microsoft.com/office/drawing/2014/main" id="{53C5D828-9666-E312-B574-9FE965A7D6BE}"/>
+              </a:ext>
+            </a:extLst>
+          </p:cNvPr>
+          <p:cNvSpPr>
+            <a:spLocks noGrp="1"/>
+          </p:cNvSpPr>
+          <p:nvPr>
+            <p:ph type="title"/>
+          </p:nvPr>
+        </p:nvSpPr>
+        <p:spPr>
+          <a:xfrm>
+            <a:off x="1028700" y="1967266"/>
+            <a:ext cx="2628900" cy="2547257"/>
+          </a:xfrm>
+          <a:noFill/>
+        </p:spPr>
+        <p:txBody>
+          <a:bodyPr vert="horz" lIns="91440" tIns="45720" rIns="91440" bIns="45720" rtlCol="0" anchor="ctr">
+            <a:normAutofit/>
+          </a:bodyPr>
+          <a:lstStyle/>
+          <a:p>
+            <a:pPr algn="ctr"/>
+            <a:r>
+              <a:rPr lang="en-US" sz="3300" kern="1200">
+                <a:solidFill>
+                  <a:srgbClr val="FFFFFF"/>
+                </a:solidFill>
+                <a:latin typeface="+mj-lt"/>
+                <a:ea typeface="+mj-ea"/>
+                <a:cs typeface="+mj-cs"/>
+              </a:rPr>
+              <a:t>Cost Management and Billing</a:t>
+            </a:r>
+          </a:p>
+        </p:txBody>
+      </p:sp>
+      <p:pic>
+        <p:nvPicPr>
+          <p:cNvPr id="4" name="Picture 3">
+            <a:extLst>
+              <a:ext uri="{FF2B5EF4-FFF2-40B4-BE49-F238E27FC236}">
+                <a16:creationId xmlns:a16="http://schemas.microsoft.com/office/drawing/2014/main" id="{D70C559A-B513-CDBF-7D13-F0CDDD4A9E3B}"/>
+              </a:ext>
+            </a:extLst>
+          </p:cNvPr>
+          <p:cNvPicPr>
+            <a:picLocks noChangeAspect="1"/>
+          </p:cNvPicPr>
+          <p:nvPr/>
+        </p:nvPicPr>
+        <p:blipFill>
+          <a:blip r:embed="rId2"/>
+          <a:stretch>
+            <a:fillRect/>
+          </a:stretch>
+        </p:blipFill>
+        <p:spPr>
+          <a:xfrm>
+            <a:off x="1635317" y="5113335"/>
+            <a:ext cx="1415666" cy="644128"/>
+          </a:xfrm>
+          <a:prstGeom prst="rect">
+            <a:avLst/>
+          </a:prstGeom>
+        </p:spPr>
+      </p:pic>
+      <p:sp>
+        <p:nvSpPr>
+          <p:cNvPr id="3" name="Footer Placeholder 2">
+            <a:extLst>
+              <a:ext uri="{FF2B5EF4-FFF2-40B4-BE49-F238E27FC236}">
+                <a16:creationId xmlns:a16="http://schemas.microsoft.com/office/drawing/2014/main" id="{5AA19FA0-A765-8169-03F1-928E3EF7B595}"/>
+              </a:ext>
+            </a:extLst>
+          </p:cNvPr>
+          <p:cNvSpPr>
+            <a:spLocks noGrp="1"/>
+          </p:cNvSpPr>
+          <p:nvPr>
+            <p:ph type="ftr" sz="quarter" idx="11"/>
+          </p:nvPr>
+        </p:nvSpPr>
+        <p:spPr>
+          <a:xfrm>
+            <a:off x="1028700" y="6356350"/>
+            <a:ext cx="6210300" cy="365125"/>
+          </a:xfrm>
+        </p:spPr>
+        <p:txBody>
+          <a:bodyPr vert="horz" lIns="91440" tIns="45720" rIns="91440" bIns="45720" rtlCol="0" anchor="ctr">
+            <a:normAutofit/>
+          </a:bodyPr>
+          <a:lstStyle/>
+          <a:p>
+            <a:pPr algn="l">
+              <a:spcAft>
+                <a:spcPts val="600"/>
+              </a:spcAft>
+            </a:pPr>
+            <a:r>
+              <a:rPr lang="en-US" kern="1200">
+                <a:solidFill>
+                  <a:schemeClr val="tx1">
+                    <a:alpha val="80000"/>
+                  </a:schemeClr>
+                </a:solidFill>
+                <a:latin typeface="+mn-lt"/>
+                <a:ea typeface="+mn-ea"/>
+                <a:cs typeface="+mn-cs"/>
+              </a:rPr>
+              <a:t>Step 1 - Model - ver. 1</a:t>
+            </a:r>
+          </a:p>
+        </p:txBody>
+      </p:sp>
+      <p:sp>
+        <p:nvSpPr>
+          <p:cNvPr id="6" name="TextBox 5">
+            <a:extLst>
+              <a:ext uri="{FF2B5EF4-FFF2-40B4-BE49-F238E27FC236}">
+                <a16:creationId xmlns:a16="http://schemas.microsoft.com/office/drawing/2014/main" id="{86E7FA3E-5D7E-3B8D-35D3-FC82D4620E33}"/>
+              </a:ext>
+            </a:extLst>
+          </p:cNvPr>
+          <p:cNvSpPr txBox="1"/>
+          <p:nvPr/>
+        </p:nvSpPr>
+        <p:spPr>
+          <a:xfrm>
+            <a:off x="4322617" y="634085"/>
+            <a:ext cx="7508683" cy="4801314"/>
+          </a:xfrm>
+          <a:prstGeom prst="rect">
+            <a:avLst/>
+          </a:prstGeom>
+          <a:noFill/>
+        </p:spPr>
+        <p:txBody>
+          <a:bodyPr wrap="square">
+            <a:spAutoFit/>
+          </a:bodyPr>
+          <a:lstStyle/>
+          <a:p>
+            <a:r>
+              <a:rPr lang="en-US" dirty="0"/>
+              <a:t>Microsoft Cost Management is a suite of tools that help organizations monitor, allocate, and optimize the cost of their Microsoft Cloud workloads. Cost Management is available to anyone with access to a billing or resource management scope. The availability includes anyone from the cloud finance team with access to the billing account. And, to DevOps teams managing resources in subscriptions and resource groups.</a:t>
+            </a:r>
+          </a:p>
+          <a:p>
+            <a:endParaRPr lang="en-US" dirty="0"/>
+          </a:p>
+          <a:p>
+            <a:r>
+              <a:rPr lang="en-US" dirty="0"/>
+              <a:t>Billing is where you can manage your accounts, invoices, and payments. Billing is available to anyone with access to a billing account or other billing scope, like billing profiles and invoice sections. The cloud finance team and organizational leaders are typically included.</a:t>
+            </a:r>
+          </a:p>
+          <a:p>
+            <a:endParaRPr lang="en-US" dirty="0"/>
+          </a:p>
+          <a:p>
+            <a:r>
+              <a:rPr lang="en-US" dirty="0"/>
+              <a:t>Together, Cost Management and Billing are your gateway to the Microsoft Commerce system that's available to everyone throughout the journey. From initial sign-up and billing account management, to the purchase and management of Microsoft and third-party Marketplace offers, to financial operations (FinOps) tools.</a:t>
+            </a:r>
+            <a:endParaRPr lang="ru-UA" dirty="0"/>
+          </a:p>
+        </p:txBody>
+      </p:sp>
+      <p:sp>
+        <p:nvSpPr>
+          <p:cNvPr id="8" name="TextBox 7">
+            <a:extLst>
+              <a:ext uri="{FF2B5EF4-FFF2-40B4-BE49-F238E27FC236}">
+                <a16:creationId xmlns:a16="http://schemas.microsoft.com/office/drawing/2014/main" id="{AF8F11B0-879A-E18D-7196-9C590D16B40B}"/>
+              </a:ext>
+            </a:extLst>
+          </p:cNvPr>
+          <p:cNvSpPr txBox="1"/>
+          <p:nvPr/>
+        </p:nvSpPr>
+        <p:spPr>
+          <a:xfrm>
+            <a:off x="4133850" y="5894685"/>
+            <a:ext cx="6096000" cy="461665"/>
+          </a:xfrm>
+          <a:prstGeom prst="rect">
+            <a:avLst/>
+          </a:prstGeom>
+          <a:noFill/>
+        </p:spPr>
+        <p:txBody>
+          <a:bodyPr wrap="square">
+            <a:spAutoFit/>
+          </a:bodyPr>
+          <a:lstStyle/>
+          <a:p>
+            <a:r>
+              <a:rPr lang="ru-UA" sz="1200" dirty="0"/>
+              <a:t>https://learn.microsoft.com/en-us/azure/cost-management-billing/cost-management-billing-overview#how-cost-management-and-billing-relate</a:t>
+            </a:r>
+          </a:p>
+        </p:txBody>
+      </p:sp>
+    </p:spTree>
+    <p:extLst>
+      <p:ext uri="{BB962C8B-B14F-4D97-AF65-F5344CB8AC3E}">
+        <p14:creationId xmlns:p14="http://schemas.microsoft.com/office/powerpoint/2010/main" val="960138513"/>
       </p:ext>
     </p:extLst>
   </p:cSld>
